--- a/help/data-sheets/assets/DMeStandardSupportDatasheet_2022.pptx
+++ b/help/data-sheets/assets/DMeStandardSupportDatasheet_2022.pptx
@@ -553,7 +553,7 @@
           <a:p>
             <a:fld id="{A438815C-EDE5-F947-A55F-7634403F36C4}" type="datetimeFigureOut">
               <a:rPr lang="en-US" smtClean="0"/>
-              <a:t>3/3/2022</a:t>
+              <a:t>3/24/2022</a:t>
             </a:fld>
             <a:endParaRPr lang="en-US" dirty="0"/>
           </a:p>
@@ -1176,7 +1176,7 @@
           <a:p>
             <a:fld id="{1D8BD707-D9CF-40AE-B4C6-C98DA3205C09}" type="datetimeFigureOut">
               <a:rPr lang="en-US"/>
-              <a:t>3/3/2022</a:t>
+              <a:t>3/24/2022</a:t>
             </a:fld>
             <a:endParaRPr lang="en-US" dirty="0"/>
           </a:p>
@@ -1331,7 +1331,7 @@
           <a:p>
             <a:fld id="{1D8BD707-D9CF-40AE-B4C6-C98DA3205C09}" type="datetimeFigureOut">
               <a:rPr lang="en-US"/>
-              <a:t>3/3/2022</a:t>
+              <a:t>3/24/2022</a:t>
             </a:fld>
             <a:endParaRPr lang="en-US" dirty="0"/>
           </a:p>
@@ -1634,7 +1634,7 @@
           <a:p>
             <a:fld id="{1D8BD707-D9CF-40AE-B4C6-C98DA3205C09}" type="datetimeFigureOut">
               <a:rPr lang="en-US"/>
-              <a:t>3/3/2022</a:t>
+              <a:t>3/24/2022</a:t>
             </a:fld>
             <a:endParaRPr lang="en-US" dirty="0"/>
           </a:p>
@@ -1859,7 +1859,7 @@
         </p:nvSpPr>
         <p:spPr>
           <a:xfrm>
-            <a:off x="95250" y="7228840"/>
+            <a:off x="95250" y="7239974"/>
             <a:ext cx="4095750" cy="227626"/>
           </a:xfrm>
           <a:prstGeom prst="rect">
@@ -1881,7 +1881,7 @@
               </a:spcBef>
             </a:pPr>
             <a:r>
-              <a:rPr sz="1400" b="1" u="heavy" spc="10" dirty="0">
+              <a:rPr lang="de-DE" sz="1400" b="1" u="heavy" dirty="0">
                 <a:solidFill>
                   <a:srgbClr val="020302"/>
                 </a:solidFill>
@@ -1893,87 +1893,8 @@
                 <a:latin typeface="Adobe Clean"/>
                 <a:cs typeface="Adobe Clean"/>
               </a:rPr>
-              <a:t>Service </a:t>
+              <a:t>Service-Level-Ziele: Erste Reaktion</a:t>
             </a:r>
-            <a:r>
-              <a:rPr lang="en-US" sz="1400" b="1" u="heavy" spc="-10" dirty="0">
-                <a:solidFill>
-                  <a:srgbClr val="020302"/>
-                </a:solidFill>
-                <a:uFill>
-                  <a:solidFill>
-                    <a:srgbClr val="020302"/>
-                  </a:solidFill>
-                </a:uFill>
-                <a:latin typeface="Adobe Clean"/>
-                <a:cs typeface="Adobe Clean"/>
-              </a:rPr>
-              <a:t>Level </a:t>
-            </a:r>
-            <a:r>
-              <a:rPr lang="en-US" sz="1400" b="1" u="heavy" spc="-45" dirty="0">
-                <a:solidFill>
-                  <a:srgbClr val="020302"/>
-                </a:solidFill>
-                <a:uFill>
-                  <a:solidFill>
-                    <a:srgbClr val="020302"/>
-                  </a:solidFill>
-                </a:uFill>
-                <a:latin typeface="Adobe Clean"/>
-                <a:cs typeface="Adobe Clean"/>
-              </a:rPr>
-              <a:t>Targets: </a:t>
-            </a:r>
-            <a:r>
-              <a:rPr lang="en-US" sz="1400" b="1" u="heavy" spc="-10" dirty="0">
-                <a:solidFill>
-                  <a:srgbClr val="020302"/>
-                </a:solidFill>
-                <a:uFill>
-                  <a:solidFill>
-                    <a:srgbClr val="020302"/>
-                  </a:solidFill>
-                </a:uFill>
-                <a:latin typeface="Adobe Clean"/>
-                <a:cs typeface="Adobe Clean"/>
-              </a:rPr>
-              <a:t>Initial</a:t>
-            </a:r>
-            <a:r>
-              <a:rPr lang="en-US" sz="1400" b="1" u="heavy" spc="-140" dirty="0">
-                <a:solidFill>
-                  <a:srgbClr val="020302"/>
-                </a:solidFill>
-                <a:uFill>
-                  <a:solidFill>
-                    <a:srgbClr val="020302"/>
-                  </a:solidFill>
-                </a:uFill>
-                <a:latin typeface="Adobe Clean"/>
-                <a:cs typeface="Adobe Clean"/>
-              </a:rPr>
-              <a:t> </a:t>
-            </a:r>
-            <a:r>
-              <a:rPr lang="en-US" sz="1400" b="1" u="heavy" spc="-15" dirty="0">
-                <a:solidFill>
-                  <a:srgbClr val="020302"/>
-                </a:solidFill>
-                <a:uFill>
-                  <a:solidFill>
-                    <a:srgbClr val="020302"/>
-                  </a:solidFill>
-                </a:uFill>
-                <a:latin typeface="Adobe Clean"/>
-                <a:cs typeface="Adobe Clean"/>
-              </a:rPr>
-              <a:t>Response</a:t>
-            </a:r>
-            <a:endParaRPr sz="1400" dirty="0">
-              <a:latin typeface="Adobe Clean"/>
-              <a:cs typeface="Adobe Clean"/>
-            </a:endParaRPr>
           </a:p>
         </p:txBody>
       </p:sp>
@@ -2015,7 +1936,7 @@
         <p:spPr>
           <a:xfrm>
             <a:off x="102031" y="580032"/>
-            <a:ext cx="6134100" cy="1127232"/>
+            <a:ext cx="5765369" cy="1273426"/>
           </a:xfrm>
           <a:prstGeom prst="rect">
             <a:avLst/>
@@ -2036,7 +1957,7 @@
               </a:spcBef>
             </a:pPr>
             <a:r>
-              <a:rPr lang="en-US" sz="1200" b="1" dirty="0">
+              <a:rPr lang="de-DE" sz="1200" b="1" dirty="0">
                 <a:solidFill>
                   <a:schemeClr val="bg1"/>
                 </a:solidFill>
@@ -2044,7 +1965,7 @@
               <a:t>Standard</a:t>
             </a:r>
             <a:r>
-              <a:rPr lang="en-US" sz="1200" dirty="0">
+              <a:rPr lang="de-DE" sz="1200" dirty="0">
                 <a:solidFill>
                   <a:schemeClr val="bg1"/>
                 </a:solidFill>
@@ -2052,12 +1973,6 @@
               </a:rPr>
               <a:t> | Business | Enterprise | Elite</a:t>
             </a:r>
-            <a:endParaRPr lang="en-US" sz="900" dirty="0">
-              <a:solidFill>
-                <a:schemeClr val="bg1"/>
-              </a:solidFill>
-              <a:latin typeface="Adobe Clean Light" panose="020B0303020404020204" pitchFamily="34" charset="0"/>
-            </a:endParaRPr>
           </a:p>
           <a:p>
             <a:pPr marL="12700" marR="5080">
@@ -2069,16 +1984,16 @@
               </a:spcBef>
             </a:pPr>
             <a:r>
-              <a:rPr lang="en-US" sz="1000" dirty="0">
+              <a:rPr lang="de-DE" sz="950" dirty="0">
                 <a:solidFill>
                   <a:schemeClr val="bg1"/>
                 </a:solidFill>
                 <a:latin typeface="Adobe Clean SemiLight"/>
               </a:rPr>
-              <a:t>Adobe provides a comprehensive range of technical resources to help support your business included as part of your Adobe enterprise subscription. Standard support includes 24x7 access to our self-help support resources including articles on HelpX and engagement with other customers on Adobe Community. You can take advantage of our detailed and in-depth technical product documentation and current release notes published on </a:t>
+              <a:t>Adobe bietet eine umfangreiche Palette an technischen Ressourcen zur Unterstützung Ihres Unternehmens. Diese sind Teil Ihres Adobe Enterprise-Abonnements. Der Standard-Support umfasst den 24x7-Zugang zu unseren Selbsthilfe-Ressourcen, einschließlich Artikeln auf HelpX und dem Erfahrungsaustausch mit anderen Kunden in der Adobe Community. Ihnen stehen unsere umfangreiche technische Produktdokumentation sowie aktuelle Versionshinweise unter </a:t>
             </a:r>
             <a:r>
-              <a:rPr lang="en-US" sz="1000" u="sng" dirty="0">
+              <a:rPr lang="de-DE" sz="950" u="sng" dirty="0">
                 <a:solidFill>
                   <a:schemeClr val="bg1"/>
                 </a:solidFill>
@@ -2094,30 +2009,32 @@
               <a:t>http://www.adobe.com</a:t>
             </a:r>
             <a:r>
-              <a:rPr lang="en-US" sz="1000" u="sng" dirty="0">
+              <a:rPr lang="de-DE" sz="950" dirty="0">
                 <a:solidFill>
                   <a:schemeClr val="bg1"/>
                 </a:solidFill>
                 <a:latin typeface="Adobe Clean SemiLight"/>
               </a:rPr>
-              <a:t>. </a:t>
+              <a:t> zur Verfügung.</a:t>
             </a:r>
             <a:r>
-              <a:rPr lang="en-US" sz="1000" dirty="0">
+              <a:rPr lang="de-DE" sz="950" u="sng" dirty="0">
                 <a:solidFill>
                   <a:schemeClr val="bg1"/>
                 </a:solidFill>
                 <a:latin typeface="Adobe Clean SemiLight"/>
               </a:rPr>
-              <a:t>Our standard support also includes 24x7 access for Authorized Users (Admins) to our technical support teams via chat or telephone as well as the ability to log requests for assistance via our support web portal. </a:t>
+              <a:t> </a:t>
             </a:r>
-            <a:endParaRPr lang="en-US" sz="1000" dirty="0">
-              <a:solidFill>
-                <a:schemeClr val="bg1"/>
-              </a:solidFill>
-              <a:latin typeface="Adobe Clean Light" panose="020B0303020404020204" pitchFamily="34" charset="0"/>
-              <a:cs typeface="AdobeClean-Light"/>
-            </a:endParaRPr>
+            <a:r>
+              <a:rPr lang="de-DE" sz="950" dirty="0">
+                <a:solidFill>
+                  <a:schemeClr val="bg1"/>
+                </a:solidFill>
+                <a:latin typeface="Adobe Clean SemiLight"/>
+              </a:rPr>
+              <a:t>Unser Standard-Support beinhaltet auch einen 24x7-Zugang für autorisierte Benutzer (Administratoren) zu unseren technischen Supportteams per Chat oder Telefon sowie die Möglichkeit, Anfragen über unser Support-Webportal einzureichen. </a:t>
+            </a:r>
           </a:p>
         </p:txBody>
       </p:sp>
@@ -2159,7 +2076,7 @@
           <p:nvPr>
             <p:extLst>
               <p:ext uri="{D42A27DB-BD31-4B8C-83A1-F6EECF244321}">
-                <p14:modId xmlns:p14="http://schemas.microsoft.com/office/powerpoint/2010/main" val="3167048013"/>
+                <p14:modId xmlns:p14="http://schemas.microsoft.com/office/powerpoint/2010/main" val="2482899107"/>
               </p:ext>
             </p:extLst>
           </p:nvPr>
@@ -2182,28 +2099,28 @@
                     </a:ext>
                   </a:extLst>
                 </a:gridCol>
-                <a:gridCol w="2667002">
+                <a:gridCol w="2538131">
                   <a:extLst>
                     <a:ext uri="{9D8B030D-6E8A-4147-A177-3AD203B41FA5}">
                       <a16:colId xmlns:a16="http://schemas.microsoft.com/office/drawing/2014/main" val="20001"/>
                     </a:ext>
                   </a:extLst>
                 </a:gridCol>
-                <a:gridCol w="1019735">
+                <a:gridCol w="990600">
                   <a:extLst>
                     <a:ext uri="{9D8B030D-6E8A-4147-A177-3AD203B41FA5}">
                       <a16:colId xmlns:a16="http://schemas.microsoft.com/office/drawing/2014/main" val="20002"/>
                     </a:ext>
                   </a:extLst>
                 </a:gridCol>
-                <a:gridCol w="941294">
+                <a:gridCol w="990600">
                   <a:extLst>
                     <a:ext uri="{9D8B030D-6E8A-4147-A177-3AD203B41FA5}">
                       <a16:colId xmlns:a16="http://schemas.microsoft.com/office/drawing/2014/main" val="20003"/>
                     </a:ext>
                   </a:extLst>
                 </a:gridCol>
-                <a:gridCol w="175111">
+                <a:gridCol w="283811">
                   <a:extLst>
                     <a:ext uri="{9D8B030D-6E8A-4147-A177-3AD203B41FA5}">
                       <a16:colId xmlns:a16="http://schemas.microsoft.com/office/drawing/2014/main" val="4086914696"/>
@@ -2225,7 +2142,7 @@
                   </a:extLst>
                 </a:gridCol>
               </a:tblGrid>
-              <a:tr h="347130">
+              <a:tr h="160178">
                 <a:tc gridSpan="2">
                   <a:txBody>
                     <a:bodyPr/>
@@ -2260,29 +2177,15 @@
                         </a:spcBef>
                       </a:pPr>
                       <a:r>
-                        <a:rPr lang="en-US" sz="1000" spc="0" dirty="0">
+                        <a:rPr lang="de-DE" sz="1000">
                           <a:solidFill>
                             <a:srgbClr val="404040"/>
                           </a:solidFill>
                           <a:latin typeface="Adobe Clean"/>
                           <a:cs typeface="Adobe Clean"/>
                         </a:rPr>
-                        <a:t>Standard </a:t>
+                        <a:t>Standard Support</a:t>
                       </a:r>
-                      <a:r>
-                        <a:rPr sz="1000" spc="0" dirty="0">
-                          <a:solidFill>
-                            <a:srgbClr val="404040"/>
-                          </a:solidFill>
-                          <a:latin typeface="Adobe Clean"/>
-                          <a:cs typeface="Adobe Clean"/>
-                        </a:rPr>
-                        <a:t>Support</a:t>
-                      </a:r>
-                      <a:endParaRPr sz="1000" spc="0" dirty="0">
-                        <a:latin typeface="Adobe Clean"/>
-                        <a:cs typeface="Adobe Clean"/>
-                      </a:endParaRPr>
                     </a:p>
                   </a:txBody>
                   <a:tcPr marL="0" marR="0" marT="7620" marB="0" anchor="ctr">
@@ -2317,39 +2220,15 @@
                         </a:spcBef>
                       </a:pPr>
                       <a:r>
-                        <a:rPr sz="1000" spc="0" dirty="0">
+                        <a:rPr lang="de-DE" sz="1000">
                           <a:solidFill>
                             <a:srgbClr val="FFFFFF"/>
                           </a:solidFill>
                           <a:latin typeface="Adobe Clean"/>
                           <a:cs typeface="Adobe Clean"/>
                         </a:rPr>
-                        <a:t>Business</a:t>
+                        <a:t>Business Support</a:t>
                       </a:r>
-                      <a:r>
-                        <a:rPr lang="en-US" sz="1000" spc="0" dirty="0">
-                          <a:solidFill>
-                            <a:srgbClr val="FFFFFF"/>
-                          </a:solidFill>
-                          <a:latin typeface="Adobe Clean"/>
-                          <a:cs typeface="Adobe Clean"/>
-                        </a:rPr>
-                        <a:t> </a:t>
-                      </a:r>
-                      <a:r>
-                        <a:rPr sz="1000" spc="0" dirty="0">
-                          <a:solidFill>
-                            <a:srgbClr val="FFFFFF"/>
-                          </a:solidFill>
-                          <a:latin typeface="Adobe Clean"/>
-                          <a:cs typeface="Adobe Clean"/>
-                        </a:rPr>
-                        <a:t>Support</a:t>
-                      </a:r>
-                      <a:endParaRPr sz="1000" spc="0" dirty="0">
-                        <a:latin typeface="Adobe Clean"/>
-                        <a:cs typeface="Adobe Clean"/>
-                      </a:endParaRPr>
                     </a:p>
                   </a:txBody>
                   <a:tcPr marL="0" marR="0" marT="7620" marB="0" anchor="ctr">
@@ -2390,7 +2269,7 @@
                         </a:spcBef>
                       </a:pPr>
                       <a:r>
-                        <a:rPr lang="en-US" sz="1000" spc="0" dirty="0">
+                        <a:rPr lang="de-DE" sz="1000">
                           <a:solidFill>
                             <a:srgbClr val="FFFFFF"/>
                           </a:solidFill>
@@ -2399,10 +2278,6 @@
                         </a:rPr>
                         <a:t>Enterprise Support</a:t>
                       </a:r>
-                      <a:endParaRPr sz="1000" spc="0" dirty="0">
-                        <a:latin typeface="Adobe Clean"/>
-                        <a:cs typeface="Adobe Clean"/>
-                      </a:endParaRPr>
                     </a:p>
                   </a:txBody>
                   <a:tcPr marL="0" marR="0" marT="7620" marB="0" anchor="ctr">
@@ -2443,112 +2318,64 @@
                         </a:spcBef>
                       </a:pPr>
                       <a:r>
-                        <a:rPr sz="900" spc="-20">
+                        <a:rPr lang="de-DE" sz="900">
                           <a:solidFill>
                             <a:srgbClr val="FFFFFF"/>
                           </a:solidFill>
                           <a:latin typeface="Adobe Clean"/>
                           <a:cs typeface="Adobe Clean"/>
                         </a:rPr>
-                        <a:t>Enterprise</a:t>
+                        <a:t>Enterprise Support</a:t>
                       </a:r>
+                    </a:p>
+                  </a:txBody>
+                  <a:tcPr marL="0" marR="0" marT="7620" marB="0" anchor="ctr">
+                    <a:lnL w="3175">
+                      <a:solidFill>
+                        <a:srgbClr val="B7B8B8"/>
+                      </a:solidFill>
+                      <a:prstDash val="solid"/>
+                    </a:lnL>
+                    <a:lnR w="3175">
+                      <a:solidFill>
+                        <a:srgbClr val="B7B8B8"/>
+                      </a:solidFill>
+                      <a:prstDash val="solid"/>
+                    </a:lnR>
+                    <a:lnB w="76200">
+                      <a:solidFill>
+                        <a:srgbClr val="2E8FFF"/>
+                      </a:solidFill>
+                      <a:prstDash val="solid"/>
+                    </a:lnB>
+                    <a:solidFill>
+                      <a:srgbClr val="404040"/>
+                    </a:solidFill>
+                  </a:tcPr>
+                </a:tc>
+                <a:tc>
+                  <a:txBody>
+                    <a:bodyPr/>
+                    <a:lstStyle/>
+                    <a:p>
+                      <a:pPr marL="635" algn="ctr">
+                        <a:lnSpc>
+                          <a:spcPct val="100000"/>
+                        </a:lnSpc>
+                        <a:spcBef>
+                          <a:spcPts val="60"/>
+                        </a:spcBef>
+                      </a:pPr>
                       <a:r>
-                        <a:rPr lang="en-US" sz="900" spc="-20">
+                        <a:rPr lang="de-DE" sz="1000">
                           <a:solidFill>
                             <a:srgbClr val="FFFFFF"/>
                           </a:solidFill>
                           <a:latin typeface="Adobe Clean"/>
                           <a:cs typeface="Adobe Clean"/>
                         </a:rPr>
-                        <a:t> </a:t>
+                        <a:t>Elite Support</a:t>
                       </a:r>
-                      <a:r>
-                        <a:rPr sz="900" spc="-20">
-                          <a:solidFill>
-                            <a:srgbClr val="FFFFFF"/>
-                          </a:solidFill>
-                          <a:latin typeface="Adobe Clean"/>
-                          <a:cs typeface="Adobe Clean"/>
-                        </a:rPr>
-                        <a:t>Support</a:t>
-                      </a:r>
-                      <a:endParaRPr sz="900">
-                        <a:latin typeface="Adobe Clean"/>
-                        <a:cs typeface="Adobe Clean"/>
-                      </a:endParaRPr>
-                    </a:p>
-                  </a:txBody>
-                  <a:tcPr marL="0" marR="0" marT="7620" marB="0" anchor="ctr">
-                    <a:lnL w="3175">
-                      <a:solidFill>
-                        <a:srgbClr val="B7B8B8"/>
-                      </a:solidFill>
-                      <a:prstDash val="solid"/>
-                    </a:lnL>
-                    <a:lnR w="3175">
-                      <a:solidFill>
-                        <a:srgbClr val="B7B8B8"/>
-                      </a:solidFill>
-                      <a:prstDash val="solid"/>
-                    </a:lnR>
-                    <a:lnB w="76200">
-                      <a:solidFill>
-                        <a:srgbClr val="2E8FFF"/>
-                      </a:solidFill>
-                      <a:prstDash val="solid"/>
-                    </a:lnB>
-                    <a:solidFill>
-                      <a:srgbClr val="404040"/>
-                    </a:solidFill>
-                  </a:tcPr>
-                </a:tc>
-                <a:tc>
-                  <a:txBody>
-                    <a:bodyPr/>
-                    <a:lstStyle/>
-                    <a:p>
-                      <a:pPr marL="635" algn="ctr">
-                        <a:lnSpc>
-                          <a:spcPct val="100000"/>
-                        </a:lnSpc>
-                        <a:spcBef>
-                          <a:spcPts val="60"/>
-                        </a:spcBef>
-                      </a:pPr>
-                      <a:r>
-                        <a:rPr sz="1000" spc="0" dirty="0">
-                          <a:solidFill>
-                            <a:srgbClr val="FFFFFF"/>
-                          </a:solidFill>
-                          <a:latin typeface="Adobe Clean"/>
-                          <a:cs typeface="Adobe Clean"/>
-                        </a:rPr>
-                        <a:t>Elite</a:t>
-                      </a:r>
-                      <a:r>
-                        <a:rPr lang="en-US" sz="1000" spc="0" dirty="0">
-                          <a:solidFill>
-                            <a:srgbClr val="FFFFFF"/>
-                          </a:solidFill>
-                          <a:latin typeface="Adobe Clean"/>
-                          <a:cs typeface="Adobe Clean"/>
-                        </a:rPr>
-                        <a:t> </a:t>
-                      </a:r>
-                      <a:r>
-                        <a:rPr sz="1000" spc="0" dirty="0">
-                          <a:solidFill>
-                            <a:srgbClr val="FFFFFF"/>
-                          </a:solidFill>
-                          <a:latin typeface="Adobe Clean"/>
-                          <a:cs typeface="Adobe Clean"/>
-                        </a:rPr>
-                        <a:t>Support</a:t>
-                      </a:r>
-                      <a:endParaRPr sz="1000" spc="0" dirty="0">
-                        <a:latin typeface="Adobe Clean"/>
-                        <a:cs typeface="Adobe Clean"/>
-                      </a:endParaRPr>
                     </a:p>
                   </a:txBody>
                   <a:tcPr marL="0" marR="0" marT="7620" marB="0" anchor="ctr">
@@ -2575,7 +2402,7 @@
                   </a:ext>
                 </a:extLst>
               </a:tr>
-              <a:tr h="148588">
+              <a:tr h="182880">
                 <a:tc gridSpan="2">
                   <a:txBody>
                     <a:bodyPr/>
@@ -2601,7 +2428,7 @@
                     <a:bodyPr/>
                     <a:lstStyle/>
                     <a:p>
-                      <a:pPr marL="255904" marR="248920" indent="-25400">
+                      <a:pPr marL="255904" marR="248920" indent="-25400" algn="l" rtl="0">
                         <a:lnSpc>
                           <a:spcPct val="100000"/>
                         </a:lnSpc>
@@ -2646,61 +2473,27 @@
                     <a:bodyPr/>
                     <a:lstStyle/>
                     <a:p>
-                      <a:pPr marL="934085">
+                      <a:pPr marL="548640" indent="0">
                         <a:lnSpc>
                           <a:spcPct val="100000"/>
                         </a:lnSpc>
                         <a:spcBef>
-                          <a:spcPts val="650"/>
+                          <a:spcPts val="0"/>
                         </a:spcBef>
                       </a:pPr>
                       <a:r>
-                        <a:rPr lang="en-US" sz="1000" b="1" i="1" spc="0" dirty="0">
+                        <a:rPr lang="de-DE" sz="1000" b="1" i="1" dirty="0">
                           <a:solidFill>
                             <a:srgbClr val="FFFFFF"/>
                           </a:solidFill>
                           <a:latin typeface="Adobe Clean" panose="020B0503020404020204" pitchFamily="34" charset="0"/>
                           <a:cs typeface="Adobe Clean"/>
                         </a:rPr>
-                        <a:t>Paid</a:t>
+                        <a:t>Kostenpflichtiges Support-Level (€)</a:t>
                       </a:r>
-                      <a:r>
-                        <a:rPr sz="1000" b="1" i="1" spc="0" dirty="0">
-                          <a:solidFill>
-                            <a:srgbClr val="FFFFFF"/>
-                          </a:solidFill>
-                          <a:latin typeface="Adobe Clean" panose="020B0503020404020204" pitchFamily="34" charset="0"/>
-                          <a:cs typeface="Adobe Clean"/>
-                        </a:rPr>
-                        <a:t> Support Levels</a:t>
-                      </a:r>
-                      <a:r>
-                        <a:rPr lang="en-US" sz="1000" b="1" i="1" spc="0" dirty="0">
-                          <a:solidFill>
-                            <a:srgbClr val="FFFFFF"/>
-                          </a:solidFill>
-                          <a:latin typeface="Adobe Clean" panose="020B0503020404020204" pitchFamily="34" charset="0"/>
-                          <a:cs typeface="Adobe Clean"/>
-                        </a:rPr>
-                        <a:t> </a:t>
-                      </a:r>
-                      <a:r>
-                        <a:rPr sz="1000" b="1" i="1" spc="0" dirty="0">
-                          <a:solidFill>
-                            <a:srgbClr val="FFFFFF"/>
-                          </a:solidFill>
-                          <a:latin typeface="Adobe Clean" panose="020B0503020404020204" pitchFamily="34" charset="0"/>
-                          <a:cs typeface="Adobe Clean"/>
-                        </a:rPr>
-                        <a:t>($)</a:t>
-                      </a:r>
-                      <a:endParaRPr sz="1000" b="1" spc="0" dirty="0">
-                        <a:latin typeface="Adobe Clean" panose="020B0503020404020204" pitchFamily="34" charset="0"/>
-                        <a:cs typeface="Adobe Clean"/>
-                      </a:endParaRPr>
-                    </a:p>
-                  </a:txBody>
-                  <a:tcPr marL="0" marR="0" marT="82550" marB="0" anchor="ctr">
+                    </a:p>
+                  </a:txBody>
+                  <a:tcPr marL="0" marR="0" marT="82550" marB="0">
                     <a:lnL w="3175">
                       <a:solidFill>
                         <a:srgbClr val="B7B8B8"/>
@@ -2775,7 +2568,7 @@
                     <a:bodyPr/>
                     <a:lstStyle/>
                     <a:p>
-                      <a:pPr marL="50800">
+                      <a:pPr marL="50800" algn="ctr">
                         <a:lnSpc>
                           <a:spcPct val="100000"/>
                         </a:lnSpc>
@@ -2784,22 +2577,15 @@
                         </a:spcBef>
                       </a:pPr>
                       <a:r>
-                        <a:rPr lang="en-US" sz="1200" b="1" i="0" spc="0" dirty="0">
+                        <a:rPr lang="de-DE" sz="1150" b="1" i="0" dirty="0">
                           <a:solidFill>
                             <a:schemeClr val="bg1"/>
                           </a:solidFill>
                           <a:latin typeface="Adobe Clean" panose="020B0503020404020204" pitchFamily="34" charset="0"/>
                           <a:cs typeface="AdobeClean-Light"/>
                         </a:rPr>
-                        <a:t>Assigned Experts</a:t>
+                        <a:t>Zugewiesene Experten</a:t>
                       </a:r>
-                      <a:endParaRPr sz="1200" b="1" i="0" spc="0" dirty="0">
-                        <a:solidFill>
-                          <a:schemeClr val="bg1"/>
-                        </a:solidFill>
-                        <a:latin typeface="Adobe Clean" panose="020B0503020404020204" pitchFamily="34" charset="0"/>
-                        <a:cs typeface="AdobeClean-Light"/>
-                      </a:endParaRPr>
                     </a:p>
                   </a:txBody>
                   <a:tcPr marL="0" marR="0" marT="58419" marB="0" anchor="ctr">
@@ -2846,29 +2632,15 @@
                         </a:spcBef>
                       </a:pPr>
                       <a:r>
-                        <a:rPr sz="1100" b="0" i="0" spc="0" dirty="0">
+                        <a:rPr lang="de-DE" sz="1100" b="0" i="0">
                           <a:solidFill>
                             <a:srgbClr val="020302"/>
                           </a:solidFill>
                           <a:latin typeface="Adobe Clean Light" panose="020B0303020404020204" pitchFamily="34" charset="0"/>
                           <a:cs typeface="AdobeClean-Light"/>
                         </a:rPr>
-                        <a:t>Account </a:t>
+                        <a:t>Account Support Lead</a:t>
                       </a:r>
-                      <a:r>
-                        <a:rPr lang="en-US" sz="1100" b="0" i="0" spc="0" dirty="0">
-                          <a:solidFill>
-                            <a:srgbClr val="020302"/>
-                          </a:solidFill>
-                          <a:latin typeface="Adobe Clean Light" panose="020B0303020404020204" pitchFamily="34" charset="0"/>
-                          <a:cs typeface="AdobeClean-Light"/>
-                        </a:rPr>
-                        <a:t>Support Lead</a:t>
-                      </a:r>
-                      <a:endParaRPr sz="1100" b="0" i="0" spc="0" dirty="0">
-                        <a:latin typeface="Adobe Clean Light" panose="020B0303020404020204" pitchFamily="34" charset="0"/>
-                        <a:cs typeface="AdobeClean-Light"/>
-                      </a:endParaRPr>
                     </a:p>
                   </a:txBody>
                   <a:tcPr marL="0" marR="0" marT="58419" marB="0">
@@ -2897,7 +2669,7 @@
                     <a:bodyPr/>
                     <a:lstStyle/>
                     <a:p>
-                      <a:pPr>
+                      <a:pPr algn="l" rtl="0">
                         <a:lnSpc>
                           <a:spcPct val="100000"/>
                         </a:lnSpc>
@@ -2945,7 +2717,7 @@
                         </a:spcBef>
                       </a:pPr>
                       <a:r>
-                        <a:rPr sz="1100" spc="0" dirty="0">
+                        <a:rPr lang="de-DE" sz="1100">
                           <a:solidFill>
                             <a:srgbClr val="020302"/>
                           </a:solidFill>
@@ -2954,10 +2726,6 @@
                         </a:rPr>
                         <a:t></a:t>
                       </a:r>
-                      <a:endParaRPr sz="1100" spc="0" dirty="0">
-                        <a:latin typeface="Wingdings"/>
-                        <a:cs typeface="Wingdings"/>
-                      </a:endParaRPr>
                     </a:p>
                   </a:txBody>
                   <a:tcPr marL="0" marR="0" marT="59690" marB="0">
@@ -2974,7 +2742,7 @@
                     <a:bodyPr/>
                     <a:lstStyle/>
                     <a:p>
-                      <a:pPr algn="ctr">
+                      <a:pPr algn="l" rtl="0">
                         <a:lnSpc>
                           <a:spcPct val="100000"/>
                         </a:lnSpc>
@@ -3005,7 +2773,7 @@
                     <a:bodyPr/>
                     <a:lstStyle/>
                     <a:p>
-                      <a:pPr>
+                      <a:pPr algn="l" rtl="0">
                         <a:lnSpc>
                           <a:spcPct val="100000"/>
                         </a:lnSpc>
@@ -3030,7 +2798,7 @@
                     <a:bodyPr/>
                     <a:lstStyle/>
                     <a:p>
-                      <a:pPr>
+                      <a:pPr algn="l" rtl="0">
                         <a:lnSpc>
                           <a:spcPct val="100000"/>
                         </a:lnSpc>
@@ -3068,7 +2836,7 @@
                     <a:bodyPr/>
                     <a:lstStyle/>
                     <a:p>
-                      <a:pPr marL="50800">
+                      <a:pPr marL="50800" algn="l" rtl="0">
                         <a:lnSpc>
                           <a:spcPct val="100000"/>
                         </a:lnSpc>
@@ -3114,19 +2882,15 @@
                         </a:spcBef>
                       </a:pPr>
                       <a:r>
-                        <a:rPr sz="1100" b="0" i="0" spc="0" dirty="0">
+                        <a:rPr lang="de-DE" sz="1100" b="0" i="0" dirty="0">
                           <a:solidFill>
                             <a:srgbClr val="020302"/>
                           </a:solidFill>
                           <a:latin typeface="Adobe Clean Light"/>
                           <a:cs typeface="AdobeClean-Light"/>
                         </a:rPr>
-                        <a:t>Named Support Engineer</a:t>
+                        <a:t>Spezifischer Support-Mitarbeiter</a:t>
                       </a:r>
-                      <a:endParaRPr sz="1100" b="0" i="0" spc="0" dirty="0">
-                        <a:latin typeface="Adobe Clean Light"/>
-                        <a:cs typeface="AdobeClean-Light"/>
-                      </a:endParaRPr>
                     </a:p>
                   </a:txBody>
                   <a:tcPr marL="0" marR="0" marT="58419" marB="0">
@@ -3149,7 +2913,7 @@
                     <a:bodyPr/>
                     <a:lstStyle/>
                     <a:p>
-                      <a:pPr>
+                      <a:pPr algn="l" rtl="0">
                         <a:lnSpc>
                           <a:spcPct val="100000"/>
                         </a:lnSpc>
@@ -3182,7 +2946,7 @@
                     <a:bodyPr/>
                     <a:lstStyle/>
                     <a:p>
-                      <a:pPr>
+                      <a:pPr algn="l" rtl="0">
                         <a:lnSpc>
                           <a:spcPct val="100000"/>
                         </a:lnSpc>
@@ -3200,7 +2964,7 @@
                     <a:bodyPr/>
                     <a:lstStyle/>
                     <a:p>
-                      <a:pPr>
+                      <a:pPr algn="l" rtl="0">
                         <a:lnSpc>
                           <a:spcPct val="100000"/>
                         </a:lnSpc>
@@ -3227,7 +2991,7 @@
                         </a:spcBef>
                       </a:pPr>
                       <a:r>
-                        <a:rPr sz="1100" spc="0" dirty="0">
+                        <a:rPr lang="de-DE" sz="1100">
                           <a:solidFill>
                             <a:srgbClr val="020302"/>
                           </a:solidFill>
@@ -3236,10 +3000,6 @@
                         </a:rPr>
                         <a:t></a:t>
                       </a:r>
-                      <a:endParaRPr sz="1100" spc="0" dirty="0">
-                        <a:latin typeface="Wingdings"/>
-                        <a:cs typeface="Wingdings"/>
-                      </a:endParaRPr>
                     </a:p>
                   </a:txBody>
                   <a:tcPr marL="0" marR="0" marT="59055" marB="0"/>
@@ -3258,7 +3018,7 @@
                         </a:spcBef>
                       </a:pPr>
                       <a:r>
-                        <a:rPr sz="1100" spc="0" dirty="0">
+                        <a:rPr lang="de-DE" sz="1100">
                           <a:solidFill>
                             <a:srgbClr val="020302"/>
                           </a:solidFill>
@@ -3267,10 +3027,6 @@
                         </a:rPr>
                         <a:t></a:t>
                       </a:r>
-                      <a:endParaRPr sz="1100" spc="0" dirty="0">
-                        <a:latin typeface="Wingdings"/>
-                        <a:cs typeface="Wingdings"/>
-                      </a:endParaRPr>
                     </a:p>
                   </a:txBody>
                   <a:tcPr marL="0" marR="0" marT="59055" marB="0">
@@ -3294,7 +3050,7 @@
                     <a:bodyPr/>
                     <a:lstStyle/>
                     <a:p>
-                      <a:pPr marL="50800">
+                      <a:pPr marL="50800" algn="l" rtl="0">
                         <a:lnSpc>
                           <a:spcPct val="100000"/>
                         </a:lnSpc>
@@ -3352,7 +3108,7 @@
                         </a:spcBef>
                       </a:pPr>
                       <a:r>
-                        <a:rPr sz="1100" b="0" i="0" spc="0" dirty="0">
+                        <a:rPr lang="de-DE" sz="1100" b="0" i="0">
                           <a:solidFill>
                             <a:srgbClr val="020302"/>
                           </a:solidFill>
@@ -3361,10 +3117,6 @@
                         </a:rPr>
                         <a:t>Technical Account Manager</a:t>
                       </a:r>
-                      <a:endParaRPr sz="1100" b="0" i="0" spc="0" dirty="0">
-                        <a:latin typeface="Adobe Clean Light"/>
-                        <a:cs typeface="AdobeClean-Light"/>
-                      </a:endParaRPr>
                     </a:p>
                   </a:txBody>
                   <a:tcPr marL="0" marR="0" marT="63500" marB="0">
@@ -3393,7 +3145,7 @@
                     <a:bodyPr/>
                     <a:lstStyle/>
                     <a:p>
-                      <a:pPr>
+                      <a:pPr algn="l" rtl="0">
                         <a:lnSpc>
                           <a:spcPct val="100000"/>
                         </a:lnSpc>
@@ -3435,7 +3187,7 @@
                     <a:bodyPr/>
                     <a:lstStyle/>
                     <a:p>
-                      <a:pPr>
+                      <a:pPr algn="l" rtl="0">
                         <a:lnSpc>
                           <a:spcPct val="100000"/>
                         </a:lnSpc>
@@ -3463,7 +3215,7 @@
                     <a:bodyPr/>
                     <a:lstStyle/>
                     <a:p>
-                      <a:pPr>
+                      <a:pPr algn="l" rtl="0">
                         <a:lnSpc>
                           <a:spcPct val="100000"/>
                         </a:lnSpc>
@@ -3491,7 +3243,7 @@
                     <a:bodyPr/>
                     <a:lstStyle/>
                     <a:p>
-                      <a:pPr>
+                      <a:pPr algn="l" rtl="0">
                         <a:lnSpc>
                           <a:spcPct val="100000"/>
                         </a:lnSpc>
@@ -3528,7 +3280,7 @@
                         </a:spcBef>
                       </a:pPr>
                       <a:r>
-                        <a:rPr sz="1100" spc="0" dirty="0">
+                        <a:rPr lang="de-DE" sz="1100">
                           <a:solidFill>
                             <a:srgbClr val="020302"/>
                           </a:solidFill>
@@ -3537,10 +3289,6 @@
                         </a:rPr>
                         <a:t></a:t>
                       </a:r>
-                      <a:endParaRPr sz="1100" spc="0" dirty="0">
-                        <a:latin typeface="Wingdings"/>
-                        <a:cs typeface="Wingdings"/>
-                      </a:endParaRPr>
                     </a:p>
                   </a:txBody>
                   <a:tcPr marL="0" marR="0" marT="64135" marB="0">
@@ -3573,7 +3321,7 @@
                     <a:bodyPr/>
                     <a:lstStyle/>
                     <a:p>
-                      <a:pPr marL="50800">
+                      <a:pPr marL="50800" algn="l">
                         <a:lnSpc>
                           <a:spcPct val="100000"/>
                         </a:lnSpc>
@@ -3582,22 +3330,15 @@
                         </a:spcBef>
                       </a:pPr>
                       <a:r>
-                        <a:rPr lang="en-US" sz="1200" b="1" i="0" spc="0" dirty="0">
+                        <a:rPr lang="de-DE" sz="1150" b="1" i="0" spc="-10" baseline="0" dirty="0">
                           <a:solidFill>
                             <a:schemeClr val="bg1"/>
                           </a:solidFill>
                           <a:latin typeface="Adobe Clean" panose="020B0503020404020204" pitchFamily="34" charset="0"/>
                           <a:cs typeface="AdobeClean-Light"/>
                         </a:rPr>
-                        <a:t>Support Services</a:t>
+                        <a:t>Support-Services</a:t>
                       </a:r>
-                      <a:endParaRPr sz="1200" b="1" i="0" spc="0" dirty="0">
-                        <a:solidFill>
-                          <a:schemeClr val="bg1"/>
-                        </a:solidFill>
-                        <a:latin typeface="Adobe Clean" panose="020B0503020404020204" pitchFamily="34" charset="0"/>
-                        <a:cs typeface="AdobeClean-Light"/>
-                      </a:endParaRPr>
                     </a:p>
                   </a:txBody>
                   <a:tcPr marL="0" marR="0" marT="57150" marB="0" anchor="ctr">
@@ -3653,19 +3394,15 @@
                         </a:spcBef>
                       </a:pPr>
                       <a:r>
-                        <a:rPr lang="en-US" sz="1100" b="0" i="0" spc="0" dirty="0">
+                        <a:rPr lang="de-DE" sz="1100" b="0" i="0">
                           <a:solidFill>
                             <a:srgbClr val="020302"/>
                           </a:solidFill>
                           <a:latin typeface="Adobe Clean Light"/>
                           <a:cs typeface="AdobeClean-Light"/>
                         </a:rPr>
-                        <a:t>24x7 Self-Help Support </a:t>
+                        <a:t>24x7 Selbsthilfe-Support </a:t>
                       </a:r>
-                      <a:endParaRPr lang="en-US" sz="1100" b="0" i="0" spc="0" dirty="0">
-                        <a:latin typeface="Adobe Clean Light" panose="020B0303020404020204" pitchFamily="34" charset="0"/>
-                        <a:cs typeface="AdobeClean-Light"/>
-                      </a:endParaRPr>
                     </a:p>
                   </a:txBody>
                   <a:tcPr marL="0" marR="0" marT="57150" marB="0">
@@ -3706,7 +3443,7 @@
                         </a:spcBef>
                       </a:pPr>
                       <a:r>
-                        <a:rPr sz="1100" spc="0" dirty="0">
+                        <a:rPr lang="de-DE" sz="1100">
                           <a:solidFill>
                             <a:srgbClr val="020302"/>
                           </a:solidFill>
@@ -3715,10 +3452,6 @@
                         </a:rPr>
                         <a:t></a:t>
                       </a:r>
-                      <a:endParaRPr sz="1100" spc="0" dirty="0">
-                        <a:latin typeface="Wingdings"/>
-                        <a:cs typeface="Wingdings"/>
-                      </a:endParaRPr>
                     </a:p>
                   </a:txBody>
                   <a:tcPr marL="0" marR="0" marT="58419" marB="0">
@@ -3758,7 +3491,7 @@
                         </a:spcBef>
                       </a:pPr>
                       <a:r>
-                        <a:rPr sz="1100" spc="0" dirty="0">
+                        <a:rPr lang="de-DE" sz="1100">
                           <a:solidFill>
                             <a:srgbClr val="020302"/>
                           </a:solidFill>
@@ -3767,10 +3500,6 @@
                         </a:rPr>
                         <a:t></a:t>
                       </a:r>
-                      <a:endParaRPr sz="1100" spc="0" dirty="0">
-                        <a:latin typeface="Wingdings"/>
-                        <a:cs typeface="Wingdings"/>
-                      </a:endParaRPr>
                     </a:p>
                   </a:txBody>
                   <a:tcPr marL="0" marR="0" marT="58419" marB="0">
@@ -3787,7 +3516,7 @@
                     <a:bodyPr/>
                     <a:lstStyle/>
                     <a:p>
-                      <a:pPr algn="ctr">
+                      <a:pPr algn="l" rtl="0">
                         <a:lnSpc>
                           <a:spcPct val="100000"/>
                         </a:lnSpc>
@@ -3827,7 +3556,7 @@
                         </a:spcBef>
                       </a:pPr>
                       <a:r>
-                        <a:rPr sz="1100" spc="0" dirty="0">
+                        <a:rPr lang="de-DE" sz="1100">
                           <a:solidFill>
                             <a:srgbClr val="020302"/>
                           </a:solidFill>
@@ -3836,10 +3565,6 @@
                         </a:rPr>
                         <a:t></a:t>
                       </a:r>
-                      <a:endParaRPr sz="1100" spc="0" dirty="0">
-                        <a:latin typeface="Wingdings"/>
-                        <a:cs typeface="Wingdings"/>
-                      </a:endParaRPr>
                     </a:p>
                   </a:txBody>
                   <a:tcPr marL="0" marR="0" marT="58419" marB="0">
@@ -3865,7 +3590,7 @@
                         </a:spcBef>
                       </a:pPr>
                       <a:r>
-                        <a:rPr sz="1100" spc="0" dirty="0">
+                        <a:rPr lang="de-DE" sz="1100">
                           <a:solidFill>
                             <a:srgbClr val="020302"/>
                           </a:solidFill>
@@ -3874,10 +3599,6 @@
                         </a:rPr>
                         <a:t></a:t>
                       </a:r>
-                      <a:endParaRPr sz="1100" spc="0" dirty="0">
-                        <a:latin typeface="Wingdings"/>
-                        <a:cs typeface="Wingdings"/>
-                      </a:endParaRPr>
                     </a:p>
                   </a:txBody>
                   <a:tcPr marL="0" marR="0" marT="58419" marB="0">
@@ -3907,7 +3628,7 @@
                     <a:bodyPr/>
                     <a:lstStyle/>
                     <a:p>
-                      <a:pPr marL="50800">
+                      <a:pPr marL="50800" algn="l" rtl="0">
                         <a:lnSpc>
                           <a:spcPct val="100000"/>
                         </a:lnSpc>
@@ -3956,19 +3677,15 @@
                         </a:spcBef>
                       </a:pPr>
                       <a:r>
-                        <a:rPr lang="en-US" sz="1100" b="0" i="0" spc="0" dirty="0">
+                        <a:rPr lang="de-DE" sz="1100" b="0" i="0" dirty="0">
                           <a:solidFill>
                             <a:srgbClr val="020302"/>
                           </a:solidFill>
                           <a:latin typeface="Adobe Clean Light" panose="020B0303020404020204" pitchFamily="34" charset="0"/>
                           <a:cs typeface="AdobeClean-Light"/>
                         </a:rPr>
-                        <a:t>24x7 Support via Chat / Phone</a:t>
+                        <a:t>24x7 Support per Chat/Telefon</a:t>
                       </a:r>
-                      <a:endParaRPr sz="1100" b="0" i="0" spc="0" dirty="0">
-                        <a:latin typeface="Adobe Clean Light" panose="020B0303020404020204" pitchFamily="34" charset="0"/>
-                        <a:cs typeface="AdobeClean-Light"/>
-                      </a:endParaRPr>
                     </a:p>
                   </a:txBody>
                   <a:tcPr marL="0" marR="0" marT="57785" marB="0">
@@ -4003,7 +3720,7 @@
                         </a:spcBef>
                       </a:pPr>
                       <a:r>
-                        <a:rPr sz="1100" spc="0" dirty="0">
+                        <a:rPr lang="de-DE" sz="1100">
                           <a:solidFill>
                             <a:srgbClr val="020302"/>
                           </a:solidFill>
@@ -4012,10 +3729,6 @@
                         </a:rPr>
                         <a:t></a:t>
                       </a:r>
-                      <a:endParaRPr sz="1100" spc="0" dirty="0">
-                        <a:latin typeface="Wingdings"/>
-                        <a:cs typeface="Wingdings"/>
-                      </a:endParaRPr>
                     </a:p>
                   </a:txBody>
                   <a:tcPr marL="0" marR="0" marT="58419" marB="0">
@@ -4049,7 +3762,7 @@
                         </a:spcBef>
                       </a:pPr>
                       <a:r>
-                        <a:rPr sz="1100" spc="0" dirty="0">
+                        <a:rPr lang="de-DE" sz="1100">
                           <a:solidFill>
                             <a:srgbClr val="020302"/>
                           </a:solidFill>
@@ -4058,10 +3771,6 @@
                         </a:rPr>
                         <a:t></a:t>
                       </a:r>
-                      <a:endParaRPr sz="1100" spc="0" dirty="0">
-                        <a:latin typeface="Wingdings"/>
-                        <a:cs typeface="Wingdings"/>
-                      </a:endParaRPr>
                     </a:p>
                   </a:txBody>
                   <a:tcPr marL="0" marR="0" marT="58419" marB="0"/>
@@ -4071,7 +3780,7 @@
                     <a:bodyPr/>
                     <a:lstStyle/>
                     <a:p>
-                      <a:pPr algn="ctr">
+                      <a:pPr algn="l" rtl="0">
                         <a:lnSpc>
                           <a:spcPct val="100000"/>
                         </a:lnSpc>
@@ -4101,7 +3810,7 @@
                         </a:spcBef>
                       </a:pPr>
                       <a:r>
-                        <a:rPr sz="1100" spc="0" dirty="0">
+                        <a:rPr lang="de-DE" sz="1100">
                           <a:solidFill>
                             <a:srgbClr val="020302"/>
                           </a:solidFill>
@@ -4110,10 +3819,6 @@
                         </a:rPr>
                         <a:t></a:t>
                       </a:r>
-                      <a:endParaRPr sz="1100" spc="0" dirty="0">
-                        <a:latin typeface="Wingdings"/>
-                        <a:cs typeface="Wingdings"/>
-                      </a:endParaRPr>
                     </a:p>
                   </a:txBody>
                   <a:tcPr marL="0" marR="0" marT="58419" marB="0"/>
@@ -4132,7 +3837,7 @@
                         </a:spcBef>
                       </a:pPr>
                       <a:r>
-                        <a:rPr sz="1100" spc="0" dirty="0">
+                        <a:rPr lang="de-DE" sz="1100">
                           <a:solidFill>
                             <a:srgbClr val="020302"/>
                           </a:solidFill>
@@ -4141,10 +3846,6 @@
                         </a:rPr>
                         <a:t></a:t>
                       </a:r>
-                      <a:endParaRPr sz="1100" spc="0" dirty="0">
-                        <a:latin typeface="Wingdings"/>
-                        <a:cs typeface="Wingdings"/>
-                      </a:endParaRPr>
                     </a:p>
                   </a:txBody>
                   <a:tcPr marL="0" marR="0" marT="58419" marB="0">
@@ -4168,7 +3869,7 @@
                     <a:bodyPr/>
                     <a:lstStyle/>
                     <a:p>
-                      <a:pPr marL="50800">
+                      <a:pPr marL="50800" algn="l" rtl="0">
                         <a:lnSpc>
                           <a:spcPct val="100000"/>
                         </a:lnSpc>
@@ -4217,16 +3918,12 @@
                         </a:spcBef>
                       </a:pPr>
                       <a:r>
-                        <a:rPr lang="en-US" sz="1100" b="0" i="0" spc="0" dirty="0">
+                        <a:rPr lang="de-DE" sz="1100" b="0" i="0">
                           <a:latin typeface="Adobe Clean Light"/>
                           <a:cs typeface="AdobeClean-Light"/>
                         </a:rPr>
-                        <a:t>Web Case Submissions </a:t>
+                        <a:t>Fallübermittlung über das Web </a:t>
                       </a:r>
-                      <a:endParaRPr sz="1100" b="0" i="0" spc="0" dirty="0">
-                        <a:latin typeface="Adobe Clean Light" panose="020B0303020404020204" pitchFamily="34" charset="0"/>
-                        <a:cs typeface="AdobeClean-Light"/>
-                      </a:endParaRPr>
                     </a:p>
                   </a:txBody>
                   <a:tcPr marL="0" marR="0" marT="57785" marB="0">
@@ -4261,7 +3958,7 @@
                         </a:spcBef>
                       </a:pPr>
                       <a:r>
-                        <a:rPr sz="1100" spc="0" dirty="0">
+                        <a:rPr lang="de-DE" sz="1100">
                           <a:solidFill>
                             <a:srgbClr val="020302"/>
                           </a:solidFill>
@@ -4270,10 +3967,6 @@
                         </a:rPr>
                         <a:t></a:t>
                       </a:r>
-                      <a:endParaRPr sz="1100" spc="0" dirty="0">
-                        <a:latin typeface="Wingdings"/>
-                        <a:cs typeface="Wingdings"/>
-                      </a:endParaRPr>
                     </a:p>
                   </a:txBody>
                   <a:tcPr marL="0" marR="0" marT="58419" marB="0">
@@ -4307,7 +4000,7 @@
                         </a:spcBef>
                       </a:pPr>
                       <a:r>
-                        <a:rPr sz="1100" spc="0" dirty="0">
+                        <a:rPr lang="de-DE" sz="1100">
                           <a:solidFill>
                             <a:srgbClr val="020302"/>
                           </a:solidFill>
@@ -4316,10 +4009,6 @@
                         </a:rPr>
                         <a:t></a:t>
                       </a:r>
-                      <a:endParaRPr sz="1100" spc="0" dirty="0">
-                        <a:latin typeface="Wingdings"/>
-                        <a:cs typeface="Wingdings"/>
-                      </a:endParaRPr>
                     </a:p>
                   </a:txBody>
                   <a:tcPr marL="0" marR="0" marT="58419" marB="0"/>
@@ -4329,7 +4018,7 @@
                     <a:bodyPr/>
                     <a:lstStyle/>
                     <a:p>
-                      <a:pPr algn="ctr">
+                      <a:pPr algn="l" rtl="0">
                         <a:lnSpc>
                           <a:spcPct val="100000"/>
                         </a:lnSpc>
@@ -4359,7 +4048,7 @@
                         </a:spcBef>
                       </a:pPr>
                       <a:r>
-                        <a:rPr sz="1100" spc="0" dirty="0">
+                        <a:rPr lang="de-DE" sz="1100">
                           <a:solidFill>
                             <a:srgbClr val="020302"/>
                           </a:solidFill>
@@ -4368,10 +4057,6 @@
                         </a:rPr>
                         <a:t></a:t>
                       </a:r>
-                      <a:endParaRPr sz="1100" spc="0" dirty="0">
-                        <a:latin typeface="Wingdings"/>
-                        <a:cs typeface="Wingdings"/>
-                      </a:endParaRPr>
                     </a:p>
                   </a:txBody>
                   <a:tcPr marL="0" marR="0" marT="58419" marB="0"/>
@@ -4390,7 +4075,7 @@
                         </a:spcBef>
                       </a:pPr>
                       <a:r>
-                        <a:rPr sz="1100" spc="0" dirty="0">
+                        <a:rPr lang="de-DE" sz="1100">
                           <a:solidFill>
                             <a:srgbClr val="020302"/>
                           </a:solidFill>
@@ -4399,10 +4084,6 @@
                         </a:rPr>
                         <a:t></a:t>
                       </a:r>
-                      <a:endParaRPr sz="1100" spc="0" dirty="0">
-                        <a:latin typeface="Wingdings"/>
-                        <a:cs typeface="Wingdings"/>
-                      </a:endParaRPr>
                     </a:p>
                   </a:txBody>
                   <a:tcPr marL="0" marR="0" marT="58419" marB="0">
@@ -4426,7 +4107,7 @@
                     <a:bodyPr/>
                     <a:lstStyle/>
                     <a:p>
-                      <a:pPr marL="50800">
+                      <a:pPr marL="50800" algn="l" rtl="0">
                         <a:lnSpc>
                           <a:spcPct val="100000"/>
                         </a:lnSpc>
@@ -4484,19 +4165,15 @@
                         </a:spcBef>
                       </a:pPr>
                       <a:r>
-                        <a:rPr lang="en-US" sz="1100" b="0" i="0" spc="0" dirty="0">
+                        <a:rPr lang="de-DE" sz="1100" b="0" i="0">
                           <a:solidFill>
                             <a:srgbClr val="020302"/>
                           </a:solidFill>
                           <a:latin typeface="Adobe Clean Light"/>
                           <a:cs typeface="AdobeClean-Light"/>
                         </a:rPr>
-                        <a:t>Priority Case Routing</a:t>
+                        <a:t>Vorrangige Weiterleitung von Fällen</a:t>
                       </a:r>
-                      <a:endParaRPr sz="1100" b="0" i="0" spc="0" dirty="0">
-                        <a:latin typeface="Adobe Clean Light"/>
-                        <a:cs typeface="AdobeClean-Light"/>
-                      </a:endParaRPr>
                     </a:p>
                   </a:txBody>
                   <a:tcPr marL="0" marR="0" marT="58419" marB="0">
@@ -4525,7 +4202,7 @@
                     <a:bodyPr/>
                     <a:lstStyle/>
                     <a:p>
-                      <a:pPr>
+                      <a:pPr algn="l" rtl="0">
                         <a:lnSpc>
                           <a:spcPct val="100000"/>
                         </a:lnSpc>
@@ -4567,7 +4244,7 @@
                         </a:spcBef>
                       </a:pPr>
                       <a:r>
-                        <a:rPr sz="1100" spc="0" dirty="0">
+                        <a:rPr lang="de-DE" sz="1100">
                           <a:solidFill>
                             <a:srgbClr val="020302"/>
                           </a:solidFill>
@@ -4576,10 +4253,6 @@
                         </a:rPr>
                         <a:t></a:t>
                       </a:r>
-                      <a:endParaRPr sz="1100" spc="0" dirty="0">
-                        <a:latin typeface="Wingdings"/>
-                        <a:cs typeface="Wingdings"/>
-                      </a:endParaRPr>
                     </a:p>
                   </a:txBody>
                   <a:tcPr marL="0" marR="0" marT="59690" marB="0"/>
@@ -4589,7 +4262,7 @@
                     <a:bodyPr/>
                     <a:lstStyle/>
                     <a:p>
-                      <a:pPr algn="ctr">
+                      <a:pPr algn="l" rtl="0">
                         <a:lnSpc>
                           <a:spcPct val="100000"/>
                         </a:lnSpc>
@@ -4619,7 +4292,7 @@
                         </a:spcBef>
                       </a:pPr>
                       <a:r>
-                        <a:rPr sz="1100" spc="0" dirty="0">
+                        <a:rPr lang="de-DE" sz="1100">
                           <a:solidFill>
                             <a:srgbClr val="020302"/>
                           </a:solidFill>
@@ -4628,10 +4301,6 @@
                         </a:rPr>
                         <a:t></a:t>
                       </a:r>
-                      <a:endParaRPr sz="1100" spc="0" dirty="0">
-                        <a:latin typeface="Wingdings"/>
-                        <a:cs typeface="Wingdings"/>
-                      </a:endParaRPr>
                     </a:p>
                   </a:txBody>
                   <a:tcPr marL="0" marR="0" marT="59690" marB="0"/>
@@ -4650,7 +4319,7 @@
                         </a:spcBef>
                       </a:pPr>
                       <a:r>
-                        <a:rPr sz="1100" spc="0" dirty="0">
+                        <a:rPr lang="de-DE" sz="1100">
                           <a:solidFill>
                             <a:srgbClr val="020302"/>
                           </a:solidFill>
@@ -4659,10 +4328,6 @@
                         </a:rPr>
                         <a:t></a:t>
                       </a:r>
-                      <a:endParaRPr sz="1100" spc="0" dirty="0">
-                        <a:latin typeface="Wingdings"/>
-                        <a:cs typeface="Wingdings"/>
-                      </a:endParaRPr>
                     </a:p>
                   </a:txBody>
                   <a:tcPr marL="0" marR="0" marT="59690" marB="0">
@@ -4686,7 +4351,7 @@
                     <a:bodyPr/>
                     <a:lstStyle/>
                     <a:p>
-                      <a:pPr marL="50800">
+                      <a:pPr marL="50800" algn="l" rtl="0">
                         <a:lnSpc>
                           <a:spcPct val="100000"/>
                         </a:lnSpc>
@@ -4753,11 +4418,11 @@
                         <a:defRPr/>
                       </a:pPr>
                       <a:r>
-                        <a:rPr lang="en-US" sz="1100" b="0" i="0" spc="0" dirty="0">
+                        <a:rPr lang="de-DE" sz="1100" b="0" i="0" dirty="0">
                           <a:latin typeface="Adobe Clean Light"/>
                           <a:cs typeface="AdobeClean-Light"/>
                         </a:rPr>
-                        <a:t>Accelerated Issue Prioritization</a:t>
+                        <a:t>Beschleunigte Priorisierung von Problemen</a:t>
                       </a:r>
                     </a:p>
                   </a:txBody>
@@ -4787,7 +4452,7 @@
                     <a:bodyPr/>
                     <a:lstStyle/>
                     <a:p>
-                      <a:pPr>
+                      <a:pPr algn="l" rtl="0">
                         <a:lnSpc>
                           <a:spcPct val="100000"/>
                         </a:lnSpc>
@@ -4829,7 +4494,7 @@
                         </a:spcBef>
                       </a:pPr>
                       <a:r>
-                        <a:rPr sz="1100" spc="0" dirty="0">
+                        <a:rPr lang="de-DE" sz="1100">
                           <a:solidFill>
                             <a:srgbClr val="020302"/>
                           </a:solidFill>
@@ -4838,10 +4503,6 @@
                         </a:rPr>
                         <a:t></a:t>
                       </a:r>
-                      <a:endParaRPr sz="1100" spc="0" dirty="0">
-                        <a:latin typeface="Wingdings"/>
-                        <a:cs typeface="Wingdings"/>
-                      </a:endParaRPr>
                     </a:p>
                   </a:txBody>
                   <a:tcPr marL="0" marR="0" marT="58419" marB="0"/>
@@ -4851,7 +4512,7 @@
                     <a:bodyPr/>
                     <a:lstStyle/>
                     <a:p>
-                      <a:pPr algn="ctr">
+                      <a:pPr algn="l" rtl="0">
                         <a:lnSpc>
                           <a:spcPct val="100000"/>
                         </a:lnSpc>
@@ -4881,7 +4542,7 @@
                         </a:spcBef>
                       </a:pPr>
                       <a:r>
-                        <a:rPr sz="1100" spc="0" dirty="0">
+                        <a:rPr lang="de-DE" sz="1100">
                           <a:solidFill>
                             <a:srgbClr val="020302"/>
                           </a:solidFill>
@@ -4890,10 +4551,6 @@
                         </a:rPr>
                         <a:t></a:t>
                       </a:r>
-                      <a:endParaRPr sz="1100" spc="0" dirty="0">
-                        <a:latin typeface="Wingdings"/>
-                        <a:cs typeface="Wingdings"/>
-                      </a:endParaRPr>
                     </a:p>
                   </a:txBody>
                   <a:tcPr marL="0" marR="0" marT="59690" marB="0"/>
@@ -4912,7 +4569,7 @@
                         </a:spcBef>
                       </a:pPr>
                       <a:r>
-                        <a:rPr sz="1100" spc="0" dirty="0">
+                        <a:rPr lang="de-DE" sz="1100">
                           <a:solidFill>
                             <a:srgbClr val="020302"/>
                           </a:solidFill>
@@ -4921,10 +4578,6 @@
                         </a:rPr>
                         <a:t></a:t>
                       </a:r>
-                      <a:endParaRPr sz="1100" spc="0" dirty="0">
-                        <a:latin typeface="Wingdings"/>
-                        <a:cs typeface="Wingdings"/>
-                      </a:endParaRPr>
                     </a:p>
                   </a:txBody>
                   <a:tcPr marL="0" marR="0" marT="59690" marB="0">
@@ -4967,16 +4620,12 @@
                         </a:spcBef>
                       </a:pPr>
                       <a:r>
-                        <a:rPr lang="en-US" sz="1100" b="0" i="0" spc="0" dirty="0">
+                        <a:rPr lang="de-DE" sz="1100" b="0" i="0">
                           <a:latin typeface="Adobe Clean Light"/>
                           <a:cs typeface="AdobeClean-Light"/>
                         </a:rPr>
-                        <a:t>Escalation Management</a:t>
+                        <a:t>Eskalations-Management</a:t>
                       </a:r>
-                      <a:endParaRPr sz="1100" b="0" i="0" spc="0" dirty="0">
-                        <a:latin typeface="Adobe Clean Light"/>
-                        <a:cs typeface="AdobeClean-Light"/>
-                      </a:endParaRPr>
                     </a:p>
                   </a:txBody>
                   <a:tcPr marL="0" marR="0" marT="57150" marB="0">
@@ -5005,7 +4654,7 @@
                     <a:bodyPr/>
                     <a:lstStyle/>
                     <a:p>
-                      <a:pPr>
+                      <a:pPr algn="l" rtl="0">
                         <a:lnSpc>
                           <a:spcPct val="100000"/>
                         </a:lnSpc>
@@ -5047,7 +4696,7 @@
                         </a:spcBef>
                       </a:pPr>
                       <a:r>
-                        <a:rPr sz="1100" spc="0" dirty="0">
+                        <a:rPr lang="de-DE" sz="1100">
                           <a:solidFill>
                             <a:srgbClr val="020302"/>
                           </a:solidFill>
@@ -5056,10 +4705,6 @@
                         </a:rPr>
                         <a:t></a:t>
                       </a:r>
-                      <a:endParaRPr sz="1100" spc="0" dirty="0">
-                        <a:latin typeface="Wingdings"/>
-                        <a:cs typeface="Wingdings"/>
-                      </a:endParaRPr>
                     </a:p>
                   </a:txBody>
                   <a:tcPr marL="0" marR="0" marT="59690" marB="0"/>
@@ -5069,7 +4714,7 @@
                     <a:bodyPr/>
                     <a:lstStyle/>
                     <a:p>
-                      <a:pPr algn="ctr">
+                      <a:pPr algn="l" rtl="0">
                         <a:lnSpc>
                           <a:spcPct val="100000"/>
                         </a:lnSpc>
@@ -5099,7 +4744,7 @@
                         </a:spcBef>
                       </a:pPr>
                       <a:r>
-                        <a:rPr sz="1100" spc="0" dirty="0">
+                        <a:rPr lang="de-DE" sz="1100">
                           <a:solidFill>
                             <a:srgbClr val="020302"/>
                           </a:solidFill>
@@ -5108,10 +4753,6 @@
                         </a:rPr>
                         <a:t></a:t>
                       </a:r>
-                      <a:endParaRPr sz="1100" spc="0" dirty="0">
-                        <a:latin typeface="Wingdings"/>
-                        <a:cs typeface="Wingdings"/>
-                      </a:endParaRPr>
                     </a:p>
                   </a:txBody>
                   <a:tcPr marL="0" marR="0" marT="59690" marB="0"/>
@@ -5130,7 +4771,7 @@
                         </a:spcBef>
                       </a:pPr>
                       <a:r>
-                        <a:rPr sz="1100" spc="0" dirty="0">
+                        <a:rPr lang="de-DE" sz="1100">
                           <a:solidFill>
                             <a:srgbClr val="020302"/>
                           </a:solidFill>
@@ -5139,10 +4780,6 @@
                         </a:rPr>
                         <a:t></a:t>
                       </a:r>
-                      <a:endParaRPr sz="1100" spc="0" dirty="0">
-                        <a:latin typeface="Wingdings"/>
-                        <a:cs typeface="Wingdings"/>
-                      </a:endParaRPr>
                     </a:p>
                   </a:txBody>
                   <a:tcPr marL="0" marR="0" marT="59690" marB="0">
@@ -5185,16 +4822,12 @@
                         </a:spcBef>
                       </a:pPr>
                       <a:r>
-                        <a:rPr lang="en-US" sz="1100" b="0" i="0" spc="0" dirty="0">
+                        <a:rPr lang="de-DE" sz="1100" b="0" i="0">
                           <a:latin typeface="Adobe Clean Light"/>
                           <a:cs typeface="AdobeClean-Light"/>
                         </a:rPr>
-                        <a:t>Proactive Case Monitoring</a:t>
+                        <a:t>Proaktive Überwachung von Fällen</a:t>
                       </a:r>
-                      <a:endParaRPr sz="1100" b="0" i="0" spc="0" dirty="0">
-                        <a:latin typeface="Adobe Clean Light"/>
-                        <a:cs typeface="AdobeClean-Light"/>
-                      </a:endParaRPr>
                     </a:p>
                   </a:txBody>
                   <a:tcPr marL="0" marR="0" marT="57150" marB="0">
@@ -5223,7 +4856,7 @@
                     <a:bodyPr/>
                     <a:lstStyle/>
                     <a:p>
-                      <a:pPr>
+                      <a:pPr algn="l" rtl="0">
                         <a:lnSpc>
                           <a:spcPct val="100000"/>
                         </a:lnSpc>
@@ -5256,7 +4889,7 @@
                     <a:bodyPr/>
                     <a:lstStyle/>
                     <a:p>
-                      <a:pPr>
+                      <a:pPr algn="l" rtl="0">
                         <a:lnSpc>
                           <a:spcPct val="100000"/>
                         </a:lnSpc>
@@ -5302,7 +4935,7 @@
                         <a:defRPr/>
                       </a:pPr>
                       <a:r>
-                        <a:rPr lang="en-US" sz="1100" spc="0" dirty="0">
+                        <a:rPr lang="de-DE" sz="1100">
                           <a:solidFill>
                             <a:srgbClr val="020302"/>
                           </a:solidFill>
@@ -5311,10 +4944,6 @@
                         </a:rPr>
                         <a:t></a:t>
                       </a:r>
-                      <a:endParaRPr lang="en-US" sz="1100" spc="0" dirty="0">
-                        <a:latin typeface="Wingdings"/>
-                        <a:cs typeface="Wingdings"/>
-                      </a:endParaRPr>
                     </a:p>
                   </a:txBody>
                   <a:tcPr marL="0" marR="0" marT="57150" marB="0"/>
@@ -5342,7 +4971,7 @@
                         <a:defRPr/>
                       </a:pPr>
                       <a:r>
-                        <a:rPr lang="en-US" sz="1100" spc="0" dirty="0">
+                        <a:rPr lang="de-DE" sz="1100">
                           <a:solidFill>
                             <a:srgbClr val="020302"/>
                           </a:solidFill>
@@ -5351,10 +4980,6 @@
                         </a:rPr>
                         <a:t></a:t>
                       </a:r>
-                      <a:endParaRPr lang="en-US" sz="1100" spc="0" dirty="0">
-                        <a:latin typeface="Wingdings"/>
-                        <a:cs typeface="Wingdings"/>
-                      </a:endParaRPr>
                     </a:p>
                   </a:txBody>
                   <a:tcPr marL="0" marR="0" marT="57150" marB="0">
@@ -5378,7 +5003,7 @@
                     <a:bodyPr/>
                     <a:lstStyle/>
                     <a:p>
-                      <a:pPr marL="48895">
+                      <a:pPr marL="48895" algn="l" rtl="0">
                         <a:lnSpc>
                           <a:spcPct val="100000"/>
                         </a:lnSpc>
@@ -5427,19 +5052,15 @@
                         </a:spcBef>
                       </a:pPr>
                       <a:r>
-                        <a:rPr lang="en-US" sz="1100" b="0" i="0" spc="0">
+                        <a:rPr lang="de-DE" sz="1100" b="0" i="0">
                           <a:solidFill>
                             <a:srgbClr val="020302"/>
                           </a:solidFill>
                           <a:latin typeface="Adobe Clean Light"/>
                           <a:cs typeface="AdobeClean-Light"/>
                         </a:rPr>
-                        <a:t>In-Region Support Option</a:t>
+                        <a:t>Option zum Support innerhalb der Region</a:t>
                       </a:r>
-                      <a:endParaRPr sz="1100" b="0" i="0" spc="0" dirty="0">
-                        <a:latin typeface="Adobe Clean Light" panose="020B0303020404020204" pitchFamily="34" charset="0"/>
-                        <a:cs typeface="AdobeClean-Light"/>
-                      </a:endParaRPr>
                     </a:p>
                   </a:txBody>
                   <a:tcPr marL="0" marR="0" marT="58419" marB="0">
@@ -5462,7 +5083,7 @@
                     <a:bodyPr/>
                     <a:lstStyle/>
                     <a:p>
-                      <a:pPr>
+                      <a:pPr algn="l" rtl="0">
                         <a:lnSpc>
                           <a:spcPct val="100000"/>
                         </a:lnSpc>
@@ -5495,7 +5116,7 @@
                     <a:bodyPr/>
                     <a:lstStyle/>
                     <a:p>
-                      <a:pPr>
+                      <a:pPr algn="l" rtl="0">
                         <a:lnSpc>
                           <a:spcPct val="100000"/>
                         </a:lnSpc>
@@ -5513,7 +5134,7 @@
                     <a:bodyPr/>
                     <a:lstStyle/>
                     <a:p>
-                      <a:pPr>
+                      <a:pPr algn="l" rtl="0">
                         <a:lnSpc>
                           <a:spcPct val="100000"/>
                         </a:lnSpc>
@@ -5549,7 +5170,7 @@
                         <a:defRPr/>
                       </a:pPr>
                       <a:r>
-                        <a:rPr lang="en-US" sz="1100" spc="0" dirty="0">
+                        <a:rPr lang="de-DE" sz="1100">
                           <a:solidFill>
                             <a:srgbClr val="020302"/>
                           </a:solidFill>
@@ -5558,10 +5179,6 @@
                         </a:rPr>
                         <a:t></a:t>
                       </a:r>
-                      <a:endParaRPr lang="en-US" sz="1100" spc="0" dirty="0">
-                        <a:latin typeface="Wingdings"/>
-                        <a:cs typeface="Wingdings"/>
-                      </a:endParaRPr>
                     </a:p>
                   </a:txBody>
                   <a:tcPr marL="0" marR="0" marT="0" marB="0" anchor="ctr"/>
@@ -5580,7 +5197,7 @@
                         </a:spcBef>
                       </a:pPr>
                       <a:r>
-                        <a:rPr sz="1100" spc="0" dirty="0">
+                        <a:rPr lang="de-DE" sz="1100">
                           <a:solidFill>
                             <a:srgbClr val="020302"/>
                           </a:solidFill>
@@ -5589,10 +5206,6 @@
                         </a:rPr>
                         <a:t></a:t>
                       </a:r>
-                      <a:endParaRPr sz="1100" spc="0" dirty="0">
-                        <a:latin typeface="Wingdings"/>
-                        <a:cs typeface="Wingdings"/>
-                      </a:endParaRPr>
                     </a:p>
                   </a:txBody>
                   <a:tcPr marL="0" marR="0" marT="59055" marB="0">
@@ -5616,7 +5229,7 @@
                     <a:bodyPr/>
                     <a:lstStyle/>
                     <a:p>
-                      <a:pPr marL="48895">
+                      <a:pPr marL="48895" algn="l" rtl="0">
                         <a:lnSpc>
                           <a:spcPct val="100000"/>
                         </a:lnSpc>
@@ -5674,19 +5287,15 @@
                         </a:spcBef>
                       </a:pPr>
                       <a:r>
-                        <a:rPr lang="en-US" sz="1100" b="0" i="0" spc="0" dirty="0">
+                        <a:rPr lang="de-DE" sz="1100" b="0" i="0">
                           <a:solidFill>
                             <a:srgbClr val="020302"/>
                           </a:solidFill>
                           <a:latin typeface="Adobe Clean Light"/>
                           <a:cs typeface="AdobeClean-Light"/>
                         </a:rPr>
-                        <a:t>Service Reviews</a:t>
+                        <a:t>Service-Prüfungen</a:t>
                       </a:r>
-                      <a:endParaRPr sz="1100" b="0" i="0" spc="0" dirty="0">
-                        <a:latin typeface="Adobe Clean Light"/>
-                        <a:cs typeface="AdobeClean-Light"/>
-                      </a:endParaRPr>
                     </a:p>
                   </a:txBody>
                   <a:tcPr marL="0" marR="0" marT="59055" marB="0">
@@ -5715,7 +5324,7 @@
                     <a:bodyPr/>
                     <a:lstStyle/>
                     <a:p>
-                      <a:pPr>
+                      <a:pPr algn="l" rtl="0">
                         <a:lnSpc>
                           <a:spcPct val="100000"/>
                         </a:lnSpc>
@@ -5748,7 +5357,7 @@
                     <a:bodyPr/>
                     <a:lstStyle/>
                     <a:p>
-                      <a:pPr>
+                      <a:pPr algn="l" rtl="0">
                         <a:lnSpc>
                           <a:spcPct val="100000"/>
                         </a:lnSpc>
@@ -5766,7 +5375,7 @@
                     <a:bodyPr/>
                     <a:lstStyle/>
                     <a:p>
-                      <a:pPr>
+                      <a:pPr algn="l" rtl="0">
                         <a:lnSpc>
                           <a:spcPct val="100000"/>
                         </a:lnSpc>
@@ -5793,70 +5402,42 @@
                         </a:spcBef>
                       </a:pPr>
                       <a:r>
-                        <a:rPr sz="1100" spc="0" dirty="0">
+                        <a:rPr lang="de-DE" sz="1100">
                           <a:solidFill>
                             <a:srgbClr val="020302"/>
                           </a:solidFill>
                           <a:latin typeface="AdobeClean-Light"/>
                           <a:cs typeface="AdobeClean-Light"/>
                         </a:rPr>
-                        <a:t>2</a:t>
+                        <a:t>2 Jahre</a:t>
                       </a:r>
+                    </a:p>
+                  </a:txBody>
+                  <a:tcPr marL="0" marR="0" marT="57150" marB="0"/>
+                </a:tc>
+                <a:tc>
+                  <a:txBody>
+                    <a:bodyPr/>
+                    <a:lstStyle/>
+                    <a:p>
+                      <a:pPr algn="ctr">
+                        <a:lnSpc>
+                          <a:spcPct val="100000"/>
+                        </a:lnSpc>
+                        <a:spcBef>
+                          <a:spcPts val="450"/>
+                        </a:spcBef>
+                      </a:pPr>
                       <a:r>
-                        <a:rPr lang="en-US" sz="1100" spc="0" dirty="0">
+                        <a:rPr lang="de-DE" sz="1100">
                           <a:solidFill>
                             <a:srgbClr val="020302"/>
                           </a:solidFill>
                           <a:latin typeface="AdobeClean-Light"/>
                           <a:cs typeface="AdobeClean-Light"/>
                         </a:rPr>
-                        <a:t>/year</a:t>
+                        <a:t>4 Jahre</a:t>
                       </a:r>
-                      <a:endParaRPr sz="1100" spc="0" dirty="0">
-                        <a:latin typeface="AdobeClean-Light"/>
-                        <a:cs typeface="AdobeClean-Light"/>
-                      </a:endParaRPr>
-                    </a:p>
-                  </a:txBody>
-                  <a:tcPr marL="0" marR="0" marT="57150" marB="0"/>
-                </a:tc>
-                <a:tc>
-                  <a:txBody>
-                    <a:bodyPr/>
-                    <a:lstStyle/>
-                    <a:p>
-                      <a:pPr algn="ctr">
-                        <a:lnSpc>
-                          <a:spcPct val="100000"/>
-                        </a:lnSpc>
-                        <a:spcBef>
-                          <a:spcPts val="450"/>
-                        </a:spcBef>
-                      </a:pPr>
-                      <a:r>
-                        <a:rPr sz="1100" spc="0" dirty="0">
-                          <a:solidFill>
-                            <a:srgbClr val="020302"/>
-                          </a:solidFill>
-                          <a:latin typeface="AdobeClean-Light"/>
-                          <a:cs typeface="AdobeClean-Light"/>
-                        </a:rPr>
-                        <a:t>4</a:t>
-                      </a:r>
-                      <a:r>
-                        <a:rPr lang="en-US" sz="1100" spc="0" dirty="0">
-                          <a:solidFill>
-                            <a:srgbClr val="020302"/>
-                          </a:solidFill>
-                          <a:latin typeface="AdobeClean-Light"/>
-                          <a:cs typeface="AdobeClean-Light"/>
-                        </a:rPr>
-                        <a:t>/year</a:t>
-                      </a:r>
-                      <a:endParaRPr sz="1100" spc="0" dirty="0">
-                        <a:latin typeface="AdobeClean-Light"/>
-                        <a:cs typeface="AdobeClean-Light"/>
-                      </a:endParaRPr>
                     </a:p>
                   </a:txBody>
                   <a:tcPr marL="0" marR="0" marT="57150" marB="0">
@@ -5880,7 +5461,7 @@
                     <a:bodyPr/>
                     <a:lstStyle/>
                     <a:p>
-                      <a:pPr marL="49530">
+                      <a:pPr marL="49530" algn="l" rtl="0">
                         <a:lnSpc>
                           <a:spcPct val="100000"/>
                         </a:lnSpc>
@@ -5929,16 +5510,12 @@
                         </a:spcBef>
                       </a:pPr>
                       <a:r>
-                        <a:rPr lang="en-US" sz="1100" b="0" i="0" spc="0" dirty="0">
+                        <a:rPr lang="de-DE" sz="1100" b="0" i="0">
                           <a:latin typeface="Adobe Clean Light"/>
                           <a:cs typeface="AdobeClean-Light"/>
                         </a:rPr>
-                        <a:t>Case Reviews</a:t>
+                        <a:t>Fallprüfungen</a:t>
                       </a:r>
-                      <a:endParaRPr sz="1100" b="0" i="0" spc="0" dirty="0">
-                        <a:latin typeface="Adobe Clean Light"/>
-                        <a:cs typeface="AdobeClean-Light"/>
-                      </a:endParaRPr>
                     </a:p>
                   </a:txBody>
                   <a:tcPr marL="0" marR="0" marT="63500" marB="0">
@@ -5961,7 +5538,7 @@
                     <a:bodyPr/>
                     <a:lstStyle/>
                     <a:p>
-                      <a:pPr>
+                      <a:pPr algn="l" rtl="0">
                         <a:lnSpc>
                           <a:spcPct val="100000"/>
                         </a:lnSpc>
@@ -5994,7 +5571,7 @@
                     <a:bodyPr/>
                     <a:lstStyle/>
                     <a:p>
-                      <a:pPr>
+                      <a:pPr algn="l" rtl="0">
                         <a:lnSpc>
                           <a:spcPct val="100000"/>
                         </a:lnSpc>
@@ -6012,7 +5589,7 @@
                     <a:bodyPr/>
                     <a:lstStyle/>
                     <a:p>
-                      <a:pPr>
+                      <a:pPr algn="l" rtl="0">
                         <a:lnSpc>
                           <a:spcPct val="100000"/>
                         </a:lnSpc>
@@ -6039,16 +5616,12 @@
                         </a:spcBef>
                       </a:pPr>
                       <a:r>
-                        <a:rPr lang="en-US" sz="1100" spc="0" dirty="0">
+                        <a:rPr lang="de-DE" sz="1100">
                           <a:latin typeface="AdobeClean-Light"/>
                           <a:cs typeface="AdobeClean-Light"/>
                         </a:rPr>
-                        <a:t>1/month</a:t>
+                        <a:t>1 Monate</a:t>
                       </a:r>
-                      <a:endParaRPr sz="1100" spc="0" dirty="0">
-                        <a:latin typeface="AdobeClean-Light"/>
-                        <a:cs typeface="AdobeClean-Light"/>
-                      </a:endParaRPr>
                     </a:p>
                   </a:txBody>
                   <a:tcPr marL="0" marR="0" marT="57150" marB="0"/>
@@ -6067,16 +5640,12 @@
                         </a:spcBef>
                       </a:pPr>
                       <a:r>
-                        <a:rPr lang="en-US" sz="1100" spc="0" dirty="0">
+                        <a:rPr lang="de-DE" sz="1100">
                           <a:latin typeface="AdobeClean-Light"/>
                           <a:cs typeface="AdobeClean-Light"/>
                         </a:rPr>
-                        <a:t>2/month</a:t>
+                        <a:t>2 Monate</a:t>
                       </a:r>
-                      <a:endParaRPr sz="1100" spc="0" dirty="0">
-                        <a:latin typeface="AdobeClean-Light"/>
-                        <a:cs typeface="AdobeClean-Light"/>
-                      </a:endParaRPr>
                     </a:p>
                   </a:txBody>
                   <a:tcPr marL="0" marR="0" marT="57150" marB="0">
@@ -6128,11 +5697,11 @@
                         <a:defRPr/>
                       </a:pPr>
                       <a:r>
-                        <a:rPr lang="en-US" sz="1100" b="0" i="0" spc="0" dirty="0">
+                        <a:rPr lang="de-DE" sz="1100" b="0" i="0">
                           <a:latin typeface="Adobe Clean Light" panose="020B0303020404020204" pitchFamily="34" charset="0"/>
                           <a:cs typeface="AdobeClean-Light"/>
                         </a:rPr>
-                        <a:t>Solution Review</a:t>
+                        <a:t>Lösungsprüfung</a:t>
                       </a:r>
                     </a:p>
                   </a:txBody>
@@ -6162,7 +5731,7 @@
                     <a:bodyPr/>
                     <a:lstStyle/>
                     <a:p>
-                      <a:pPr>
+                      <a:pPr algn="l" rtl="0">
                         <a:lnSpc>
                           <a:spcPct val="100000"/>
                         </a:lnSpc>
@@ -6195,7 +5764,7 @@
                     <a:bodyPr/>
                     <a:lstStyle/>
                     <a:p>
-                      <a:pPr>
+                      <a:pPr algn="l" rtl="0">
                         <a:lnSpc>
                           <a:spcPct val="100000"/>
                         </a:lnSpc>
@@ -6223,7 +5792,7 @@
                     <a:bodyPr/>
                     <a:lstStyle/>
                     <a:p>
-                      <a:pPr>
+                      <a:pPr algn="l" rtl="0">
                         <a:lnSpc>
                           <a:spcPct val="100000"/>
                         </a:lnSpc>
@@ -6259,7 +5828,7 @@
                         <a:defRPr/>
                       </a:pPr>
                       <a:r>
-                        <a:rPr lang="en-US" sz="1100" spc="0" dirty="0">
+                        <a:rPr lang="de-DE" sz="1100">
                           <a:solidFill>
                             <a:srgbClr val="020302"/>
                           </a:solidFill>
@@ -6268,10 +5837,6 @@
                         </a:rPr>
                         <a:t></a:t>
                       </a:r>
-                      <a:endParaRPr lang="en-US" sz="1100" spc="0" dirty="0">
-                        <a:latin typeface="Wingdings"/>
-                        <a:cs typeface="Wingdings"/>
-                      </a:endParaRPr>
                     </a:p>
                   </a:txBody>
                   <a:tcPr marL="0" marR="0" marT="64135" marB="0">
@@ -6321,16 +5886,12 @@
                         <a:buNone/>
                       </a:pPr>
                       <a:r>
-                        <a:rPr lang="en-US" sz="1100" b="0" i="0" spc="0" dirty="0">
+                        <a:rPr lang="de-DE" sz="1100" b="0" i="0">
                           <a:latin typeface="Adobe Clean Light"/>
                           <a:cs typeface="AdobeClean-Light"/>
                         </a:rPr>
-                        <a:t>Roadmap Review </a:t>
+                        <a:t>Roadmap-Prüfung </a:t>
                       </a:r>
-                      <a:endParaRPr lang="en-US" sz="1100" b="0" i="0" spc="0" dirty="0">
-                        <a:latin typeface="Adobe Clean Light" panose="020B0303020404020204" pitchFamily="34" charset="0"/>
-                        <a:cs typeface="AdobeClean-Light"/>
-                      </a:endParaRPr>
                     </a:p>
                   </a:txBody>
                   <a:tcPr marL="0" marR="0" marT="63500" marB="0">
@@ -6359,7 +5920,7 @@
                     <a:bodyPr/>
                     <a:lstStyle/>
                     <a:p>
-                      <a:pPr>
+                      <a:pPr algn="l" rtl="0">
                         <a:lnSpc>
                           <a:spcPct val="100000"/>
                         </a:lnSpc>
@@ -6392,7 +5953,7 @@
                     <a:bodyPr/>
                     <a:lstStyle/>
                     <a:p>
-                      <a:pPr>
+                      <a:pPr algn="l" rtl="0">
                         <a:lnSpc>
                           <a:spcPct val="100000"/>
                         </a:lnSpc>
@@ -6420,7 +5981,7 @@
                     <a:bodyPr/>
                     <a:lstStyle/>
                     <a:p>
-                      <a:pPr>
+                      <a:pPr algn="l" rtl="0">
                         <a:lnSpc>
                           <a:spcPct val="100000"/>
                         </a:lnSpc>
@@ -6456,7 +6017,7 @@
                         <a:defRPr/>
                       </a:pPr>
                       <a:r>
-                        <a:rPr lang="en-US" sz="1100" spc="0" dirty="0">
+                        <a:rPr lang="de-DE" sz="1100">
                           <a:solidFill>
                             <a:srgbClr val="020302"/>
                           </a:solidFill>
@@ -6465,10 +6026,6 @@
                         </a:rPr>
                         <a:t></a:t>
                       </a:r>
-                      <a:endParaRPr lang="en-US" sz="1100" spc="0" dirty="0">
-                        <a:latin typeface="Wingdings"/>
-                        <a:cs typeface="Wingdings"/>
-                      </a:endParaRPr>
                     </a:p>
                   </a:txBody>
                   <a:tcPr marL="0" marR="0" marT="64135" marB="0">
@@ -6518,19 +6075,15 @@
                         <a:buNone/>
                       </a:pPr>
                       <a:r>
-                        <a:rPr lang="en-US" sz="1100" b="0" i="0" spc="0" dirty="0">
+                        <a:rPr lang="de-DE" sz="1100" b="0" i="0">
                           <a:solidFill>
                             <a:srgbClr val="020302"/>
                           </a:solidFill>
                           <a:latin typeface="Adobe Clean Light"/>
                           <a:cs typeface="AdobeClean-Light"/>
                         </a:rPr>
-                        <a:t>Additional Named Support Contacts </a:t>
+                        <a:t>Zusätzliche ernannte Support-Kontakte </a:t>
                       </a:r>
-                      <a:endParaRPr lang="en-US" sz="1100" b="0" i="0" spc="0" dirty="0">
-                        <a:latin typeface="Adobe Clean Light" panose="020B0303020404020204" pitchFamily="34" charset="0"/>
-                        <a:cs typeface="AdobeClean-Light"/>
-                      </a:endParaRPr>
                     </a:p>
                   </a:txBody>
                   <a:tcPr marL="0" marR="0" marT="63500" marB="0">
@@ -6559,7 +6112,7 @@
                     <a:bodyPr/>
                     <a:lstStyle/>
                     <a:p>
-                      <a:pPr>
+                      <a:pPr algn="l" rtl="0">
                         <a:lnSpc>
                           <a:spcPct val="100000"/>
                         </a:lnSpc>
@@ -6592,7 +6145,7 @@
                     <a:bodyPr/>
                     <a:lstStyle/>
                     <a:p>
-                      <a:pPr>
+                      <a:pPr algn="l" rtl="0">
                         <a:lnSpc>
                           <a:spcPct val="100000"/>
                         </a:lnSpc>
@@ -6620,7 +6173,7 @@
                     <a:bodyPr/>
                     <a:lstStyle/>
                     <a:p>
-                      <a:pPr>
+                      <a:pPr algn="l" rtl="0">
                         <a:lnSpc>
                           <a:spcPct val="100000"/>
                         </a:lnSpc>
@@ -6656,7 +6209,7 @@
                         <a:defRPr/>
                       </a:pPr>
                       <a:r>
-                        <a:rPr lang="en-US" sz="1100" spc="0" dirty="0">
+                        <a:rPr lang="de-DE" sz="1100">
                           <a:solidFill>
                             <a:srgbClr val="020302"/>
                           </a:solidFill>
@@ -6665,10 +6218,6 @@
                         </a:rPr>
                         <a:t></a:t>
                       </a:r>
-                      <a:endParaRPr lang="en-US" sz="1100" spc="0" dirty="0">
-                        <a:latin typeface="Wingdings"/>
-                        <a:cs typeface="Wingdings"/>
-                      </a:endParaRPr>
                     </a:p>
                   </a:txBody>
                   <a:tcPr marL="0" marR="0" marT="64135" marB="0">
@@ -6711,16 +6260,12 @@
                         </a:spcBef>
                       </a:pPr>
                       <a:r>
-                        <a:rPr lang="en-US" sz="1100" b="0" i="0" spc="0" dirty="0">
+                        <a:rPr lang="de-DE" sz="1100" b="0" i="0">
                           <a:latin typeface="Adobe Clean Light"/>
                           <a:cs typeface="AdobeClean-Light"/>
                         </a:rPr>
-                        <a:t>Upgrade/Migration Planning</a:t>
+                        <a:t>Planung für Upgrades/Migration</a:t>
                       </a:r>
-                      <a:endParaRPr sz="1100" b="0" i="0" spc="0" dirty="0">
-                        <a:latin typeface="Adobe Clean Light"/>
-                        <a:cs typeface="AdobeClean-Light"/>
-                      </a:endParaRPr>
                     </a:p>
                   </a:txBody>
                   <a:tcPr marL="0" marR="0" marT="63500" marB="0">
@@ -6749,7 +6294,7 @@
                     <a:bodyPr/>
                     <a:lstStyle/>
                     <a:p>
-                      <a:pPr>
+                      <a:pPr algn="l" rtl="0">
                         <a:lnSpc>
                           <a:spcPct val="100000"/>
                         </a:lnSpc>
@@ -6782,7 +6327,7 @@
                     <a:bodyPr/>
                     <a:lstStyle/>
                     <a:p>
-                      <a:pPr>
+                      <a:pPr algn="l" rtl="0">
                         <a:lnSpc>
                           <a:spcPct val="100000"/>
                         </a:lnSpc>
@@ -6810,7 +6355,7 @@
                     <a:bodyPr/>
                     <a:lstStyle/>
                     <a:p>
-                      <a:pPr>
+                      <a:pPr algn="l" rtl="0">
                         <a:lnSpc>
                           <a:spcPct val="100000"/>
                         </a:lnSpc>
@@ -6846,7 +6391,7 @@
                         <a:defRPr/>
                       </a:pPr>
                       <a:r>
-                        <a:rPr lang="en-US" sz="1100" spc="0" dirty="0">
+                        <a:rPr lang="de-DE" sz="1100">
                           <a:solidFill>
                             <a:srgbClr val="020302"/>
                           </a:solidFill>
@@ -6855,10 +6400,6 @@
                         </a:rPr>
                         <a:t></a:t>
                       </a:r>
-                      <a:endParaRPr lang="en-US" sz="1100" spc="0" dirty="0">
-                        <a:latin typeface="Wingdings"/>
-                        <a:cs typeface="Wingdings"/>
-                      </a:endParaRPr>
                     </a:p>
                   </a:txBody>
                   <a:tcPr marL="0" marR="0" marT="64135" marB="0">
@@ -6901,16 +6442,12 @@
                         </a:spcBef>
                       </a:pPr>
                       <a:r>
-                        <a:rPr lang="en-US" sz="1100" b="0" i="0" spc="0" dirty="0">
+                        <a:rPr lang="de-DE" sz="1100" b="0" i="0">
                           <a:latin typeface="Adobe Clean Light"/>
                           <a:cs typeface="AdobeClean-Light"/>
                         </a:rPr>
-                        <a:t>Release Preparation and Planning</a:t>
+                        <a:t>Versionsvorbereitung und -planung</a:t>
                       </a:r>
-                      <a:endParaRPr sz="1100" b="0" i="0" spc="0" dirty="0">
-                        <a:latin typeface="Adobe Clean Light"/>
-                        <a:cs typeface="AdobeClean-Light"/>
-                      </a:endParaRPr>
                     </a:p>
                   </a:txBody>
                   <a:tcPr marL="0" marR="0" marT="63500" marB="0">
@@ -6939,7 +6476,7 @@
                     <a:bodyPr/>
                     <a:lstStyle/>
                     <a:p>
-                      <a:pPr>
+                      <a:pPr algn="l" rtl="0">
                         <a:lnSpc>
                           <a:spcPct val="100000"/>
                         </a:lnSpc>
@@ -6972,7 +6509,7 @@
                     <a:bodyPr/>
                     <a:lstStyle/>
                     <a:p>
-                      <a:pPr>
+                      <a:pPr algn="l" rtl="0">
                         <a:lnSpc>
                           <a:spcPct val="100000"/>
                         </a:lnSpc>
@@ -7000,7 +6537,7 @@
                     <a:bodyPr/>
                     <a:lstStyle/>
                     <a:p>
-                      <a:pPr>
+                      <a:pPr algn="l" rtl="0">
                         <a:lnSpc>
                           <a:spcPct val="100000"/>
                         </a:lnSpc>
@@ -7036,7 +6573,7 @@
                         <a:defRPr/>
                       </a:pPr>
                       <a:r>
-                        <a:rPr lang="en-US" sz="1100" spc="0" dirty="0">
+                        <a:rPr lang="de-DE" sz="1100">
                           <a:solidFill>
                             <a:srgbClr val="020302"/>
                           </a:solidFill>
@@ -7045,10 +6582,6 @@
                         </a:rPr>
                         <a:t></a:t>
                       </a:r>
-                      <a:endParaRPr lang="en-US" sz="1100" spc="0" dirty="0">
-                        <a:latin typeface="Wingdings"/>
-                        <a:cs typeface="Wingdings"/>
-                      </a:endParaRPr>
                     </a:p>
                   </a:txBody>
                   <a:tcPr marL="0" marR="0" marT="64135" marB="0">
@@ -7072,7 +6605,7 @@
                     <a:bodyPr/>
                     <a:lstStyle/>
                     <a:p>
-                      <a:pPr marL="49530">
+                      <a:pPr marL="49530" algn="l" rtl="0">
                         <a:lnSpc>
                           <a:spcPct val="100000"/>
                         </a:lnSpc>
@@ -7139,16 +6672,12 @@
                         </a:spcBef>
                       </a:pPr>
                       <a:r>
-                        <a:rPr lang="en-US" sz="1100" b="0" i="0" spc="0" dirty="0">
+                        <a:rPr lang="de-DE" sz="1100" b="0" i="0">
                           <a:latin typeface="Adobe Clean Light" panose="020B0303020404020204" pitchFamily="34" charset="0"/>
                           <a:cs typeface="AdobeClean-Light"/>
                         </a:rPr>
                         <a:t>Executive Sponsor</a:t>
                       </a:r>
-                      <a:endParaRPr sz="1100" b="0" i="0" spc="0" dirty="0">
-                        <a:latin typeface="Adobe Clean Light" panose="020B0303020404020204" pitchFamily="34" charset="0"/>
-                        <a:cs typeface="AdobeClean-Light"/>
-                      </a:endParaRPr>
                     </a:p>
                   </a:txBody>
                   <a:tcPr marL="0" marR="0" marT="67310" marB="0">
@@ -7183,7 +6712,7 @@
                     <a:bodyPr/>
                     <a:lstStyle/>
                     <a:p>
-                      <a:pPr>
+                      <a:pPr algn="l" rtl="0">
                         <a:lnSpc>
                           <a:spcPct val="100000"/>
                         </a:lnSpc>
@@ -7222,7 +6751,7 @@
                     <a:bodyPr/>
                     <a:lstStyle/>
                     <a:p>
-                      <a:pPr>
+                      <a:pPr algn="l" rtl="0">
                         <a:lnSpc>
                           <a:spcPct val="100000"/>
                         </a:lnSpc>
@@ -7247,7 +6776,7 @@
                     <a:bodyPr/>
                     <a:lstStyle/>
                     <a:p>
-                      <a:pPr>
+                      <a:pPr algn="l" rtl="0">
                         <a:lnSpc>
                           <a:spcPct val="100000"/>
                         </a:lnSpc>
@@ -7275,7 +6804,7 @@
                     <a:bodyPr/>
                     <a:lstStyle/>
                     <a:p>
-                      <a:pPr algn="ctr">
+                      <a:pPr algn="l" rtl="0">
                         <a:lnSpc>
                           <a:spcPct val="100000"/>
                         </a:lnSpc>
@@ -7312,7 +6841,7 @@
                         </a:spcBef>
                       </a:pPr>
                       <a:r>
-                        <a:rPr sz="1100" spc="0" dirty="0">
+                        <a:rPr lang="de-DE" sz="1100" dirty="0">
                           <a:solidFill>
                             <a:srgbClr val="020302"/>
                           </a:solidFill>
@@ -7321,10 +6850,6 @@
                         </a:rPr>
                         <a:t></a:t>
                       </a:r>
-                      <a:endParaRPr sz="1100" spc="0" dirty="0">
-                        <a:latin typeface="Wingdings"/>
-                        <a:cs typeface="Wingdings"/>
-                      </a:endParaRPr>
                     </a:p>
                   </a:txBody>
                   <a:tcPr marL="0" marR="0" marT="62230" marB="0">
@@ -7364,8 +6889,8 @@
         </p:nvSpPr>
         <p:spPr>
           <a:xfrm>
-            <a:off x="137890" y="9852238"/>
-            <a:ext cx="2270125" cy="132729"/>
+            <a:off x="137889" y="9852238"/>
+            <a:ext cx="2377440" cy="132729"/>
           </a:xfrm>
           <a:prstGeom prst="rect">
             <a:avLst/>
@@ -7386,24 +6911,8 @@
               </a:spcBef>
             </a:pPr>
             <a:r>
-              <a:rPr spc="-5" dirty="0"/>
-              <a:t>©202</a:t>
-            </a:r>
-            <a:r>
-              <a:rPr lang="en-US" spc="-5" dirty="0"/>
-              <a:t>2</a:t>
-            </a:r>
-            <a:r>
-              <a:rPr spc="-5" dirty="0"/>
-              <a:t> Adobe. All Rights Reserved. Adobe</a:t>
-            </a:r>
-            <a:r>
-              <a:rPr spc="60" dirty="0"/>
-              <a:t> </a:t>
-            </a:r>
-            <a:r>
-              <a:rPr spc="-5" dirty="0"/>
-              <a:t>Confidential.</a:t>
+              <a:rPr lang="de-DE" dirty="0"/>
+              <a:t>©2022 Adobe. All Rights Reserved. Adobe Confidential.</a:t>
             </a:r>
           </a:p>
         </p:txBody>
@@ -7417,14 +6926,14 @@
           <p:nvPr>
             <p:extLst>
               <p:ext uri="{D42A27DB-BD31-4B8C-83A1-F6EECF244321}">
-                <p14:modId xmlns:p14="http://schemas.microsoft.com/office/powerpoint/2010/main" val="2735922411"/>
+                <p14:modId xmlns:p14="http://schemas.microsoft.com/office/powerpoint/2010/main" val="3166330521"/>
               </p:ext>
             </p:extLst>
           </p:nvPr>
         </p:nvGraphicFramePr>
         <p:xfrm>
-          <a:off x="95250" y="7483227"/>
-          <a:ext cx="7600951" cy="2361428"/>
+          <a:off x="95250" y="7542327"/>
+          <a:ext cx="7600951" cy="2287473"/>
         </p:xfrm>
         <a:graphic>
           <a:graphicData uri="http://schemas.openxmlformats.org/drawingml/2006/table">
@@ -7433,35 +6942,35 @@
                 <a:tableStyleId>{2D5ABB26-0587-4C30-8999-92F81FD0307C}</a:tableStyleId>
               </a:tblPr>
               <a:tblGrid>
-                <a:gridCol w="3800476">
+                <a:gridCol w="3943350">
                   <a:extLst>
                     <a:ext uri="{9D8B030D-6E8A-4147-A177-3AD203B41FA5}">
                       <a16:colId xmlns:a16="http://schemas.microsoft.com/office/drawing/2014/main" val="20000"/>
                     </a:ext>
                   </a:extLst>
                 </a:gridCol>
-                <a:gridCol w="902012">
+                <a:gridCol w="914400">
                   <a:extLst>
                     <a:ext uri="{9D8B030D-6E8A-4147-A177-3AD203B41FA5}">
                       <a16:colId xmlns:a16="http://schemas.microsoft.com/office/drawing/2014/main" val="20001"/>
                     </a:ext>
                   </a:extLst>
                 </a:gridCol>
-                <a:gridCol w="977180">
+                <a:gridCol w="914400">
                   <a:extLst>
                     <a:ext uri="{9D8B030D-6E8A-4147-A177-3AD203B41FA5}">
                       <a16:colId xmlns:a16="http://schemas.microsoft.com/office/drawing/2014/main" val="20002"/>
                     </a:ext>
                   </a:extLst>
                 </a:gridCol>
-                <a:gridCol w="977180">
+                <a:gridCol w="1066800">
                   <a:extLst>
                     <a:ext uri="{9D8B030D-6E8A-4147-A177-3AD203B41FA5}">
                       <a16:colId xmlns:a16="http://schemas.microsoft.com/office/drawing/2014/main" val="20003"/>
                     </a:ext>
                   </a:extLst>
                 </a:gridCol>
-                <a:gridCol w="944103">
+                <a:gridCol w="762001">
                   <a:extLst>
                     <a:ext uri="{9D8B030D-6E8A-4147-A177-3AD203B41FA5}">
                       <a16:colId xmlns:a16="http://schemas.microsoft.com/office/drawing/2014/main" val="20004"/>
@@ -7469,7 +6978,7 @@
                   </a:extLst>
                 </a:gridCol>
               </a:tblGrid>
-              <a:tr h="289173">
+              <a:tr h="228600">
                 <a:tc>
                   <a:txBody>
                     <a:bodyPr/>
@@ -7484,19 +6993,15 @@
                         </a:spcBef>
                       </a:pPr>
                       <a:r>
-                        <a:rPr sz="1000" spc="0" dirty="0">
+                        <a:rPr lang="de-DE" sz="1000" dirty="0">
                           <a:solidFill>
                             <a:srgbClr val="020302"/>
                           </a:solidFill>
                           <a:latin typeface="Adobe Clean"/>
                           <a:cs typeface="Adobe Clean"/>
                         </a:rPr>
-                        <a:t>Priority</a:t>
+                        <a:t>Priorität</a:t>
                       </a:r>
-                      <a:endParaRPr sz="1000" spc="0" dirty="0">
-                        <a:latin typeface="Adobe Clean"/>
-                        <a:cs typeface="Adobe Clean"/>
-                      </a:endParaRPr>
                     </a:p>
                   </a:txBody>
                   <a:tcPr marL="0" marR="0" marT="7620" marB="0" anchor="ctr">
@@ -7543,49 +7048,15 @@
                         </a:spcBef>
                       </a:pPr>
                       <a:r>
-                        <a:rPr lang="en-US" sz="900" spc="0" dirty="0">
+                        <a:rPr lang="de-DE" sz="900">
                           <a:solidFill>
                             <a:srgbClr val="020302"/>
                           </a:solidFill>
                           <a:latin typeface="Adobe Clean"/>
                           <a:cs typeface="Adobe Clean"/>
                         </a:rPr>
-                        <a:t>Standard</a:t>
+                        <a:t>Standard Support</a:t>
                       </a:r>
-                      <a:r>
-                        <a:rPr sz="900" spc="0" dirty="0">
-                          <a:solidFill>
-                            <a:srgbClr val="020302"/>
-                          </a:solidFill>
-                          <a:latin typeface="Adobe Clean"/>
-                          <a:cs typeface="Adobe Clean"/>
-                        </a:rPr>
-                        <a:t> </a:t>
-                      </a:r>
-                      <a:r>
-                        <a:rPr lang="en-US" sz="900" spc="0" dirty="0">
-                          <a:solidFill>
-                            <a:srgbClr val="020302"/>
-                          </a:solidFill>
-                          <a:latin typeface="Adobe Clean"/>
-                          <a:cs typeface="Adobe Clean"/>
-                        </a:rPr>
-                        <a:t> </a:t>
-                      </a:r>
-                      <a:r>
-                        <a:rPr sz="900" spc="0" dirty="0">
-                          <a:solidFill>
-                            <a:srgbClr val="020302"/>
-                          </a:solidFill>
-                          <a:latin typeface="Adobe Clean"/>
-                          <a:cs typeface="Adobe Clean"/>
-                        </a:rPr>
-                        <a:t>Support</a:t>
-                      </a:r>
-                      <a:endParaRPr sz="900" spc="0" dirty="0">
-                        <a:latin typeface="Adobe Clean"/>
-                        <a:cs typeface="Adobe Clean"/>
-                      </a:endParaRPr>
                     </a:p>
                   </a:txBody>
                   <a:tcPr marL="0" marR="0" marT="0" marB="0" anchor="ctr">
@@ -7635,197 +7106,125 @@
                         </a:spcBef>
                       </a:pPr>
                       <a:r>
-                        <a:rPr sz="900" spc="0" dirty="0">
+                        <a:rPr lang="de-DE" sz="900">
                           <a:solidFill>
                             <a:srgbClr val="FFFFFF"/>
                           </a:solidFill>
                           <a:latin typeface="Adobe Clean"/>
                           <a:cs typeface="Adobe Clean"/>
                         </a:rPr>
-                        <a:t>Business</a:t>
+                        <a:t>Business Support</a:t>
                       </a:r>
+                    </a:p>
+                  </a:txBody>
+                  <a:tcPr marL="0" marR="0" marT="0" marB="0" anchor="ctr">
+                    <a:lnL w="3175">
+                      <a:solidFill>
+                        <a:srgbClr val="B7B8B8"/>
+                      </a:solidFill>
+                      <a:prstDash val="solid"/>
+                    </a:lnL>
+                    <a:lnR w="3175">
+                      <a:solidFill>
+                        <a:srgbClr val="B7B8B8"/>
+                      </a:solidFill>
+                      <a:prstDash val="solid"/>
+                    </a:lnR>
+                    <a:lnT w="3175">
+                      <a:solidFill>
+                        <a:srgbClr val="B7B8B8"/>
+                      </a:solidFill>
+                      <a:prstDash val="solid"/>
+                    </a:lnT>
+                    <a:lnB w="76200">
+                      <a:solidFill>
+                        <a:srgbClr val="ACD2FF"/>
+                      </a:solidFill>
+                      <a:prstDash val="solid"/>
+                    </a:lnB>
+                    <a:solidFill>
+                      <a:srgbClr val="7D7D7D"/>
+                    </a:solidFill>
+                  </a:tcPr>
+                </a:tc>
+                <a:tc>
+                  <a:txBody>
+                    <a:bodyPr/>
+                    <a:lstStyle/>
+                    <a:p>
+                      <a:pPr marL="0" algn="ctr">
+                        <a:lnSpc>
+                          <a:spcPct val="100000"/>
+                        </a:lnSpc>
+                        <a:spcBef>
+                          <a:spcPts val="60"/>
+                        </a:spcBef>
+                      </a:pPr>
                       <a:r>
-                        <a:rPr lang="en-US" sz="900" spc="0" dirty="0">
+                        <a:rPr lang="de-DE" sz="900">
                           <a:solidFill>
                             <a:srgbClr val="FFFFFF"/>
                           </a:solidFill>
                           <a:latin typeface="Adobe Clean"/>
                           <a:cs typeface="Adobe Clean"/>
                         </a:rPr>
-                        <a:t> </a:t>
+                        <a:t>Enterprise Support</a:t>
                       </a:r>
+                    </a:p>
+                  </a:txBody>
+                  <a:tcPr marL="0" marR="0" marT="0" marB="0" anchor="ctr">
+                    <a:lnL w="3175">
+                      <a:solidFill>
+                        <a:srgbClr val="B7B8B8"/>
+                      </a:solidFill>
+                      <a:prstDash val="solid"/>
+                    </a:lnL>
+                    <a:lnR w="3175">
+                      <a:solidFill>
+                        <a:srgbClr val="B7B8B8"/>
+                      </a:solidFill>
+                      <a:prstDash val="solid"/>
+                    </a:lnR>
+                    <a:lnT w="3175">
+                      <a:solidFill>
+                        <a:srgbClr val="B7B8B8"/>
+                      </a:solidFill>
+                      <a:prstDash val="solid"/>
+                    </a:lnT>
+                    <a:lnB w="76200">
+                      <a:solidFill>
+                        <a:srgbClr val="2E8FFF"/>
+                      </a:solidFill>
+                      <a:prstDash val="solid"/>
+                    </a:lnB>
+                    <a:solidFill>
+                      <a:srgbClr val="404040"/>
+                    </a:solidFill>
+                  </a:tcPr>
+                </a:tc>
+                <a:tc>
+                  <a:txBody>
+                    <a:bodyPr/>
+                    <a:lstStyle/>
+                    <a:p>
+                      <a:pPr marL="0" algn="ctr">
+                        <a:lnSpc>
+                          <a:spcPct val="100000"/>
+                        </a:lnSpc>
+                        <a:spcBef>
+                          <a:spcPts val="60"/>
+                        </a:spcBef>
+                      </a:pPr>
                       <a:r>
-                        <a:rPr sz="900" spc="0" dirty="0">
+                        <a:rPr lang="de-DE" sz="900" dirty="0">
                           <a:solidFill>
                             <a:srgbClr val="FFFFFF"/>
                           </a:solidFill>
                           <a:latin typeface="Adobe Clean"/>
                           <a:cs typeface="Adobe Clean"/>
                         </a:rPr>
-                        <a:t>Support</a:t>
+                        <a:t>Elite Support</a:t>
                       </a:r>
-                      <a:endParaRPr sz="900" spc="0" dirty="0">
-                        <a:latin typeface="Adobe Clean"/>
-                        <a:cs typeface="Adobe Clean"/>
-                      </a:endParaRPr>
-                    </a:p>
-                  </a:txBody>
-                  <a:tcPr marL="0" marR="0" marT="0" marB="0" anchor="ctr">
-                    <a:lnL w="3175">
-                      <a:solidFill>
-                        <a:srgbClr val="B7B8B8"/>
-                      </a:solidFill>
-                      <a:prstDash val="solid"/>
-                    </a:lnL>
-                    <a:lnR w="3175">
-                      <a:solidFill>
-                        <a:srgbClr val="B7B8B8"/>
-                      </a:solidFill>
-                      <a:prstDash val="solid"/>
-                    </a:lnR>
-                    <a:lnT w="3175">
-                      <a:solidFill>
-                        <a:srgbClr val="B7B8B8"/>
-                      </a:solidFill>
-                      <a:prstDash val="solid"/>
-                    </a:lnT>
-                    <a:lnB w="76200">
-                      <a:solidFill>
-                        <a:srgbClr val="ACD2FF"/>
-                      </a:solidFill>
-                      <a:prstDash val="solid"/>
-                    </a:lnB>
-                    <a:solidFill>
-                      <a:srgbClr val="7D7D7D"/>
-                    </a:solidFill>
-                  </a:tcPr>
-                </a:tc>
-                <a:tc>
-                  <a:txBody>
-                    <a:bodyPr/>
-                    <a:lstStyle/>
-                    <a:p>
-                      <a:pPr marL="0" algn="ctr">
-                        <a:lnSpc>
-                          <a:spcPct val="100000"/>
-                        </a:lnSpc>
-                        <a:spcBef>
-                          <a:spcPts val="60"/>
-                        </a:spcBef>
-                      </a:pPr>
-                      <a:r>
-                        <a:rPr sz="900" spc="0" dirty="0">
-                          <a:solidFill>
-                            <a:srgbClr val="FFFFFF"/>
-                          </a:solidFill>
-                          <a:latin typeface="Adobe Clean"/>
-                          <a:cs typeface="Adobe Clean"/>
-                        </a:rPr>
-                        <a:t>Enterprise </a:t>
-                      </a:r>
-                      <a:r>
-                        <a:rPr lang="en-US" sz="900" spc="0" dirty="0">
-                          <a:solidFill>
-                            <a:srgbClr val="FFFFFF"/>
-                          </a:solidFill>
-                          <a:latin typeface="Adobe Clean"/>
-                          <a:cs typeface="Adobe Clean"/>
-                        </a:rPr>
-                        <a:t> </a:t>
-                      </a:r>
-                      <a:r>
-                        <a:rPr sz="900" spc="0" dirty="0">
-                          <a:solidFill>
-                            <a:srgbClr val="FFFFFF"/>
-                          </a:solidFill>
-                          <a:latin typeface="Adobe Clean"/>
-                          <a:cs typeface="Adobe Clean"/>
-                        </a:rPr>
-                        <a:t>Support</a:t>
-                      </a:r>
-                      <a:endParaRPr sz="900" spc="0" dirty="0">
-                        <a:latin typeface="Adobe Clean"/>
-                        <a:cs typeface="Adobe Clean"/>
-                      </a:endParaRPr>
-                    </a:p>
-                  </a:txBody>
-                  <a:tcPr marL="0" marR="0" marT="0" marB="0" anchor="ctr">
-                    <a:lnL w="3175">
-                      <a:solidFill>
-                        <a:srgbClr val="B7B8B8"/>
-                      </a:solidFill>
-                      <a:prstDash val="solid"/>
-                    </a:lnL>
-                    <a:lnR w="3175">
-                      <a:solidFill>
-                        <a:srgbClr val="B7B8B8"/>
-                      </a:solidFill>
-                      <a:prstDash val="solid"/>
-                    </a:lnR>
-                    <a:lnT w="3175">
-                      <a:solidFill>
-                        <a:srgbClr val="B7B8B8"/>
-                      </a:solidFill>
-                      <a:prstDash val="solid"/>
-                    </a:lnT>
-                    <a:lnB w="76200">
-                      <a:solidFill>
-                        <a:srgbClr val="2E8FFF"/>
-                      </a:solidFill>
-                      <a:prstDash val="solid"/>
-                    </a:lnB>
-                    <a:solidFill>
-                      <a:srgbClr val="404040"/>
-                    </a:solidFill>
-                  </a:tcPr>
-                </a:tc>
-                <a:tc>
-                  <a:txBody>
-                    <a:bodyPr/>
-                    <a:lstStyle/>
-                    <a:p>
-                      <a:pPr marL="0" algn="ctr">
-                        <a:lnSpc>
-                          <a:spcPct val="100000"/>
-                        </a:lnSpc>
-                        <a:spcBef>
-                          <a:spcPts val="60"/>
-                        </a:spcBef>
-                      </a:pPr>
-                      <a:r>
-                        <a:rPr sz="900" spc="0" dirty="0">
-                          <a:solidFill>
-                            <a:srgbClr val="FFFFFF"/>
-                          </a:solidFill>
-                          <a:latin typeface="Adobe Clean"/>
-                          <a:cs typeface="Adobe Clean"/>
-                        </a:rPr>
-                        <a:t>Elite</a:t>
-                      </a:r>
-                      <a:r>
-                        <a:rPr lang="en-US" sz="900" spc="0" dirty="0">
-                          <a:solidFill>
-                            <a:srgbClr val="FFFFFF"/>
-                          </a:solidFill>
-                          <a:latin typeface="Adobe Clean"/>
-                          <a:cs typeface="Adobe Clean"/>
-                        </a:rPr>
-                        <a:t> </a:t>
-                      </a:r>
-                      <a:r>
-                        <a:rPr sz="900" spc="0" dirty="0">
-                          <a:solidFill>
-                            <a:srgbClr val="FFFFFF"/>
-                          </a:solidFill>
-                          <a:latin typeface="Adobe Clean"/>
-                          <a:cs typeface="Adobe Clean"/>
-                        </a:rPr>
-                        <a:t>Support</a:t>
-                      </a:r>
-                      <a:endParaRPr sz="900" spc="0" dirty="0">
-                        <a:latin typeface="Adobe Clean"/>
-                        <a:cs typeface="Adobe Clean"/>
-                      </a:endParaRPr>
                     </a:p>
                   </a:txBody>
                   <a:tcPr marL="0" marR="0" marT="0" marB="0" anchor="ctr">
@@ -7879,19 +7278,15 @@
                         </a:spcBef>
                       </a:pPr>
                       <a:r>
-                        <a:rPr sz="900" b="1" spc="0" dirty="0">
+                        <a:rPr lang="de-DE" sz="900" b="1" dirty="0">
                           <a:solidFill>
                             <a:srgbClr val="020302"/>
                           </a:solidFill>
                           <a:latin typeface="Adobe Clean"/>
                           <a:cs typeface="Adobe Clean"/>
                         </a:rPr>
-                        <a:t>PRIORITY 1</a:t>
+                        <a:t>PRIORITÄT 1</a:t>
                       </a:r>
-                      <a:endParaRPr sz="900" spc="0" dirty="0">
-                        <a:latin typeface="Adobe Clean"/>
-                        <a:cs typeface="Adobe Clean"/>
-                      </a:endParaRPr>
                     </a:p>
                     <a:p>
                       <a:pPr marL="50800" marR="387985">
@@ -7899,23 +7294,18 @@
                           <a:spcPts val="1000"/>
                         </a:lnSpc>
                         <a:spcBef>
-                          <a:spcPts val="420"/>
+                          <a:spcPts val="215"/>
                         </a:spcBef>
                       </a:pPr>
                       <a:r>
-                        <a:rPr lang="en-US" sz="900" b="0" i="0" spc="0" dirty="0">
+                        <a:rPr lang="de-DE" sz="850" b="0" i="0" dirty="0">
                           <a:solidFill>
                             <a:srgbClr val="000000"/>
                           </a:solidFill>
-                          <a:effectLst/>
                           <a:latin typeface="Adobe Clean Light" panose="020B0303020404020204" pitchFamily="34" charset="0"/>
                         </a:rPr>
-                        <a:t>Customer's production business functions are down or have significant data loss or service degradation and immediate attention is required to restore functionality and usability. </a:t>
+                        <a:t>Die Produktionsfunktionen im Unternehmen des Kunden sind ausgefallen oder weisen einen erheblichen Datenverlust oder eine Beeinträchtigung des Service auf und ein sofortiges Eingreifen ist nötig, um Funktionalität und Nutzbarkeit wiederherzustellen. </a:t>
                       </a:r>
-                      <a:endParaRPr sz="900" spc="0" dirty="0">
-                        <a:latin typeface="AdobeClean-Light"/>
-                        <a:cs typeface="AdobeClean-Light"/>
-                      </a:endParaRPr>
                     </a:p>
                   </a:txBody>
                   <a:tcPr marL="0" marR="0" marT="0" marB="0" anchor="ctr">
@@ -7953,7 +7343,7 @@
                     <a:bodyPr/>
                     <a:lstStyle/>
                     <a:p>
-                      <a:pPr marL="0" marR="258445" indent="115570" algn="ctr">
+                      <a:pPr marL="114300" marR="258445" indent="0" algn="ctr">
                         <a:lnSpc>
                           <a:spcPct val="100000"/>
                         </a:lnSpc>
@@ -7962,39 +7352,15 @@
                         </a:spcBef>
                       </a:pPr>
                       <a:r>
-                        <a:rPr lang="en-US" sz="900" spc="0" dirty="0">
+                        <a:rPr lang="de-DE" sz="900" dirty="0">
                           <a:solidFill>
                             <a:srgbClr val="020302"/>
                           </a:solidFill>
                           <a:latin typeface="AdobeClean-Light"/>
                           <a:cs typeface="AdobeClean-Light"/>
                         </a:rPr>
-                        <a:t>24x7 /</a:t>
+                        <a:t>24x7 / 30 Minuten</a:t>
                       </a:r>
-                    </a:p>
-                    <a:p>
-                      <a:pPr marL="0" marR="258445" indent="115570" algn="ctr">
-                        <a:lnSpc>
-                          <a:spcPct val="100000"/>
-                        </a:lnSpc>
-                        <a:spcBef>
-                          <a:spcPts val="0"/>
-                        </a:spcBef>
-                      </a:pPr>
-                      <a:r>
-                        <a:rPr lang="en-US" sz="900" spc="0" dirty="0">
-                          <a:solidFill>
-                            <a:srgbClr val="020302"/>
-                          </a:solidFill>
-                          <a:latin typeface="AdobeClean-Light"/>
-                          <a:cs typeface="AdobeClean-Light"/>
-                        </a:rPr>
-                        <a:t> 30 minutes</a:t>
-                      </a:r>
-                      <a:endParaRPr lang="en-US" sz="900" spc="0" dirty="0">
-                        <a:latin typeface="AdobeClean-Light"/>
-                        <a:cs typeface="AdobeClean-Light"/>
-                      </a:endParaRPr>
                     </a:p>
                   </a:txBody>
                   <a:tcPr marL="0" marR="0" marT="0" marB="0" anchor="ctr">
@@ -8039,10 +7405,10 @@
                         <a:tabLst/>
                       </a:pPr>
                       <a:r>
-                        <a:rPr lang="en-US" sz="900" i="0" spc="0" dirty="0">
+                        <a:rPr lang="de-DE" sz="900" i="0">
                           <a:latin typeface="AdobeClean-Light"/>
                         </a:rPr>
-                        <a:t>Customers who purchase a Support Plan for applicable Adobe Products and Services receive priority case routing that fast-tracks cases to Adobe’s Support Engineers. </a:t>
+                        <a:t>Kunden, die einen Support-Plan für die entsprechenden Adobe-Produkte und -Services erwerben, erhalten eine bevorzugte Weiterleitung von Fällen an die Support-Techniker von Adobe. </a:t>
                       </a:r>
                     </a:p>
                   </a:txBody>
@@ -8090,7 +7456,7 @@
                         </a:spcBef>
                       </a:pPr>
                       <a:r>
-                        <a:rPr sz="900" spc="0">
+                        <a:rPr lang="de-DE" sz="900">
                           <a:solidFill>
                             <a:srgbClr val="020302"/>
                           </a:solidFill>
@@ -8100,10 +7466,52 @@
                           <a:latin typeface="AdobeClean-Light"/>
                           <a:cs typeface="AdobeClean-Light"/>
                         </a:rPr>
-                        <a:t>24x7 /  </a:t>
+                        <a:t>24x7/30 Minuten</a:t>
                       </a:r>
+                    </a:p>
+                  </a:txBody>
+                  <a:tcPr marL="0" marR="0" marT="0" marB="0" anchor="ctr">
+                    <a:lnL w="3175">
+                      <a:solidFill>
+                        <a:srgbClr val="B7B8B8"/>
+                      </a:solidFill>
+                      <a:prstDash val="solid"/>
+                    </a:lnL>
+                    <a:lnR w="3175">
+                      <a:solidFill>
+                        <a:srgbClr val="B7B8B8"/>
+                      </a:solidFill>
+                      <a:prstDash val="solid"/>
+                    </a:lnR>
+                    <a:lnT w="76200">
+                      <a:solidFill>
+                        <a:srgbClr val="2E8FFF"/>
+                      </a:solidFill>
+                      <a:prstDash val="solid"/>
+                    </a:lnT>
+                    <a:lnB w="3175">
+                      <a:solidFill>
+                        <a:srgbClr val="B7B8B8"/>
+                      </a:solidFill>
+                      <a:prstDash val="solid"/>
+                    </a:lnB>
+                  </a:tcPr>
+                </a:tc>
+                <a:tc rowSpan="4" hMerge="1">
+                  <a:txBody>
+                    <a:bodyPr/>
+                    <a:lstStyle/>
+                    <a:p>
+                      <a:pPr marL="0" marR="271780" indent="103505" algn="ctr">
+                        <a:lnSpc>
+                          <a:spcPct val="100000"/>
+                        </a:lnSpc>
+                        <a:spcBef>
+                          <a:spcPts val="670"/>
+                        </a:spcBef>
+                      </a:pPr>
                       <a:r>
-                        <a:rPr lang="en-US" sz="900" spc="0">
+                        <a:rPr lang="de-DE" sz="900">
                           <a:solidFill>
                             <a:srgbClr val="020302"/>
                           </a:solidFill>
@@ -8113,168 +7521,8 @@
                           <a:latin typeface="AdobeClean-Light"/>
                           <a:cs typeface="AdobeClean-Light"/>
                         </a:rPr>
-                        <a:t>         </a:t>
+                        <a:t>24x7/15 Minuten</a:t>
                       </a:r>
-                      <a:r>
-                        <a:rPr sz="900" spc="0">
-                          <a:solidFill>
-                            <a:srgbClr val="020302"/>
-                          </a:solidFill>
-                          <a:highlight>
-                            <a:srgbClr val="FFFF00"/>
-                          </a:highlight>
-                          <a:latin typeface="AdobeClean-Light"/>
-                          <a:cs typeface="AdobeClean-Light"/>
-                        </a:rPr>
-                        <a:t>30</a:t>
-                      </a:r>
-                      <a:r>
-                        <a:rPr lang="en-US" sz="900" spc="0">
-                          <a:solidFill>
-                            <a:srgbClr val="020302"/>
-                          </a:solidFill>
-                          <a:highlight>
-                            <a:srgbClr val="FFFF00"/>
-                          </a:highlight>
-                          <a:latin typeface="AdobeClean-Light"/>
-                          <a:cs typeface="AdobeClean-Light"/>
-                        </a:rPr>
-                        <a:t> </a:t>
-                      </a:r>
-                      <a:r>
-                        <a:rPr sz="900" spc="0">
-                          <a:solidFill>
-                            <a:srgbClr val="020302"/>
-                          </a:solidFill>
-                          <a:highlight>
-                            <a:srgbClr val="FFFF00"/>
-                          </a:highlight>
-                          <a:latin typeface="AdobeClean-Light"/>
-                          <a:cs typeface="AdobeClean-Light"/>
-                        </a:rPr>
-                        <a:t>minutes</a:t>
-                      </a:r>
-                      <a:endParaRPr sz="900" spc="0">
-                        <a:highlight>
-                          <a:srgbClr val="FFFF00"/>
-                        </a:highlight>
-                        <a:latin typeface="AdobeClean-Light"/>
-                        <a:cs typeface="AdobeClean-Light"/>
-                      </a:endParaRPr>
-                    </a:p>
-                  </a:txBody>
-                  <a:tcPr marL="0" marR="0" marT="0" marB="0" anchor="ctr">
-                    <a:lnL w="3175">
-                      <a:solidFill>
-                        <a:srgbClr val="B7B8B8"/>
-                      </a:solidFill>
-                      <a:prstDash val="solid"/>
-                    </a:lnL>
-                    <a:lnR w="3175">
-                      <a:solidFill>
-                        <a:srgbClr val="B7B8B8"/>
-                      </a:solidFill>
-                      <a:prstDash val="solid"/>
-                    </a:lnR>
-                    <a:lnT w="76200">
-                      <a:solidFill>
-                        <a:srgbClr val="2E8FFF"/>
-                      </a:solidFill>
-                      <a:prstDash val="solid"/>
-                    </a:lnT>
-                    <a:lnB w="3175">
-                      <a:solidFill>
-                        <a:srgbClr val="B7B8B8"/>
-                      </a:solidFill>
-                      <a:prstDash val="solid"/>
-                    </a:lnB>
-                  </a:tcPr>
-                </a:tc>
-                <a:tc rowSpan="4" hMerge="1">
-                  <a:txBody>
-                    <a:bodyPr/>
-                    <a:lstStyle/>
-                    <a:p>
-                      <a:pPr marL="0" marR="271780" indent="103505" algn="ctr">
-                        <a:lnSpc>
-                          <a:spcPct val="100000"/>
-                        </a:lnSpc>
-                        <a:spcBef>
-                          <a:spcPts val="670"/>
-                        </a:spcBef>
-                      </a:pPr>
-                      <a:r>
-                        <a:rPr sz="900" spc="0">
-                          <a:solidFill>
-                            <a:srgbClr val="020302"/>
-                          </a:solidFill>
-                          <a:highlight>
-                            <a:srgbClr val="FFFF00"/>
-                          </a:highlight>
-                          <a:latin typeface="AdobeClean-Light"/>
-                          <a:cs typeface="AdobeClean-Light"/>
-                        </a:rPr>
-                        <a:t>24x7 / </a:t>
-                      </a:r>
-                      <a:r>
-                        <a:rPr lang="en-US" sz="900" spc="0">
-                          <a:solidFill>
-                            <a:srgbClr val="020302"/>
-                          </a:solidFill>
-                          <a:highlight>
-                            <a:srgbClr val="FFFF00"/>
-                          </a:highlight>
-                          <a:latin typeface="AdobeClean-Light"/>
-                          <a:cs typeface="AdobeClean-Light"/>
-                        </a:rPr>
-                        <a:t>       </a:t>
-                      </a:r>
-                      <a:r>
-                        <a:rPr sz="900" spc="0">
-                          <a:solidFill>
-                            <a:srgbClr val="020302"/>
-                          </a:solidFill>
-                          <a:highlight>
-                            <a:srgbClr val="FFFF00"/>
-                          </a:highlight>
-                          <a:latin typeface="AdobeClean-Light"/>
-                          <a:cs typeface="AdobeClean-Light"/>
-                        </a:rPr>
-                        <a:t> 15</a:t>
-                      </a:r>
-                      <a:r>
-                        <a:rPr lang="en-US" sz="900" spc="0">
-                          <a:solidFill>
-                            <a:srgbClr val="020302"/>
-                          </a:solidFill>
-                          <a:highlight>
-                            <a:srgbClr val="FFFF00"/>
-                          </a:highlight>
-                          <a:latin typeface="AdobeClean-Light"/>
-                          <a:cs typeface="AdobeClean-Light"/>
-                        </a:rPr>
-                        <a:t> </a:t>
-                      </a:r>
-                      <a:r>
-                        <a:rPr sz="900" spc="0">
-                          <a:solidFill>
-                            <a:srgbClr val="020302"/>
-                          </a:solidFill>
-                          <a:highlight>
-                            <a:srgbClr val="FFFF00"/>
-                          </a:highlight>
-                          <a:latin typeface="AdobeClean-Light"/>
-                          <a:cs typeface="AdobeClean-Light"/>
-                        </a:rPr>
-                        <a:t>minutes</a:t>
-                      </a:r>
-                      <a:endParaRPr sz="900" spc="0">
-                        <a:highlight>
-                          <a:srgbClr val="FFFF00"/>
-                        </a:highlight>
-                        <a:latin typeface="AdobeClean-Light"/>
-                        <a:cs typeface="AdobeClean-Light"/>
-                      </a:endParaRPr>
                     </a:p>
                   </a:txBody>
                   <a:tcPr marL="0" marR="0" marT="0" marB="0" anchor="ctr">
@@ -8325,19 +7573,15 @@
                         </a:spcBef>
                       </a:pPr>
                       <a:r>
-                        <a:rPr sz="900" b="1" spc="0" dirty="0">
+                        <a:rPr lang="de-DE" sz="900" b="1" dirty="0">
                           <a:solidFill>
                             <a:srgbClr val="020302"/>
                           </a:solidFill>
                           <a:latin typeface="Adobe Clean"/>
                           <a:cs typeface="Adobe Clean"/>
                         </a:rPr>
-                        <a:t>PRIORITY 2</a:t>
+                        <a:t>PRIORITÄT 2</a:t>
                       </a:r>
-                      <a:endParaRPr sz="900" spc="0" dirty="0">
-                        <a:latin typeface="Adobe Clean"/>
-                        <a:cs typeface="Adobe Clean"/>
-                      </a:endParaRPr>
                     </a:p>
                     <a:p>
                       <a:pPr marL="50165" marR="203200" indent="0" defTabSz="914400" eaLnBrk="1" fontAlgn="auto" latinLnBrk="0" hangingPunct="1">
@@ -8345,7 +7589,7 @@
                           <a:spcPts val="1000"/>
                         </a:lnSpc>
                         <a:spcBef>
-                          <a:spcPts val="415"/>
+                          <a:spcPts val="215"/>
                         </a:spcBef>
                         <a:spcAft>
                           <a:spcPts val="0"/>
@@ -8358,19 +7602,14 @@
                         <a:defRPr/>
                       </a:pPr>
                       <a:r>
-                        <a:rPr lang="en-US" sz="900" b="0" i="0" spc="0" dirty="0">
+                        <a:rPr lang="de-DE" sz="850" b="0" i="0" dirty="0">
                           <a:solidFill>
                             <a:srgbClr val="000000"/>
                           </a:solidFill>
-                          <a:effectLst/>
                           <a:latin typeface="Adobe Clean Light" panose="020B0303020404020204" pitchFamily="34" charset="0"/>
                         </a:rPr>
-                        <a:t>Customer's business functions have major service degradation or potential data loss, or a major feature is impacted.  </a:t>
+                        <a:t>Die Unternehmensfunktionen des Kunden weisen erhebliche Beeinträchtigungen des Service oder möglichen Datenverlust auf oder eine zentrale Funktion ist betroffen.  </a:t>
                       </a:r>
-                      <a:endParaRPr sz="900" b="0" i="0" spc="0" dirty="0">
-                        <a:latin typeface="Adobe Clean Light" panose="020B0303020404020204" pitchFamily="34" charset="0"/>
-                        <a:cs typeface="AdobeClean-Light"/>
-                      </a:endParaRPr>
                     </a:p>
                   </a:txBody>
                   <a:tcPr marL="0" marR="0" marT="0" marB="0" anchor="ctr">
@@ -8417,7 +7656,7 @@
                         </a:spcBef>
                       </a:pPr>
                       <a:r>
-                        <a:rPr lang="en-US" sz="900" spc="0" dirty="0">
+                        <a:rPr lang="de-DE" sz="900">
                           <a:solidFill>
                             <a:srgbClr val="020302"/>
                           </a:solidFill>
@@ -8437,19 +7676,15 @@
                         </a:spcBef>
                       </a:pPr>
                       <a:r>
-                        <a:rPr lang="en-US" sz="900" spc="0" dirty="0">
+                        <a:rPr lang="de-DE" sz="900">
                           <a:solidFill>
                             <a:srgbClr val="020302"/>
                           </a:solidFill>
                           <a:latin typeface="AdobeClean-Light"/>
                           <a:cs typeface="AdobeClean-Light"/>
                         </a:rPr>
-                        <a:t>     1 hour</a:t>
+                        <a:t>     1 Stunde</a:t>
                       </a:r>
-                      <a:endParaRPr lang="en-US" sz="900" spc="0" dirty="0">
-                        <a:latin typeface="AdobeClean-Light"/>
-                        <a:cs typeface="AdobeClean-Light"/>
-                      </a:endParaRPr>
                     </a:p>
                   </a:txBody>
                   <a:tcPr marL="0" marR="0" marT="0" marB="0" anchor="ctr">
@@ -8484,7 +7719,7 @@
                     <a:bodyPr/>
                     <a:lstStyle/>
                     <a:p>
-                      <a:pPr marL="0" marR="184785" indent="-194310" algn="ctr">
+                      <a:pPr marL="0" marR="184785" indent="-194310" algn="l" rtl="0">
                         <a:lnSpc>
                           <a:spcPct val="100000"/>
                         </a:lnSpc>
@@ -8536,7 +7771,7 @@
                     <a:bodyPr/>
                     <a:lstStyle/>
                     <a:p>
-                      <a:pPr marL="0" marR="325755" indent="-5715" algn="ctr">
+                      <a:pPr marL="0" marR="325755" indent="-5715" algn="l" rtl="0">
                         <a:lnSpc>
                           <a:spcPct val="100000"/>
                         </a:lnSpc>
@@ -8585,7 +7820,7 @@
                     <a:bodyPr/>
                     <a:lstStyle/>
                     <a:p>
-                      <a:pPr marL="0" marR="259079" indent="111760" algn="ctr">
+                      <a:pPr marL="0" marR="259079" indent="111760" algn="l" rtl="0">
                         <a:lnSpc>
                           <a:spcPct val="100000"/>
                         </a:lnSpc>
@@ -8650,29 +7885,15 @@
                         </a:spcBef>
                       </a:pPr>
                       <a:r>
-                        <a:rPr sz="900" b="1" spc="0" dirty="0">
+                        <a:rPr lang="de-DE" sz="900" b="1" dirty="0">
                           <a:solidFill>
                             <a:srgbClr val="020302"/>
                           </a:solidFill>
                           <a:latin typeface="Adobe Clean"/>
                           <a:cs typeface="Adobe Clean"/>
                         </a:rPr>
-                        <a:t>PRIORITY</a:t>
+                        <a:t>PRIORITÄT 3</a:t>
                       </a:r>
-                      <a:r>
-                        <a:rPr lang="en-US" sz="900" b="1" spc="0" dirty="0">
-                          <a:solidFill>
-                            <a:srgbClr val="020302"/>
-                          </a:solidFill>
-                          <a:latin typeface="Adobe Clean"/>
-                          <a:cs typeface="Adobe Clean"/>
-                        </a:rPr>
-                        <a:t> 3</a:t>
-                      </a:r>
-                      <a:endParaRPr lang="en-US" sz="900" spc="0" dirty="0">
-                        <a:latin typeface="Adobe Clean"/>
-                        <a:cs typeface="Adobe Clean"/>
-                      </a:endParaRPr>
                     </a:p>
                     <a:p>
                       <a:pPr marL="49530" marR="212090" indent="-2540" defTabSz="914400" eaLnBrk="1" fontAlgn="auto" latinLnBrk="0" hangingPunct="1">
@@ -8680,7 +7901,7 @@
                           <a:spcPts val="1000"/>
                         </a:lnSpc>
                         <a:spcBef>
-                          <a:spcPts val="415"/>
+                          <a:spcPts val="215"/>
                         </a:spcBef>
                         <a:spcAft>
                           <a:spcPts val="0"/>
@@ -8693,26 +7914,21 @@
                         <a:defRPr/>
                       </a:pPr>
                       <a:r>
-                        <a:rPr kumimoji="0" lang="en-US" sz="900" b="0" i="0" u="none" strike="noStrike" kern="1200" cap="none" spc="0" normalizeH="0" baseline="0" noProof="0" dirty="0">
+                        <a:rPr kumimoji="0" lang="de-DE" sz="850" b="0" i="0" u="none" strike="noStrike" cap="none" normalizeH="0" baseline="0" noProof="0" dirty="0">
                           <a:ln>
                             <a:noFill/>
                           </a:ln>
                           <a:solidFill>
                             <a:srgbClr val="000000"/>
                           </a:solidFill>
-                          <a:effectLst/>
                           <a:uLnTx/>
                           <a:uFillTx/>
                           <a:latin typeface="Adobe Clean Light" panose="020B0303020404020204" pitchFamily="34" charset="0"/>
                           <a:ea typeface="+mn-ea"/>
                           <a:cs typeface="+mn-cs"/>
                         </a:rPr>
-                        <a:t>Customer's business functions have minor service degradation but there exists a solution/workaround allowing business functions to continue normally. </a:t>
+                        <a:t>Die Unternehmensfunktionen des Kunden weisen eine geringfügige Beeinträchtigung des Service auf, es gibt jedoch eine Lösung/Problemumgehung, mit der die Unternehmensfunktionen weiterhin normal genutzt werden können </a:t>
                       </a:r>
-                      <a:endParaRPr lang="en-US" sz="900" b="0" i="0" spc="0" dirty="0">
-                        <a:latin typeface="Adobe Clean Light" panose="020B0303020404020204" pitchFamily="34" charset="0"/>
-                        <a:cs typeface="AdobeClean-Light"/>
-                      </a:endParaRPr>
                     </a:p>
                   </a:txBody>
                   <a:tcPr marL="0" marR="0" marT="0" marB="0" anchor="ctr">
@@ -8762,14 +7978,14 @@
                         </a:tabLst>
                       </a:pPr>
                       <a:r>
-                        <a:rPr lang="en-US" sz="900" spc="0" dirty="0">
+                        <a:rPr lang="de-DE" sz="900">
                           <a:solidFill>
                             <a:srgbClr val="020302"/>
                           </a:solidFill>
                           <a:latin typeface="AdobeClean-Light"/>
                           <a:cs typeface="AdobeClean-Light"/>
                         </a:rPr>
-                        <a:t>   Business day /   </a:t>
+                        <a:t>   Geschäftstag /   </a:t>
                       </a:r>
                     </a:p>
                     <a:p>
@@ -8782,19 +7998,15 @@
                         </a:spcBef>
                       </a:pPr>
                       <a:r>
-                        <a:rPr lang="en-US" sz="900" spc="0" dirty="0">
+                        <a:rPr lang="de-DE" sz="900">
                           <a:solidFill>
                             <a:srgbClr val="020302"/>
                           </a:solidFill>
                           <a:latin typeface="AdobeClean-Light"/>
                           <a:cs typeface="AdobeClean-Light"/>
                         </a:rPr>
-                        <a:t>4 hours</a:t>
+                        <a:t>4 Stunden</a:t>
                       </a:r>
-                      <a:endParaRPr lang="en-US" sz="900" spc="0" dirty="0">
-                        <a:latin typeface="AdobeClean-Light"/>
-                        <a:cs typeface="AdobeClean-Light"/>
-                      </a:endParaRPr>
                     </a:p>
                   </a:txBody>
                   <a:tcPr marL="0" marR="0" marT="0" marB="0" anchor="ctr">
@@ -8829,7 +8041,7 @@
                     <a:bodyPr/>
                     <a:lstStyle/>
                     <a:p>
-                      <a:pPr marL="0" marR="185420" indent="-193675" algn="ctr">
+                      <a:pPr marL="0" marR="185420" indent="-193675" algn="l" rtl="0">
                         <a:lnSpc>
                           <a:spcPct val="100000"/>
                         </a:lnSpc>
@@ -8881,7 +8093,7 @@
                     <a:bodyPr/>
                     <a:lstStyle/>
                     <a:p>
-                      <a:pPr marL="0" marR="184785" indent="-194310" algn="ctr">
+                      <a:pPr marL="0" marR="184785" indent="-194310" algn="l" rtl="0">
                         <a:lnSpc>
                           <a:spcPct val="100000"/>
                         </a:lnSpc>
@@ -8930,7 +8142,7 @@
                     <a:bodyPr/>
                     <a:lstStyle/>
                     <a:p>
-                      <a:pPr marL="0" marR="326390" indent="-5715" algn="ctr">
+                      <a:pPr marL="0" marR="326390" indent="-5715" algn="l" rtl="0">
                         <a:lnSpc>
                           <a:spcPct val="100000"/>
                         </a:lnSpc>
@@ -8995,19 +8207,15 @@
                         </a:spcBef>
                       </a:pPr>
                       <a:r>
-                        <a:rPr sz="900" b="1" spc="0" dirty="0">
+                        <a:rPr lang="de-DE" sz="900" b="1" dirty="0">
                           <a:solidFill>
                             <a:srgbClr val="020302"/>
                           </a:solidFill>
                           <a:latin typeface="Adobe Clean"/>
                           <a:cs typeface="Adobe Clean"/>
                         </a:rPr>
-                        <a:t>PRIORITY 4</a:t>
+                        <a:t>PRIORITÄT 4</a:t>
                       </a:r>
-                      <a:endParaRPr sz="900" spc="0" dirty="0">
-                        <a:latin typeface="Adobe Clean"/>
-                        <a:cs typeface="Adobe Clean"/>
-                      </a:endParaRPr>
                     </a:p>
                     <a:p>
                       <a:pPr marL="48895" marR="0" indent="0" defTabSz="914400" eaLnBrk="1" fontAlgn="auto" latinLnBrk="0" hangingPunct="1">
@@ -9015,7 +8223,7 @@
                           <a:spcPct val="100000"/>
                         </a:lnSpc>
                         <a:spcBef>
-                          <a:spcPts val="300"/>
+                          <a:spcPts val="215"/>
                         </a:spcBef>
                         <a:spcAft>
                           <a:spcPts val="0"/>
@@ -9028,19 +8236,14 @@
                         <a:defRPr/>
                       </a:pPr>
                       <a:r>
-                        <a:rPr lang="en-US" sz="900" b="0" i="0" spc="0" dirty="0">
+                        <a:rPr lang="de-DE" sz="850" b="0" i="0" dirty="0">
                           <a:solidFill>
                             <a:srgbClr val="000000"/>
                           </a:solidFill>
-                          <a:effectLst/>
                           <a:latin typeface="Adobe Clean Light" panose="020B0303020404020204" pitchFamily="34" charset="0"/>
                         </a:rPr>
-                        <a:t>General question regarding current product functionality or an enhancement request. </a:t>
+                        <a:t>Allgemeine Frage zur aktuellen Produktfunktionalität oder Anfrage zu einer Erweiterung. </a:t>
                       </a:r>
-                      <a:endParaRPr sz="900" b="0" i="0" spc="0" dirty="0">
-                        <a:latin typeface="Adobe Clean Light" panose="020B0303020404020204" pitchFamily="34" charset="0"/>
-                        <a:cs typeface="AdobeClean-Light"/>
-                      </a:endParaRPr>
                     </a:p>
                   </a:txBody>
                   <a:tcPr marL="0" marR="0" marT="0" marB="0" anchor="ctr">
@@ -9090,14 +8293,14 @@
                         </a:tabLst>
                       </a:pPr>
                       <a:r>
-                        <a:rPr lang="en-US" sz="900" spc="0" dirty="0">
+                        <a:rPr lang="de-DE" sz="900" dirty="0">
                           <a:solidFill>
                             <a:srgbClr val="020302"/>
                           </a:solidFill>
                           <a:latin typeface="AdobeClean-Light"/>
                           <a:cs typeface="AdobeClean-Light"/>
                         </a:rPr>
-                        <a:t>  Business day /   </a:t>
+                        <a:t>  Geschäftstag /   </a:t>
                       </a:r>
                     </a:p>
                     <a:p>
@@ -9110,19 +8313,15 @@
                         </a:spcBef>
                       </a:pPr>
                       <a:r>
-                        <a:rPr lang="en-US" sz="900" spc="0" dirty="0">
+                        <a:rPr lang="de-DE" sz="900" dirty="0">
                           <a:solidFill>
                             <a:srgbClr val="020302"/>
                           </a:solidFill>
                           <a:latin typeface="AdobeClean-Light"/>
                           <a:cs typeface="AdobeClean-Light"/>
                         </a:rPr>
-                        <a:t>1 day </a:t>
+                        <a:t>1 Tag </a:t>
                       </a:r>
-                      <a:endParaRPr lang="en-US" sz="900" spc="0" dirty="0">
-                        <a:latin typeface="AdobeClean-Light"/>
-                        <a:cs typeface="AdobeClean-Light"/>
-                      </a:endParaRPr>
                     </a:p>
                   </a:txBody>
                   <a:tcPr marL="0" marR="0" marT="0" marB="0" anchor="ctr">
@@ -9157,7 +8356,7 @@
                     <a:bodyPr/>
                     <a:lstStyle/>
                     <a:p>
-                      <a:pPr marL="0" marR="223520" indent="-202565" algn="ctr">
+                      <a:pPr marL="0" marR="223520" indent="-202565" algn="l" rtl="0">
                         <a:lnSpc>
                           <a:spcPct val="100000"/>
                         </a:lnSpc>
@@ -9209,7 +8408,7 @@
                     <a:bodyPr/>
                     <a:lstStyle/>
                     <a:p>
-                      <a:pPr marL="0" marR="223520" indent="-202565" algn="ctr">
+                      <a:pPr marL="0" marR="223520" indent="-202565" algn="l" rtl="0">
                         <a:lnSpc>
                           <a:spcPct val="100000"/>
                         </a:lnSpc>
@@ -9258,7 +8457,7 @@
                     <a:bodyPr/>
                     <a:lstStyle/>
                     <a:p>
-                      <a:pPr marL="0" marR="223520" indent="-202565" algn="ctr">
+                      <a:pPr marL="0" marR="223520" indent="-202565" algn="l" rtl="0">
                         <a:lnSpc>
                           <a:spcPct val="100000"/>
                         </a:lnSpc>
@@ -9352,20 +8551,11 @@
               </a:spcBef>
             </a:pPr>
             <a:r>
-              <a:rPr sz="2300" dirty="0">
+              <a:rPr lang="de-DE" sz="2300">
                 <a:latin typeface="Adobe Clean" panose="020B0503020404020204" pitchFamily="34" charset="0"/>
               </a:rPr>
-              <a:t>ADOBE </a:t>
+              <a:t>SUPPORT-PAKETE VON ADOBE</a:t>
             </a:r>
-            <a:r>
-              <a:rPr lang="en-US" sz="2300" dirty="0">
-                <a:latin typeface="Adobe Clean" panose="020B0503020404020204" pitchFamily="34" charset="0"/>
-              </a:rPr>
-              <a:t>SUPPORT PLANS</a:t>
-            </a:r>
-            <a:endParaRPr sz="2300" dirty="0">
-              <a:latin typeface="Adobe Clean" panose="020B0503020404020204" pitchFamily="34" charset="0"/>
-            </a:endParaRPr>
           </a:p>
         </p:txBody>
       </p:sp>
@@ -9398,13 +8588,13 @@
           <a:lstStyle/>
           <a:p>
             <a:r>
-              <a:rPr lang="en-US" sz="700" i="1" dirty="0">
+              <a:rPr lang="de-DE" sz="700" i="1">
                 <a:solidFill>
                   <a:schemeClr val="bg1"/>
                 </a:solidFill>
                 <a:latin typeface="Adobe Clean" panose="020B0503020404020204" pitchFamily="34" charset="0"/>
               </a:rPr>
-              <a:t>Adobe Creative Cloud / Adobe Document Cloud (including Adobe Sign)</a:t>
+              <a:t>Adobe Creative Cloud / Adobe Document Cloud (einschließlich Adobe Sign)</a:t>
             </a:r>
           </a:p>
           <a:p>
@@ -9556,386 +8746,32 @@
               </a:spcBef>
             </a:pPr>
             <a:r>
-              <a:rPr lang="en-US" sz="1100" spc="-20" dirty="0">
+              <a:rPr lang="de-DE" sz="1100" dirty="0">
                 <a:solidFill>
                   <a:srgbClr val="020302"/>
                 </a:solidFill>
                 <a:latin typeface="AdobeClean-Light"/>
                 <a:cs typeface="AdobeClean-Light"/>
               </a:rPr>
-              <a:t>Adobe Customer Support offers a</a:t>
+              <a:t>Der Adobe-Kunden-Support bietet Zugang zu Ressourcen für die Dokumentation und den Kontakt mit anderen Experten und Kunden über Best Practices. Für Fragen und Fallübermittlungen</a:t>
             </a:r>
             <a:r>
-              <a:rPr sz="1100" spc="-20" dirty="0">
+              <a:rPr lang="de-DE" sz="1100" dirty="0">
+                <a:latin typeface="AdobeClean-Light"/>
+                <a:cs typeface="AdobeClean-Light"/>
+              </a:rPr>
+              <a:t> </a:t>
+            </a:r>
+            <a:r>
+              <a:rPr lang="de-DE" sz="1100" dirty="0">
                 <a:solidFill>
                   <a:srgbClr val="020302"/>
                 </a:solidFill>
                 <a:latin typeface="AdobeClean-Light"/>
                 <a:cs typeface="AdobeClean-Light"/>
               </a:rPr>
-              <a:t>ccess</a:t>
+              <a:t>stehen ebenfalls verschiedene Kanäle zur Verfügung.</a:t>
             </a:r>
-            <a:r>
-              <a:rPr sz="1100" spc="-90" dirty="0">
-                <a:solidFill>
-                  <a:srgbClr val="020302"/>
-                </a:solidFill>
-                <a:latin typeface="AdobeClean-Light"/>
-                <a:cs typeface="AdobeClean-Light"/>
-              </a:rPr>
-              <a:t> </a:t>
-            </a:r>
-            <a:r>
-              <a:rPr sz="1100" spc="-10" dirty="0">
-                <a:solidFill>
-                  <a:srgbClr val="020302"/>
-                </a:solidFill>
-                <a:latin typeface="AdobeClean-Light"/>
-                <a:cs typeface="AdobeClean-Light"/>
-              </a:rPr>
-              <a:t>to</a:t>
-            </a:r>
-            <a:r>
-              <a:rPr sz="1100" spc="10" dirty="0">
-                <a:solidFill>
-                  <a:srgbClr val="020302"/>
-                </a:solidFill>
-                <a:latin typeface="AdobeClean-Light"/>
-                <a:cs typeface="AdobeClean-Light"/>
-              </a:rPr>
-              <a:t> </a:t>
-            </a:r>
-            <a:r>
-              <a:rPr sz="1100" spc="-20" dirty="0">
-                <a:solidFill>
-                  <a:srgbClr val="020302"/>
-                </a:solidFill>
-                <a:latin typeface="AdobeClean-Light"/>
-                <a:cs typeface="AdobeClean-Light"/>
-              </a:rPr>
-              <a:t>resources</a:t>
-            </a:r>
-            <a:r>
-              <a:rPr sz="1100" spc="-120" dirty="0">
-                <a:solidFill>
-                  <a:srgbClr val="020302"/>
-                </a:solidFill>
-                <a:latin typeface="AdobeClean-Light"/>
-                <a:cs typeface="AdobeClean-Light"/>
-              </a:rPr>
-              <a:t> </a:t>
-            </a:r>
-            <a:r>
-              <a:rPr sz="1100" spc="-15" dirty="0">
-                <a:solidFill>
-                  <a:srgbClr val="020302"/>
-                </a:solidFill>
-                <a:latin typeface="AdobeClean-Light"/>
-                <a:cs typeface="AdobeClean-Light"/>
-              </a:rPr>
-              <a:t>for</a:t>
-            </a:r>
-            <a:r>
-              <a:rPr sz="1100" spc="-30" dirty="0">
-                <a:solidFill>
-                  <a:srgbClr val="020302"/>
-                </a:solidFill>
-                <a:latin typeface="AdobeClean-Light"/>
-                <a:cs typeface="AdobeClean-Light"/>
-              </a:rPr>
-              <a:t> </a:t>
-            </a:r>
-            <a:r>
-              <a:rPr sz="1100" spc="-15" dirty="0">
-                <a:solidFill>
-                  <a:srgbClr val="020302"/>
-                </a:solidFill>
-                <a:latin typeface="AdobeClean-Light"/>
-                <a:cs typeface="AdobeClean-Light"/>
-              </a:rPr>
-              <a:t>documentation</a:t>
-            </a:r>
-            <a:r>
-              <a:rPr lang="en-US" sz="1100" spc="-15" dirty="0">
-                <a:solidFill>
-                  <a:srgbClr val="020302"/>
-                </a:solidFill>
-                <a:latin typeface="AdobeClean-Light"/>
-                <a:cs typeface="AdobeClean-Light"/>
-              </a:rPr>
-              <a:t> and </a:t>
-            </a:r>
-            <a:r>
-              <a:rPr sz="1100" spc="-15" dirty="0">
-                <a:solidFill>
-                  <a:srgbClr val="020302"/>
-                </a:solidFill>
-                <a:latin typeface="AdobeClean-Light"/>
-                <a:cs typeface="AdobeClean-Light"/>
-              </a:rPr>
-              <a:t>engagement</a:t>
-            </a:r>
-            <a:r>
-              <a:rPr lang="en-US" sz="1100" spc="-15" dirty="0">
-                <a:solidFill>
-                  <a:srgbClr val="020302"/>
-                </a:solidFill>
-                <a:latin typeface="AdobeClean-Light"/>
-                <a:cs typeface="AdobeClean-Light"/>
-              </a:rPr>
-              <a:t> </a:t>
-            </a:r>
-            <a:r>
-              <a:rPr sz="1100" spc="-15" dirty="0">
-                <a:solidFill>
-                  <a:srgbClr val="020302"/>
-                </a:solidFill>
-                <a:latin typeface="AdobeClean-Light"/>
-                <a:cs typeface="AdobeClean-Light"/>
-              </a:rPr>
-              <a:t>with</a:t>
-            </a:r>
-            <a:r>
-              <a:rPr sz="1100" spc="-35" dirty="0">
-                <a:solidFill>
-                  <a:srgbClr val="020302"/>
-                </a:solidFill>
-                <a:latin typeface="AdobeClean-Light"/>
-                <a:cs typeface="AdobeClean-Light"/>
-              </a:rPr>
-              <a:t> </a:t>
-            </a:r>
-            <a:r>
-              <a:rPr sz="1100" spc="-20" dirty="0">
-                <a:solidFill>
-                  <a:srgbClr val="020302"/>
-                </a:solidFill>
-                <a:latin typeface="AdobeClean-Light"/>
-                <a:cs typeface="AdobeClean-Light"/>
-              </a:rPr>
-              <a:t>other experts </a:t>
-            </a:r>
-            <a:r>
-              <a:rPr sz="1100" spc="-15" dirty="0">
-                <a:solidFill>
-                  <a:srgbClr val="020302"/>
-                </a:solidFill>
-                <a:latin typeface="AdobeClean-Light"/>
-                <a:cs typeface="AdobeClean-Light"/>
-              </a:rPr>
-              <a:t>and </a:t>
-            </a:r>
-            <a:r>
-              <a:rPr sz="1100" spc="-20" dirty="0">
-                <a:solidFill>
-                  <a:srgbClr val="020302"/>
-                </a:solidFill>
-                <a:latin typeface="AdobeClean-Light"/>
-                <a:cs typeface="AdobeClean-Light"/>
-              </a:rPr>
-              <a:t>customers </a:t>
-            </a:r>
-            <a:r>
-              <a:rPr sz="1100" spc="-15" dirty="0">
-                <a:solidFill>
-                  <a:srgbClr val="020302"/>
-                </a:solidFill>
-                <a:latin typeface="AdobeClean-Light"/>
-                <a:cs typeface="AdobeClean-Light"/>
-              </a:rPr>
-              <a:t>for best </a:t>
-            </a:r>
-            <a:r>
-              <a:rPr sz="1100" spc="-20" dirty="0">
-                <a:solidFill>
-                  <a:srgbClr val="020302"/>
-                </a:solidFill>
-                <a:latin typeface="AdobeClean-Light"/>
-                <a:cs typeface="AdobeClean-Light"/>
-              </a:rPr>
-              <a:t>practices</a:t>
-            </a:r>
-            <a:r>
-              <a:rPr lang="en-US" sz="1100" spc="-20" dirty="0">
-                <a:solidFill>
-                  <a:srgbClr val="020302"/>
-                </a:solidFill>
-                <a:latin typeface="AdobeClean-Light"/>
-                <a:cs typeface="AdobeClean-Light"/>
-              </a:rPr>
-              <a:t>. </a:t>
-            </a:r>
-            <a:r>
-              <a:rPr sz="1100" spc="-20" dirty="0">
-                <a:solidFill>
-                  <a:srgbClr val="020302"/>
-                </a:solidFill>
-                <a:latin typeface="AdobeClean-Light"/>
-                <a:cs typeface="AdobeClean-Light"/>
-              </a:rPr>
-              <a:t>Several channels </a:t>
-            </a:r>
-            <a:r>
-              <a:rPr sz="1100" spc="-15" dirty="0">
-                <a:solidFill>
-                  <a:srgbClr val="020302"/>
-                </a:solidFill>
-                <a:latin typeface="AdobeClean-Light"/>
-                <a:cs typeface="AdobeClean-Light"/>
-              </a:rPr>
-              <a:t>are</a:t>
-            </a:r>
-            <a:r>
-              <a:rPr sz="1100" spc="-140" dirty="0">
-                <a:solidFill>
-                  <a:srgbClr val="020302"/>
-                </a:solidFill>
-                <a:latin typeface="AdobeClean-Light"/>
-                <a:cs typeface="AdobeClean-Light"/>
-              </a:rPr>
-              <a:t> </a:t>
-            </a:r>
-            <a:r>
-              <a:rPr sz="1100" spc="-20" dirty="0">
-                <a:solidFill>
-                  <a:srgbClr val="020302"/>
-                </a:solidFill>
-                <a:latin typeface="AdobeClean-Light"/>
-                <a:cs typeface="AdobeClean-Light"/>
-              </a:rPr>
-              <a:t>also</a:t>
-            </a:r>
-            <a:r>
-              <a:rPr lang="en-US" sz="1100" dirty="0">
-                <a:latin typeface="AdobeClean-Light"/>
-                <a:cs typeface="AdobeClean-Light"/>
-              </a:rPr>
-              <a:t> </a:t>
-            </a:r>
-            <a:r>
-              <a:rPr sz="1100" spc="-25" dirty="0">
-                <a:solidFill>
-                  <a:srgbClr val="020302"/>
-                </a:solidFill>
-                <a:latin typeface="AdobeClean-Light"/>
-                <a:cs typeface="AdobeClean-Light"/>
-              </a:rPr>
-              <a:t>available</a:t>
-            </a:r>
-            <a:r>
-              <a:rPr sz="1100" spc="-65" dirty="0">
-                <a:solidFill>
-                  <a:srgbClr val="020302"/>
-                </a:solidFill>
-                <a:latin typeface="AdobeClean-Light"/>
-                <a:cs typeface="AdobeClean-Light"/>
-              </a:rPr>
-              <a:t> </a:t>
-            </a:r>
-            <a:r>
-              <a:rPr sz="1100" spc="-15" dirty="0">
-                <a:solidFill>
-                  <a:srgbClr val="020302"/>
-                </a:solidFill>
-                <a:latin typeface="AdobeClean-Light"/>
-                <a:cs typeface="AdobeClean-Light"/>
-              </a:rPr>
-              <a:t>for</a:t>
-            </a:r>
-            <a:r>
-              <a:rPr sz="1100" spc="-25" dirty="0">
-                <a:solidFill>
-                  <a:srgbClr val="020302"/>
-                </a:solidFill>
-                <a:latin typeface="AdobeClean-Light"/>
-                <a:cs typeface="AdobeClean-Light"/>
-              </a:rPr>
-              <a:t> </a:t>
-            </a:r>
-            <a:r>
-              <a:rPr sz="1100" spc="-20" dirty="0">
-                <a:solidFill>
-                  <a:srgbClr val="020302"/>
-                </a:solidFill>
-                <a:latin typeface="AdobeClean-Light"/>
-                <a:cs typeface="AdobeClean-Light"/>
-              </a:rPr>
-              <a:t>questions</a:t>
-            </a:r>
-            <a:r>
-              <a:rPr sz="1100" spc="-114" dirty="0">
-                <a:solidFill>
-                  <a:srgbClr val="020302"/>
-                </a:solidFill>
-                <a:latin typeface="AdobeClean-Light"/>
-                <a:cs typeface="AdobeClean-Light"/>
-              </a:rPr>
-              <a:t> </a:t>
-            </a:r>
-            <a:r>
-              <a:rPr sz="1100" spc="-15" dirty="0">
-                <a:solidFill>
-                  <a:srgbClr val="020302"/>
-                </a:solidFill>
-                <a:latin typeface="AdobeClean-Light"/>
-                <a:cs typeface="AdobeClean-Light"/>
-              </a:rPr>
-              <a:t>and</a:t>
-            </a:r>
-            <a:r>
-              <a:rPr sz="1100" spc="-45" dirty="0">
-                <a:solidFill>
-                  <a:srgbClr val="020302"/>
-                </a:solidFill>
-                <a:latin typeface="AdobeClean-Light"/>
-                <a:cs typeface="AdobeClean-Light"/>
-              </a:rPr>
-              <a:t> </a:t>
-            </a:r>
-            <a:r>
-              <a:rPr sz="1100" spc="-20" dirty="0">
-                <a:solidFill>
-                  <a:srgbClr val="020302"/>
-                </a:solidFill>
-                <a:latin typeface="AdobeClean-Light"/>
-                <a:cs typeface="AdobeClean-Light"/>
-              </a:rPr>
-              <a:t>case</a:t>
-            </a:r>
-            <a:r>
-              <a:rPr sz="1100" spc="-35" dirty="0">
-                <a:solidFill>
-                  <a:srgbClr val="020302"/>
-                </a:solidFill>
-                <a:latin typeface="AdobeClean-Light"/>
-                <a:cs typeface="AdobeClean-Light"/>
-              </a:rPr>
-              <a:t> </a:t>
-            </a:r>
-            <a:r>
-              <a:rPr sz="1100" spc="-20" dirty="0">
-                <a:solidFill>
-                  <a:srgbClr val="020302"/>
-                </a:solidFill>
-                <a:latin typeface="AdobeClean-Light"/>
-                <a:cs typeface="AdobeClean-Light"/>
-              </a:rPr>
-              <a:t>submissions</a:t>
-            </a:r>
-            <a:r>
-              <a:rPr lang="en-US" sz="1100" spc="-20" dirty="0">
-                <a:solidFill>
-                  <a:srgbClr val="020302"/>
-                </a:solidFill>
-                <a:latin typeface="AdobeClean-Light"/>
-                <a:cs typeface="AdobeClean-Light"/>
-              </a:rPr>
-              <a:t>.</a:t>
-            </a:r>
-            <a:endParaRPr sz="1100" dirty="0">
-              <a:latin typeface="AdobeClean-Light"/>
-              <a:cs typeface="AdobeClean-Light"/>
-            </a:endParaRPr>
           </a:p>
         </p:txBody>
       </p:sp>
@@ -9948,7 +8784,7 @@
         <p:spPr>
           <a:xfrm>
             <a:off x="242047" y="5400954"/>
-            <a:ext cx="3270885" cy="702756"/>
+            <a:ext cx="3270885" cy="872034"/>
           </a:xfrm>
           <a:prstGeom prst="rect">
             <a:avLst/>
@@ -9972,114 +8808,14 @@
               </a:tabLst>
             </a:pPr>
             <a:r>
-              <a:rPr lang="en-US" sz="1100" spc="-20" dirty="0">
+              <a:rPr lang="de-DE" sz="1100" dirty="0">
                 <a:solidFill>
                   <a:srgbClr val="020302"/>
                 </a:solidFill>
                 <a:latin typeface="AdobeClean-Light"/>
                 <a:cs typeface="AdobeClean-Light"/>
               </a:rPr>
-              <a:t>Authorized Users (Admins) can start a chat session with Adobe Support </a:t>
-            </a:r>
-            <a:r>
-              <a:rPr sz="1100" spc="-5" dirty="0">
-                <a:solidFill>
-                  <a:srgbClr val="020302"/>
-                </a:solidFill>
-                <a:latin typeface="AdobeClean-Light"/>
-                <a:cs typeface="AdobeClean-Light"/>
-              </a:rPr>
-              <a:t>to </a:t>
-            </a:r>
-            <a:r>
-              <a:rPr sz="1100" spc="-10" dirty="0">
-                <a:solidFill>
-                  <a:srgbClr val="020302"/>
-                </a:solidFill>
-                <a:latin typeface="AdobeClean-Light"/>
-                <a:cs typeface="AdobeClean-Light"/>
-              </a:rPr>
-              <a:t>get </a:t>
-            </a:r>
-            <a:r>
-              <a:rPr sz="1100" spc="-20" dirty="0">
-                <a:solidFill>
-                  <a:srgbClr val="020302"/>
-                </a:solidFill>
-                <a:latin typeface="AdobeClean-Light"/>
-                <a:cs typeface="AdobeClean-Light"/>
-              </a:rPr>
-              <a:t>answers</a:t>
-            </a:r>
-            <a:r>
-              <a:rPr lang="en-US" sz="1100" spc="-45" dirty="0">
-                <a:solidFill>
-                  <a:srgbClr val="020302"/>
-                </a:solidFill>
-                <a:latin typeface="AdobeClean-Light"/>
-                <a:cs typeface="AdobeClean-Light"/>
-              </a:rPr>
-              <a:t> and </a:t>
-            </a:r>
-            <a:r>
-              <a:rPr sz="1100" spc="-15" dirty="0">
-                <a:solidFill>
-                  <a:srgbClr val="020302"/>
-                </a:solidFill>
-                <a:latin typeface="AdobeClean-Light"/>
-                <a:cs typeface="AdobeClean-Light"/>
-              </a:rPr>
-              <a:t>help </a:t>
-            </a:r>
-            <a:r>
-              <a:rPr sz="1100" spc="-10" dirty="0">
-                <a:solidFill>
-                  <a:srgbClr val="020302"/>
-                </a:solidFill>
-                <a:latin typeface="AdobeClean-Light"/>
-                <a:cs typeface="AdobeClean-Light"/>
-              </a:rPr>
-              <a:t>with</a:t>
-            </a:r>
-            <a:r>
-              <a:rPr sz="1100" spc="85" dirty="0">
-                <a:solidFill>
-                  <a:srgbClr val="020302"/>
-                </a:solidFill>
-                <a:latin typeface="AdobeClean-Light"/>
-                <a:cs typeface="AdobeClean-Light"/>
-              </a:rPr>
-              <a:t> </a:t>
-            </a:r>
-            <a:r>
-              <a:rPr sz="1100" spc="-10" dirty="0">
-                <a:solidFill>
-                  <a:srgbClr val="020302"/>
-                </a:solidFill>
-                <a:latin typeface="AdobeClean-Light"/>
-                <a:cs typeface="AdobeClean-Light"/>
-              </a:rPr>
-              <a:t>case </a:t>
-            </a:r>
-            <a:r>
-              <a:rPr sz="1100" spc="-20" dirty="0">
-                <a:solidFill>
-                  <a:srgbClr val="020302"/>
-                </a:solidFill>
-                <a:latin typeface="AdobeClean-Light"/>
-                <a:cs typeface="AdobeClean-Light"/>
-              </a:rPr>
-              <a:t>submission</a:t>
-            </a:r>
-            <a:r>
-              <a:rPr lang="en-US" sz="1100" spc="-20" dirty="0">
-                <a:solidFill>
-                  <a:srgbClr val="020302"/>
-                </a:solidFill>
-                <a:latin typeface="AdobeClean-Light"/>
-                <a:cs typeface="AdobeClean-Light"/>
-              </a:rPr>
-              <a:t>.</a:t>
+              <a:t>Autorisierte Benutzer (Administratoren) können eine Chat-Sitzung mit dem Adobe-Support beginnen, um Antworten und Hilfe bei der Einreichung von Fällen zu erhalten.</a:t>
             </a:r>
           </a:p>
           <a:p>
@@ -10095,19 +8831,15 @@
               </a:tabLst>
             </a:pPr>
             <a:r>
-              <a:rPr lang="en-US" sz="1100" i="1" spc="-10" dirty="0">
+              <a:rPr lang="de-DE" sz="1100" i="1" dirty="0">
                 <a:solidFill>
                   <a:srgbClr val="7A7A7A"/>
                 </a:solidFill>
                 <a:latin typeface="AdobeClean-LightIt"/>
                 <a:cs typeface="AdobeClean-LightIt"/>
               </a:rPr>
-              <a:t>Subject to local hours</a:t>
+              <a:t>Je nach lokalen Öffnungszeiten</a:t>
             </a:r>
-            <a:endParaRPr sz="1100" i="1" dirty="0">
-              <a:latin typeface="AdobeClean-Light"/>
-              <a:cs typeface="AdobeClean-Light"/>
-            </a:endParaRPr>
           </a:p>
         </p:txBody>
       </p:sp>
@@ -10155,7 +8887,7 @@
         <p:spPr>
           <a:xfrm>
             <a:off x="228600" y="1037692"/>
-            <a:ext cx="1501052" cy="307777"/>
+            <a:ext cx="1645920" cy="307777"/>
           </a:xfrm>
           <a:prstGeom prst="rect">
             <a:avLst/>
@@ -10176,7 +8908,7 @@
               </a:spcBef>
             </a:pPr>
             <a:r>
-              <a:rPr lang="en-US" sz="1400" b="1" spc="-10" dirty="0">
+              <a:rPr lang="de-DE" sz="1400" b="1" dirty="0">
                 <a:solidFill>
                   <a:srgbClr val="020302"/>
                 </a:solidFill>
@@ -10185,10 +8917,6 @@
               </a:rPr>
               <a:t>Standard Support</a:t>
             </a:r>
-            <a:endParaRPr lang="en-US" sz="1400" dirty="0">
-              <a:latin typeface="Adobe Clean"/>
-              <a:cs typeface="Adobe Clean"/>
-            </a:endParaRPr>
           </a:p>
         </p:txBody>
       </p:sp>
@@ -10230,20 +8958,20 @@
               </a:spcAft>
             </a:pPr>
             <a:r>
-              <a:rPr lang="en-US" sz="1400" b="1" dirty="0">
+              <a:rPr lang="de-DE" sz="1400" b="1">
                 <a:latin typeface="+mj-lt"/>
                 <a:ea typeface="Open Sans" pitchFamily="34" charset="0"/>
                 <a:cs typeface="Open Sans" pitchFamily="34" charset="0"/>
               </a:rPr>
-              <a:t>Community </a:t>
+              <a:t>Community-</a:t>
             </a:r>
             <a:r>
-              <a:rPr lang="en-US" sz="1400" b="1" dirty="0">
+              <a:rPr lang="de-DE" sz="1400" b="1">
                 <a:latin typeface="Adobe Clean" panose="020B0503020404020204" pitchFamily="34" charset="0"/>
                 <a:ea typeface="Open Sans" pitchFamily="34" charset="0"/>
                 <a:cs typeface="Open Sans" pitchFamily="34" charset="0"/>
               </a:rPr>
-              <a:t>Forums</a:t>
+              <a:t>Foren</a:t>
             </a:r>
           </a:p>
         </p:txBody>
@@ -10276,13 +9004,13 @@
           <a:lstStyle/>
           <a:p>
             <a:r>
-              <a:rPr lang="en-US" sz="1100" dirty="0">
+              <a:rPr lang="de-DE" sz="1100">
                 <a:solidFill>
                   <a:srgbClr val="000000"/>
                 </a:solidFill>
                 <a:latin typeface="Adobe Clean Light" panose="020B0303020404020204" pitchFamily="34" charset="0"/>
               </a:rPr>
-              <a:t>Continuous online access to a growing database of technical solutions, product documentation, FAQs and more. Connect with other customers on Adobe Community to share best practices and lessons learned..</a:t>
+              <a:t>Kontinuierlicher Online-Zugriff auf eine wachsende Datenbank technischer Lösungen, Produktdokumentationen, FAQs und mehr. Tauschen Sie sich mit anderen Kunden in der Adobe-Community über Best Practices und Erfahrungen aus.</a:t>
             </a:r>
           </a:p>
         </p:txBody>
@@ -10325,12 +9053,12 @@
               </a:spcAft>
             </a:pPr>
             <a:r>
-              <a:rPr lang="en-US" sz="1400" b="1" dirty="0">
+              <a:rPr lang="de-DE" sz="1400" b="1">
                 <a:latin typeface="Adobe Clean" panose="020B0503020404020204" pitchFamily="34" charset="0"/>
                 <a:ea typeface="Open Sans" pitchFamily="34" charset="0"/>
                 <a:cs typeface="Open Sans" pitchFamily="34" charset="0"/>
               </a:rPr>
-              <a:t>Self-Help Portal</a:t>
+              <a:t>Selbsthilfe-Portal</a:t>
             </a:r>
           </a:p>
         </p:txBody>
@@ -10363,13 +9091,13 @@
           <a:lstStyle/>
           <a:p>
             <a:r>
-              <a:rPr lang="en-US" sz="1100" dirty="0">
+              <a:rPr lang="de-DE" sz="1100">
                 <a:solidFill>
                   <a:srgbClr val="000000"/>
                 </a:solidFill>
                 <a:latin typeface="Adobe Clean Light" panose="020B0303020404020204" pitchFamily="34" charset="0"/>
               </a:rPr>
-              <a:t>On-demand access to the online self-help support portal to review case status and browse other resources like our knowledge base, news and alerts, featured tips, and more.</a:t>
+              <a:t>On-Demand-Zugriff auf das Online-Selbsthilfe-Support-Portal, um den Fallstatus zu überprüfen und andere Ressourcen zu durchsuchen, z. B. unsere Wissensdatenbank, Neuigkeiten und Hinweise, spezielle Tipps und mehr.</a:t>
             </a:r>
           </a:p>
         </p:txBody>
@@ -10412,12 +9140,12 @@
               </a:spcAft>
             </a:pPr>
             <a:r>
-              <a:rPr lang="en-US" sz="1400" b="1" dirty="0">
+              <a:rPr lang="de-DE" sz="1400" b="1">
                 <a:latin typeface="Adobe Clean" panose="020B0503020404020204" pitchFamily="34" charset="0"/>
                 <a:ea typeface="Open Sans" pitchFamily="34" charset="0"/>
                 <a:cs typeface="Open Sans" pitchFamily="34" charset="0"/>
               </a:rPr>
-              <a:t>Chat Support</a:t>
+              <a:t>Chat-Support</a:t>
             </a:r>
           </a:p>
         </p:txBody>
@@ -10460,12 +9188,12 @@
               </a:spcAft>
             </a:pPr>
             <a:r>
-              <a:rPr lang="en-US" sz="1400" b="1" dirty="0">
+              <a:rPr lang="de-DE" sz="1400" b="1">
                 <a:latin typeface="Adobe Clean" panose="020B0503020404020204" pitchFamily="34" charset="0"/>
                 <a:ea typeface="Open Sans" pitchFamily="34" charset="0"/>
                 <a:cs typeface="Open Sans" pitchFamily="34" charset="0"/>
               </a:rPr>
-              <a:t>Phone Support</a:t>
+              <a:t>Telefonischer Support</a:t>
             </a:r>
           </a:p>
         </p:txBody>
@@ -10498,116 +9226,42 @@
           <a:lstStyle/>
           <a:p>
             <a:r>
-              <a:rPr lang="en-US" sz="1100" dirty="0">
+              <a:rPr lang="de-DE" sz="1100">
                 <a:solidFill>
                   <a:srgbClr val="020302"/>
                 </a:solidFill>
                 <a:latin typeface="AdobeClean-Light"/>
               </a:rPr>
-              <a:t>Authorized Users (Admins) </a:t>
+              <a:t>Autorisierte Benutzer (Administratoren) </a:t>
             </a:r>
             <a:r>
-              <a:rPr lang="en-US" sz="1100" dirty="0">
+              <a:rPr lang="de-DE" sz="1100">
                 <a:latin typeface="Adobe Clean Light"/>
               </a:rPr>
-              <a:t>can call Adobe Support via phone </a:t>
+              <a:t>können den Adobe-Support telefonisch kontaktieren, </a:t>
             </a:r>
             <a:r>
-              <a:rPr lang="en-US" sz="1100" spc="-5" dirty="0">
+              <a:rPr lang="de-DE" sz="1100">
                 <a:solidFill>
                   <a:srgbClr val="020302"/>
                 </a:solidFill>
                 <a:latin typeface="AdobeClean-Light"/>
                 <a:cs typeface="AdobeClean-Light"/>
               </a:rPr>
-              <a:t>to </a:t>
-            </a:r>
-            <a:r>
-              <a:rPr lang="en-US" sz="1100" spc="-10" dirty="0">
-                <a:solidFill>
-                  <a:srgbClr val="020302"/>
-                </a:solidFill>
-                <a:latin typeface="AdobeClean-Light"/>
-                <a:cs typeface="AdobeClean-Light"/>
-              </a:rPr>
-              <a:t>get </a:t>
-            </a:r>
-            <a:r>
-              <a:rPr lang="en-US" sz="1100" spc="-20" dirty="0">
-                <a:solidFill>
-                  <a:srgbClr val="020302"/>
-                </a:solidFill>
-                <a:latin typeface="AdobeClean-Light"/>
-                <a:cs typeface="AdobeClean-Light"/>
-              </a:rPr>
-              <a:t>answers</a:t>
-            </a:r>
-            <a:r>
-              <a:rPr lang="en-US" sz="1100" spc="-45" dirty="0">
-                <a:solidFill>
-                  <a:srgbClr val="020302"/>
-                </a:solidFill>
-                <a:latin typeface="AdobeClean-Light"/>
-                <a:cs typeface="AdobeClean-Light"/>
-              </a:rPr>
-              <a:t> and</a:t>
-            </a:r>
-            <a:r>
-              <a:rPr lang="en-US" sz="1100" dirty="0">
-                <a:solidFill>
-                  <a:srgbClr val="020302"/>
-                </a:solidFill>
-                <a:latin typeface="AdobeClean-Light"/>
-                <a:cs typeface="AdobeClean-Light"/>
-              </a:rPr>
-              <a:t> </a:t>
-            </a:r>
-            <a:r>
-              <a:rPr lang="en-US" sz="1100" spc="-15" dirty="0">
-                <a:solidFill>
-                  <a:srgbClr val="020302"/>
-                </a:solidFill>
-                <a:latin typeface="AdobeClean-Light"/>
-                <a:cs typeface="AdobeClean-Light"/>
-              </a:rPr>
-              <a:t>help </a:t>
-            </a:r>
-            <a:r>
-              <a:rPr lang="en-US" sz="1100" spc="-10" dirty="0">
-                <a:solidFill>
-                  <a:srgbClr val="020302"/>
-                </a:solidFill>
-                <a:latin typeface="AdobeClean-Light"/>
-                <a:cs typeface="AdobeClean-Light"/>
-              </a:rPr>
-              <a:t>with case </a:t>
-            </a:r>
-            <a:r>
-              <a:rPr lang="en-US" sz="1100" spc="-20" dirty="0">
-                <a:solidFill>
-                  <a:srgbClr val="020302"/>
-                </a:solidFill>
-                <a:latin typeface="AdobeClean-Light"/>
-                <a:cs typeface="AdobeClean-Light"/>
-              </a:rPr>
-              <a:t>submission.</a:t>
+              <a:t>um Antworten und Hilfe bei der Einreichung von Fällen zu erhalten.</a:t>
             </a:r>
           </a:p>
           <a:p>
             <a:r>
-              <a:rPr lang="en-US" sz="1100" i="1" spc="-10" dirty="0">
+              <a:rPr lang="de-DE" sz="1100" i="1">
                 <a:solidFill>
                   <a:srgbClr val="7A7A7A"/>
                 </a:solidFill>
                 <a:latin typeface="Adobe Clean Light" panose="020B0303020404020204" pitchFamily="34" charset="0"/>
                 <a:cs typeface="AdobeClean-LightIt"/>
               </a:rPr>
-              <a:t>Subject to local hours</a:t>
+              <a:t>Je nach lokalen Öffnungszeiten</a:t>
             </a:r>
-            <a:endParaRPr lang="en-US" sz="1100" i="1" dirty="0">
-              <a:latin typeface="Adobe Clean Light" panose="020B0303020404020204" pitchFamily="34" charset="0"/>
-              <a:cs typeface="AdobeClean-Light"/>
-            </a:endParaRPr>
           </a:p>
         </p:txBody>
       </p:sp>
@@ -10649,12 +9303,12 @@
               </a:spcAft>
             </a:pPr>
             <a:r>
-              <a:rPr lang="en-US" sz="1400" b="1" dirty="0">
+              <a:rPr lang="de-DE" sz="1400" b="1">
                 <a:latin typeface="Adobe Clean" panose="020B0503020404020204" pitchFamily="34" charset="0"/>
                 <a:ea typeface="Open Sans" pitchFamily="34" charset="0"/>
                 <a:cs typeface="Open Sans" pitchFamily="34" charset="0"/>
               </a:rPr>
-              <a:t>Web Case Submission</a:t>
+              <a:t>Fallübermittlung über das Web</a:t>
             </a:r>
           </a:p>
         </p:txBody>
@@ -10674,7 +9328,7 @@
         <p:spPr>
           <a:xfrm>
             <a:off x="228600" y="7098563"/>
-            <a:ext cx="3237228" cy="600164"/>
+            <a:ext cx="3237228" cy="769441"/>
           </a:xfrm>
           <a:prstGeom prst="rect">
             <a:avLst/>
@@ -10687,26 +9341,20 @@
           <a:lstStyle/>
           <a:p>
             <a:r>
-              <a:rPr lang="en-US" sz="1100" dirty="0">
+              <a:rPr lang="de-DE" sz="1100" dirty="0">
                 <a:solidFill>
                   <a:srgbClr val="020302"/>
                 </a:solidFill>
                 <a:latin typeface="AdobeClean-Light"/>
               </a:rPr>
-              <a:t>Authorized Users (Admins) </a:t>
+              <a:t>Autorisierte Benutzer (Administratoren) </a:t>
             </a:r>
             <a:r>
-              <a:rPr lang="en-US" sz="1100" dirty="0">
+              <a:rPr lang="de-DE" sz="1100" dirty="0">
                 <a:latin typeface="Adobe Clean Light"/>
               </a:rPr>
-              <a:t>can submit unlimited web cases at any time for support issues for review by our technical support team.</a:t>
+              <a:t>können jederzeit eine unbegrenzte Anzahl von Web-Fällen zur Überprüfung durch unser technisches Support-Team einreichen.</a:t>
             </a:r>
-            <a:endParaRPr lang="en-US" sz="1100" dirty="0">
-              <a:solidFill>
-                <a:srgbClr val="000000"/>
-              </a:solidFill>
-              <a:latin typeface="Adobe Clean Light"/>
-            </a:endParaRPr>
           </a:p>
         </p:txBody>
       </p:sp>
@@ -10923,8 +9571,8 @@
         </p:nvSpPr>
         <p:spPr>
           <a:xfrm>
-            <a:off x="137890" y="9852238"/>
-            <a:ext cx="2270125" cy="132729"/>
+            <a:off x="137889" y="9852238"/>
+            <a:ext cx="2377440" cy="132729"/>
           </a:xfrm>
           <a:prstGeom prst="rect">
             <a:avLst/>
@@ -10945,24 +9593,8 @@
               </a:spcBef>
             </a:pPr>
             <a:r>
-              <a:rPr spc="-5" dirty="0"/>
-              <a:t>©202</a:t>
-            </a:r>
-            <a:r>
-              <a:rPr lang="en-US" spc="-5" dirty="0"/>
-              <a:t>2</a:t>
-            </a:r>
-            <a:r>
-              <a:rPr spc="-5" dirty="0"/>
-              <a:t> Adobe. All Rights Reserved. Adobe</a:t>
-            </a:r>
-            <a:r>
-              <a:rPr spc="60" dirty="0"/>
-              <a:t> </a:t>
-            </a:r>
-            <a:r>
-              <a:rPr spc="-5" dirty="0"/>
-              <a:t>Confidential.</a:t>
+              <a:rPr lang="de-DE"/>
+              <a:t>©2022 Adobe. All Rights Reserved. Adobe Confidential.</a:t>
             </a:r>
           </a:p>
         </p:txBody>
@@ -11019,49 +9651,15 @@
               </a:lnSpc>
             </a:pPr>
             <a:r>
-              <a:rPr sz="500" spc="-5" dirty="0">
+              <a:rPr lang="de-DE" sz="500">
                 <a:solidFill>
                   <a:srgbClr val="6C6C6C"/>
                 </a:solidFill>
                 <a:latin typeface="Adobe Clean"/>
                 <a:cs typeface="Adobe Clean"/>
               </a:rPr>
-              <a:t>©2020 Adobe. All Rights Reserved. </a:t>
+              <a:t>©2020 Adobe. All Rights Reserved. Adobe Confidential.</a:t>
             </a:r>
-            <a:r>
-              <a:rPr sz="500" dirty="0">
-                <a:solidFill>
-                  <a:srgbClr val="6C6C6C"/>
-                </a:solidFill>
-                <a:latin typeface="Adobe Clean"/>
-                <a:cs typeface="Adobe Clean"/>
-              </a:rPr>
-              <a:t>Adobe</a:t>
-            </a:r>
-            <a:r>
-              <a:rPr sz="500" spc="5" dirty="0">
-                <a:solidFill>
-                  <a:srgbClr val="6C6C6C"/>
-                </a:solidFill>
-                <a:latin typeface="Adobe Clean"/>
-                <a:cs typeface="Adobe Clean"/>
-              </a:rPr>
-              <a:t> </a:t>
-            </a:r>
-            <a:r>
-              <a:rPr sz="500" spc="-5" dirty="0">
-                <a:solidFill>
-                  <a:srgbClr val="6C6C6C"/>
-                </a:solidFill>
-                <a:latin typeface="Adobe Clean"/>
-                <a:cs typeface="Adobe Clean"/>
-              </a:rPr>
-              <a:t>Confidential.</a:t>
-            </a:r>
-            <a:endParaRPr sz="500" dirty="0">
-              <a:latin typeface="Adobe Clean"/>
-              <a:cs typeface="Adobe Clean"/>
-            </a:endParaRPr>
           </a:p>
           <a:p>
             <a:pPr>
@@ -11087,39 +9685,15 @@
               </a:spcBef>
             </a:pPr>
             <a:r>
-              <a:rPr sz="800" spc="-5" dirty="0">
+              <a:rPr lang="de-DE" sz="800">
                 <a:solidFill>
                   <a:srgbClr val="6D6D6D"/>
                 </a:solidFill>
                 <a:latin typeface="Adobe Clean"/>
                 <a:cs typeface="Adobe Clean"/>
               </a:rPr>
-              <a:t>©2020 Adobe. All Rights Reserved. Adobe</a:t>
+              <a:t>©2020 Adobe. All Rights Reserved. Adobe Confidential.</a:t>
             </a:r>
-            <a:r>
-              <a:rPr sz="800" spc="75" dirty="0">
-                <a:solidFill>
-                  <a:srgbClr val="6D6D6D"/>
-                </a:solidFill>
-                <a:latin typeface="Adobe Clean"/>
-                <a:cs typeface="Adobe Clean"/>
-              </a:rPr>
-              <a:t> </a:t>
-            </a:r>
-            <a:r>
-              <a:rPr sz="800" spc="-5" dirty="0">
-                <a:solidFill>
-                  <a:srgbClr val="6D6D6D"/>
-                </a:solidFill>
-                <a:latin typeface="Adobe Clean"/>
-                <a:cs typeface="Adobe Clean"/>
-              </a:rPr>
-              <a:t>Confidential.</a:t>
-            </a:r>
-            <a:endParaRPr sz="800" dirty="0">
-              <a:latin typeface="Adobe Clean"/>
-              <a:cs typeface="Adobe Clean"/>
-            </a:endParaRPr>
           </a:p>
         </p:txBody>
       </p:sp>
@@ -11203,19 +9777,15 @@
               </a:spcBef>
             </a:pPr>
             <a:r>
-              <a:rPr lang="en-US" sz="1400" b="1" spc="-15" dirty="0">
+              <a:rPr lang="de-DE" sz="1400" b="1">
                 <a:solidFill>
                   <a:srgbClr val="020302"/>
                 </a:solidFill>
                 <a:latin typeface="Adobe Clean"/>
                 <a:cs typeface="Adobe Clean"/>
               </a:rPr>
-              <a:t>Resources</a:t>
+              <a:t>Ressourcen</a:t>
             </a:r>
-            <a:endParaRPr sz="1400" dirty="0">
-              <a:latin typeface="Adobe Clean"/>
-              <a:cs typeface="Adobe Clean"/>
-            </a:endParaRPr>
           </a:p>
         </p:txBody>
       </p:sp>
@@ -11228,7 +9798,7 @@
         <p:spPr>
           <a:xfrm>
             <a:off x="6754821" y="9283729"/>
-            <a:ext cx="930275" cy="662305"/>
+            <a:ext cx="930275" cy="758541"/>
           </a:xfrm>
           <a:prstGeom prst="rect">
             <a:avLst/>
@@ -11249,7 +9819,7 @@
               </a:spcBef>
             </a:pPr>
             <a:r>
-              <a:rPr sz="800" spc="-15" dirty="0">
+              <a:rPr lang="de-DE" sz="800" dirty="0">
                 <a:solidFill>
                   <a:srgbClr val="777879"/>
                 </a:solidFill>
@@ -11258,10 +9828,6 @@
               </a:rPr>
               <a:t>Adobe</a:t>
             </a:r>
-            <a:endParaRPr sz="800" dirty="0">
-              <a:latin typeface="Adobe Clean"/>
-              <a:cs typeface="Adobe Clean"/>
-            </a:endParaRPr>
           </a:p>
           <a:p>
             <a:pPr marL="12700">
@@ -11270,39 +9836,15 @@
               </a:lnSpc>
             </a:pPr>
             <a:r>
-              <a:rPr sz="800" spc="-15" dirty="0">
+              <a:rPr lang="de-DE" sz="800" dirty="0">
                 <a:solidFill>
                   <a:srgbClr val="777879"/>
                 </a:solidFill>
                 <a:latin typeface="Adobe Clean"/>
                 <a:cs typeface="Adobe Clean"/>
               </a:rPr>
-              <a:t>345 Park</a:t>
+              <a:t>345 Park Avenue</a:t>
             </a:r>
-            <a:r>
-              <a:rPr sz="800" spc="-100" dirty="0">
-                <a:solidFill>
-                  <a:srgbClr val="777879"/>
-                </a:solidFill>
-                <a:latin typeface="Adobe Clean"/>
-                <a:cs typeface="Adobe Clean"/>
-              </a:rPr>
-              <a:t> </a:t>
-            </a:r>
-            <a:r>
-              <a:rPr sz="800" spc="-15" dirty="0">
-                <a:solidFill>
-                  <a:srgbClr val="777879"/>
-                </a:solidFill>
-                <a:latin typeface="Adobe Clean"/>
-                <a:cs typeface="Adobe Clean"/>
-              </a:rPr>
-              <a:t>Avenue</a:t>
-            </a:r>
-            <a:endParaRPr sz="800" dirty="0">
-              <a:latin typeface="Adobe Clean"/>
-              <a:cs typeface="Adobe Clean"/>
-            </a:endParaRPr>
           </a:p>
           <a:p>
             <a:pPr marL="12700">
@@ -11311,37 +9853,26 @@
               </a:lnSpc>
             </a:pPr>
             <a:r>
-              <a:rPr sz="800" spc="-10" dirty="0">
+              <a:rPr lang="de-DE" sz="800" dirty="0">
                 <a:solidFill>
                   <a:srgbClr val="777879"/>
                 </a:solidFill>
                 <a:latin typeface="Adobe Clean"/>
                 <a:cs typeface="Adobe Clean"/>
               </a:rPr>
-              <a:t>San </a:t>
+              <a:t>San Jose, </a:t>
             </a:r>
-            <a:r>
-              <a:rPr sz="800" spc="-15" dirty="0">
+            <a:br>
+              <a:rPr lang="de-DE" sz="800" dirty="0">
                 <a:solidFill>
                   <a:srgbClr val="777879"/>
                 </a:solidFill>
                 <a:latin typeface="Adobe Clean"/>
                 <a:cs typeface="Adobe Clean"/>
               </a:rPr>
-              <a:t>Jose,</a:t>
-            </a:r>
+            </a:br>
             <a:r>
-              <a:rPr sz="800" spc="-140" dirty="0">
-                <a:solidFill>
-                  <a:srgbClr val="777879"/>
-                </a:solidFill>
-                <a:latin typeface="Adobe Clean"/>
-                <a:cs typeface="Adobe Clean"/>
-              </a:rPr>
-              <a:t> </a:t>
-            </a:r>
-            <a:r>
-              <a:rPr sz="800" spc="-20" dirty="0">
+              <a:rPr lang="de-DE" sz="800" dirty="0">
                 <a:solidFill>
                   <a:srgbClr val="777879"/>
                 </a:solidFill>
@@ -11350,10 +9881,6 @@
               </a:rPr>
               <a:t>CA95110-2704</a:t>
             </a:r>
-            <a:endParaRPr sz="800" dirty="0">
-              <a:latin typeface="Adobe Clean"/>
-              <a:cs typeface="Adobe Clean"/>
-            </a:endParaRPr>
           </a:p>
           <a:p>
             <a:pPr marL="12700">
@@ -11365,7 +9892,7 @@
               </a:spcBef>
             </a:pPr>
             <a:r>
-              <a:rPr sz="800" spc="-10" dirty="0">
+              <a:rPr lang="de-DE" sz="800" dirty="0">
                 <a:solidFill>
                   <a:srgbClr val="777879"/>
                 </a:solidFill>
@@ -11374,10 +9901,6 @@
               </a:rPr>
               <a:t>USA</a:t>
             </a:r>
-            <a:endParaRPr sz="800" dirty="0">
-              <a:latin typeface="Adobe Clean"/>
-              <a:cs typeface="Adobe Clean"/>
-            </a:endParaRPr>
           </a:p>
           <a:p>
             <a:pPr marL="12700">
@@ -11389,7 +9912,7 @@
               </a:spcBef>
             </a:pPr>
             <a:r>
-              <a:rPr sz="800" u="sng" spc="-25" dirty="0">
+              <a:rPr lang="de-DE" sz="800" u="sng" dirty="0">
                 <a:solidFill>
                   <a:srgbClr val="5F5F5F"/>
                 </a:solidFill>
@@ -11404,10 +9927,6 @@
               </a:rPr>
               <a:t>www.adobe.com</a:t>
             </a:r>
-            <a:endParaRPr sz="800">
-              <a:latin typeface="Adobe Clean"/>
-              <a:cs typeface="Adobe Clean"/>
-            </a:endParaRPr>
           </a:p>
         </p:txBody>
       </p:sp>
@@ -11560,7 +10079,7 @@
         </p:nvSpPr>
         <p:spPr>
           <a:xfrm>
-            <a:off x="75947" y="9437110"/>
+            <a:off x="75947" y="9296400"/>
             <a:ext cx="5466715" cy="570865"/>
           </a:xfrm>
           <a:prstGeom prst="rect">
@@ -11582,439 +10101,15 @@
               </a:spcBef>
             </a:pPr>
             <a:r>
-              <a:rPr sz="1100" i="1" spc="-10" dirty="0">
+              <a:rPr lang="de-DE" sz="1100" i="1" dirty="0">
                 <a:solidFill>
                   <a:srgbClr val="777879"/>
                 </a:solidFill>
                 <a:latin typeface="AdobeClean-LightIt"/>
                 <a:cs typeface="AdobeClean-LightIt"/>
               </a:rPr>
-              <a:t>To</a:t>
+              <a:t>Weitere Informationen zum Support-Angebot von Adobe sowie zum für Ihre Bedürfnisse geeigneten Support-Level erhalten Sie bei Ihrem spezifischen Account-Manager (NAM) oder Ihrem Customer Success Manager (CSM).</a:t>
             </a:r>
-            <a:r>
-              <a:rPr sz="1100" i="1" spc="-50" dirty="0">
-                <a:solidFill>
-                  <a:srgbClr val="777879"/>
-                </a:solidFill>
-                <a:latin typeface="AdobeClean-LightIt"/>
-                <a:cs typeface="AdobeClean-LightIt"/>
-              </a:rPr>
-              <a:t> </a:t>
-            </a:r>
-            <a:r>
-              <a:rPr sz="1100" i="1" spc="-15" dirty="0">
-                <a:solidFill>
-                  <a:srgbClr val="777879"/>
-                </a:solidFill>
-                <a:latin typeface="AdobeClean-LightIt"/>
-                <a:cs typeface="AdobeClean-LightIt"/>
-              </a:rPr>
-              <a:t>learn</a:t>
-            </a:r>
-            <a:r>
-              <a:rPr sz="1100" i="1" spc="-40" dirty="0">
-                <a:solidFill>
-                  <a:srgbClr val="777879"/>
-                </a:solidFill>
-                <a:latin typeface="AdobeClean-LightIt"/>
-                <a:cs typeface="AdobeClean-LightIt"/>
-              </a:rPr>
-              <a:t> </a:t>
-            </a:r>
-            <a:r>
-              <a:rPr sz="1100" i="1" spc="-15" dirty="0">
-                <a:solidFill>
-                  <a:srgbClr val="777879"/>
-                </a:solidFill>
-                <a:latin typeface="AdobeClean-LightIt"/>
-                <a:cs typeface="AdobeClean-LightIt"/>
-              </a:rPr>
-              <a:t>more</a:t>
-            </a:r>
-            <a:r>
-              <a:rPr sz="1100" i="1" spc="-45" dirty="0">
-                <a:solidFill>
-                  <a:srgbClr val="777879"/>
-                </a:solidFill>
-                <a:latin typeface="AdobeClean-LightIt"/>
-                <a:cs typeface="AdobeClean-LightIt"/>
-              </a:rPr>
-              <a:t> </a:t>
-            </a:r>
-            <a:r>
-              <a:rPr sz="1100" i="1" spc="-15" dirty="0">
-                <a:solidFill>
-                  <a:srgbClr val="777879"/>
-                </a:solidFill>
-                <a:latin typeface="AdobeClean-LightIt"/>
-                <a:cs typeface="AdobeClean-LightIt"/>
-              </a:rPr>
-              <a:t>about</a:t>
-            </a:r>
-            <a:r>
-              <a:rPr sz="1100" i="1" spc="-45" dirty="0">
-                <a:solidFill>
-                  <a:srgbClr val="777879"/>
-                </a:solidFill>
-                <a:latin typeface="AdobeClean-LightIt"/>
-                <a:cs typeface="AdobeClean-LightIt"/>
-              </a:rPr>
-              <a:t> </a:t>
-            </a:r>
-            <a:r>
-              <a:rPr sz="1100" i="1" spc="-15" dirty="0">
-                <a:solidFill>
-                  <a:srgbClr val="777879"/>
-                </a:solidFill>
-                <a:latin typeface="AdobeClean-LightIt"/>
-                <a:cs typeface="AdobeClean-LightIt"/>
-              </a:rPr>
-              <a:t>Adobe</a:t>
-            </a:r>
-            <a:r>
-              <a:rPr sz="1100" i="1" spc="-60" dirty="0">
-                <a:solidFill>
-                  <a:srgbClr val="777879"/>
-                </a:solidFill>
-                <a:latin typeface="AdobeClean-LightIt"/>
-                <a:cs typeface="AdobeClean-LightIt"/>
-              </a:rPr>
-              <a:t> </a:t>
-            </a:r>
-            <a:r>
-              <a:rPr sz="1100" i="1" spc="-15" dirty="0">
-                <a:solidFill>
-                  <a:srgbClr val="777879"/>
-                </a:solidFill>
-                <a:latin typeface="AdobeClean-LightIt"/>
-                <a:cs typeface="AdobeClean-LightIt"/>
-              </a:rPr>
-              <a:t>Support</a:t>
-            </a:r>
-            <a:r>
-              <a:rPr lang="en-US" sz="1100" i="1" spc="-15" dirty="0">
-                <a:solidFill>
-                  <a:srgbClr val="777879"/>
-                </a:solidFill>
-                <a:latin typeface="AdobeClean-LightIt"/>
-                <a:cs typeface="AdobeClean-LightIt"/>
-              </a:rPr>
-              <a:t> Offerings</a:t>
-            </a:r>
-            <a:r>
-              <a:rPr sz="1100" i="1" spc="-75" dirty="0">
-                <a:solidFill>
-                  <a:srgbClr val="777879"/>
-                </a:solidFill>
-                <a:latin typeface="AdobeClean-LightIt"/>
-                <a:cs typeface="AdobeClean-LightIt"/>
-              </a:rPr>
-              <a:t> </a:t>
-            </a:r>
-            <a:r>
-              <a:rPr sz="1100" i="1" spc="-15" dirty="0">
-                <a:solidFill>
-                  <a:srgbClr val="777879"/>
-                </a:solidFill>
-                <a:latin typeface="AdobeClean-LightIt"/>
-                <a:cs typeface="AdobeClean-LightIt"/>
-              </a:rPr>
-              <a:t>and</a:t>
-            </a:r>
-            <a:r>
-              <a:rPr sz="1100" i="1" spc="-50" dirty="0">
-                <a:solidFill>
-                  <a:srgbClr val="777879"/>
-                </a:solidFill>
-                <a:latin typeface="AdobeClean-LightIt"/>
-                <a:cs typeface="AdobeClean-LightIt"/>
-              </a:rPr>
-              <a:t> </a:t>
-            </a:r>
-            <a:r>
-              <a:rPr sz="1100" i="1" spc="-15" dirty="0">
-                <a:solidFill>
-                  <a:srgbClr val="777879"/>
-                </a:solidFill>
-                <a:latin typeface="AdobeClean-LightIt"/>
-                <a:cs typeface="AdobeClean-LightIt"/>
-              </a:rPr>
-              <a:t>the</a:t>
-            </a:r>
-            <a:r>
-              <a:rPr sz="1100" i="1" spc="-55" dirty="0">
-                <a:solidFill>
-                  <a:srgbClr val="777879"/>
-                </a:solidFill>
-                <a:latin typeface="AdobeClean-LightIt"/>
-                <a:cs typeface="AdobeClean-LightIt"/>
-              </a:rPr>
-              <a:t> </a:t>
-            </a:r>
-            <a:r>
-              <a:rPr sz="1100" i="1" spc="-15" dirty="0">
-                <a:solidFill>
-                  <a:srgbClr val="777879"/>
-                </a:solidFill>
-                <a:latin typeface="AdobeClean-LightIt"/>
-                <a:cs typeface="AdobeClean-LightIt"/>
-              </a:rPr>
-              <a:t>right</a:t>
-            </a:r>
-            <a:r>
-              <a:rPr sz="1100" i="1" spc="-95" dirty="0">
-                <a:solidFill>
-                  <a:srgbClr val="777879"/>
-                </a:solidFill>
-                <a:latin typeface="AdobeClean-LightIt"/>
-                <a:cs typeface="AdobeClean-LightIt"/>
-              </a:rPr>
-              <a:t> </a:t>
-            </a:r>
-            <a:r>
-              <a:rPr sz="1100" i="1" spc="-15" dirty="0">
-                <a:solidFill>
-                  <a:srgbClr val="777879"/>
-                </a:solidFill>
-                <a:latin typeface="AdobeClean-LightIt"/>
-                <a:cs typeface="AdobeClean-LightIt"/>
-              </a:rPr>
-              <a:t>level</a:t>
-            </a:r>
-            <a:r>
-              <a:rPr sz="1100" i="1" spc="-55" dirty="0">
-                <a:solidFill>
-                  <a:srgbClr val="777879"/>
-                </a:solidFill>
-                <a:latin typeface="AdobeClean-LightIt"/>
-                <a:cs typeface="AdobeClean-LightIt"/>
-              </a:rPr>
-              <a:t> </a:t>
-            </a:r>
-            <a:r>
-              <a:rPr sz="1100" i="1" spc="-15" dirty="0">
-                <a:solidFill>
-                  <a:srgbClr val="777879"/>
-                </a:solidFill>
-                <a:latin typeface="AdobeClean-LightIt"/>
-                <a:cs typeface="AdobeClean-LightIt"/>
-              </a:rPr>
-              <a:t>for</a:t>
-            </a:r>
-            <a:r>
-              <a:rPr sz="1100" i="1" spc="-85" dirty="0">
-                <a:solidFill>
-                  <a:srgbClr val="777879"/>
-                </a:solidFill>
-                <a:latin typeface="AdobeClean-LightIt"/>
-                <a:cs typeface="AdobeClean-LightIt"/>
-              </a:rPr>
-              <a:t> </a:t>
-            </a:r>
-            <a:r>
-              <a:rPr sz="1100" i="1" spc="-15" dirty="0">
-                <a:solidFill>
-                  <a:srgbClr val="777879"/>
-                </a:solidFill>
-                <a:latin typeface="AdobeClean-LightIt"/>
-                <a:cs typeface="AdobeClean-LightIt"/>
-              </a:rPr>
-              <a:t>you,</a:t>
-            </a:r>
-            <a:r>
-              <a:rPr sz="1100" i="1" spc="-65" dirty="0">
-                <a:solidFill>
-                  <a:srgbClr val="777879"/>
-                </a:solidFill>
-                <a:latin typeface="AdobeClean-LightIt"/>
-                <a:cs typeface="AdobeClean-LightIt"/>
-              </a:rPr>
-              <a:t> </a:t>
-            </a:r>
-            <a:r>
-              <a:rPr sz="1100" i="1" spc="-15" dirty="0">
-                <a:solidFill>
-                  <a:srgbClr val="777879"/>
-                </a:solidFill>
-                <a:latin typeface="AdobeClean-LightIt"/>
-                <a:cs typeface="AdobeClean-LightIt"/>
-              </a:rPr>
-              <a:t>contact</a:t>
-            </a:r>
-            <a:r>
-              <a:rPr sz="1100" i="1" spc="-85" dirty="0">
-                <a:solidFill>
-                  <a:srgbClr val="777879"/>
-                </a:solidFill>
-                <a:latin typeface="AdobeClean-LightIt"/>
-                <a:cs typeface="AdobeClean-LightIt"/>
-              </a:rPr>
-              <a:t> </a:t>
-            </a:r>
-            <a:r>
-              <a:rPr sz="1100" i="1" spc="-15" dirty="0">
-                <a:solidFill>
-                  <a:srgbClr val="777879"/>
-                </a:solidFill>
-                <a:latin typeface="AdobeClean-LightIt"/>
-                <a:cs typeface="AdobeClean-LightIt"/>
-              </a:rPr>
-              <a:t>your</a:t>
-            </a:r>
-            <a:r>
-              <a:rPr sz="1100" i="1" spc="-70" dirty="0">
-                <a:solidFill>
-                  <a:srgbClr val="777879"/>
-                </a:solidFill>
-                <a:latin typeface="AdobeClean-LightIt"/>
-                <a:cs typeface="AdobeClean-LightIt"/>
-              </a:rPr>
-              <a:t> </a:t>
-            </a:r>
-            <a:r>
-              <a:rPr sz="1100" i="1" spc="-15" dirty="0">
-                <a:solidFill>
-                  <a:srgbClr val="777879"/>
-                </a:solidFill>
-                <a:latin typeface="AdobeClean-LightIt"/>
-                <a:cs typeface="AdobeClean-LightIt"/>
-              </a:rPr>
-              <a:t>Named</a:t>
-            </a:r>
-            <a:r>
-              <a:rPr sz="1100" i="1" spc="-55" dirty="0">
-                <a:solidFill>
-                  <a:srgbClr val="777879"/>
-                </a:solidFill>
-                <a:latin typeface="AdobeClean-LightIt"/>
-                <a:cs typeface="AdobeClean-LightIt"/>
-              </a:rPr>
-              <a:t> </a:t>
-            </a:r>
-            <a:r>
-              <a:rPr sz="1100" i="1" spc="-25" dirty="0">
-                <a:solidFill>
-                  <a:srgbClr val="777879"/>
-                </a:solidFill>
-                <a:latin typeface="AdobeClean-LightIt"/>
-                <a:cs typeface="AdobeClean-LightIt"/>
-              </a:rPr>
-              <a:t>Account</a:t>
-            </a:r>
-            <a:r>
-              <a:rPr sz="1100" i="1" spc="-120" dirty="0">
-                <a:solidFill>
-                  <a:srgbClr val="777879"/>
-                </a:solidFill>
-                <a:latin typeface="AdobeClean-LightIt"/>
-                <a:cs typeface="AdobeClean-LightIt"/>
-              </a:rPr>
-              <a:t> </a:t>
-            </a:r>
-            <a:r>
-              <a:rPr sz="1100" i="1" spc="-20" dirty="0">
-                <a:solidFill>
-                  <a:srgbClr val="777879"/>
-                </a:solidFill>
-                <a:latin typeface="AdobeClean-LightIt"/>
-                <a:cs typeface="AdobeClean-LightIt"/>
-              </a:rPr>
-              <a:t>Manager </a:t>
-            </a:r>
-            <a:r>
-              <a:rPr sz="1100" i="1" spc="-15" dirty="0">
-                <a:solidFill>
-                  <a:srgbClr val="777879"/>
-                </a:solidFill>
-                <a:latin typeface="AdobeClean-LightIt"/>
-                <a:cs typeface="AdobeClean-LightIt"/>
-              </a:rPr>
-              <a:t>(NAM) </a:t>
-            </a:r>
-            <a:r>
-              <a:rPr sz="1100" i="1" spc="-10" dirty="0">
-                <a:solidFill>
-                  <a:srgbClr val="777879"/>
-                </a:solidFill>
-                <a:latin typeface="AdobeClean-LightIt"/>
-                <a:cs typeface="AdobeClean-LightIt"/>
-              </a:rPr>
-              <a:t>or </a:t>
-            </a:r>
-            <a:r>
-              <a:rPr sz="1100" i="1" spc="-15" dirty="0">
-                <a:solidFill>
-                  <a:srgbClr val="777879"/>
-                </a:solidFill>
-                <a:latin typeface="AdobeClean-LightIt"/>
-                <a:cs typeface="AdobeClean-LightIt"/>
-              </a:rPr>
-              <a:t>Customer </a:t>
-            </a:r>
-            <a:r>
-              <a:rPr sz="1100" i="1" spc="-20" dirty="0">
-                <a:solidFill>
-                  <a:srgbClr val="777879"/>
-                </a:solidFill>
-                <a:latin typeface="AdobeClean-LightIt"/>
-                <a:cs typeface="AdobeClean-LightIt"/>
-              </a:rPr>
-              <a:t>Success</a:t>
-            </a:r>
-            <a:r>
-              <a:rPr sz="1100" i="1" spc="-180" dirty="0">
-                <a:solidFill>
-                  <a:srgbClr val="777879"/>
-                </a:solidFill>
-                <a:latin typeface="AdobeClean-LightIt"/>
-                <a:cs typeface="AdobeClean-LightIt"/>
-              </a:rPr>
-              <a:t> </a:t>
-            </a:r>
-            <a:r>
-              <a:rPr sz="1100" i="1" spc="-15" dirty="0">
-                <a:solidFill>
-                  <a:srgbClr val="777879"/>
-                </a:solidFill>
-                <a:latin typeface="AdobeClean-LightIt"/>
-                <a:cs typeface="AdobeClean-LightIt"/>
-              </a:rPr>
-              <a:t>Manager</a:t>
-            </a:r>
-            <a:r>
-              <a:rPr lang="en-US" sz="1100" i="1" spc="-15" dirty="0">
-                <a:solidFill>
-                  <a:srgbClr val="777879"/>
-                </a:solidFill>
-                <a:latin typeface="AdobeClean-LightIt"/>
-                <a:cs typeface="AdobeClean-LightIt"/>
-              </a:rPr>
-              <a:t> </a:t>
-            </a:r>
-            <a:r>
-              <a:rPr sz="1100" i="1" spc="-15" dirty="0">
-                <a:solidFill>
-                  <a:srgbClr val="777879"/>
-                </a:solidFill>
-                <a:latin typeface="AdobeClean-LightIt"/>
-                <a:cs typeface="AdobeClean-LightIt"/>
-              </a:rPr>
-              <a:t>(CSM)</a:t>
-            </a:r>
-            <a:r>
-              <a:rPr lang="en-US" sz="1100" i="1" spc="-15" dirty="0">
-                <a:solidFill>
-                  <a:srgbClr val="777879"/>
-                </a:solidFill>
-                <a:latin typeface="AdobeClean-LightIt"/>
-                <a:cs typeface="AdobeClean-LightIt"/>
-              </a:rPr>
-              <a:t>.</a:t>
-            </a:r>
-            <a:endParaRPr sz="1100" dirty="0">
-              <a:latin typeface="AdobeClean-LightIt"/>
-              <a:cs typeface="AdobeClean-LightIt"/>
-            </a:endParaRPr>
           </a:p>
           <a:p>
             <a:pPr marL="34290">
@@ -12026,59 +10121,15 @@
               </a:spcBef>
             </a:pPr>
             <a:r>
-              <a:rPr sz="800" spc="-5" dirty="0">
+              <a:rPr lang="de-DE" sz="800" dirty="0">
                 <a:solidFill>
                   <a:srgbClr val="6D6D6D"/>
                 </a:solidFill>
                 <a:latin typeface="Adobe Clean"/>
                 <a:cs typeface="Adobe Clean"/>
               </a:rPr>
-              <a:t>©202</a:t>
+              <a:t>©2022 Adobe. All Rights Reserved. Adobe Confidential.</a:t>
             </a:r>
-            <a:r>
-              <a:rPr lang="en-US" sz="800" spc="-5" dirty="0">
-                <a:solidFill>
-                  <a:srgbClr val="6D6D6D"/>
-                </a:solidFill>
-                <a:latin typeface="Adobe Clean"/>
-                <a:cs typeface="Adobe Clean"/>
-              </a:rPr>
-              <a:t>2 </a:t>
-            </a:r>
-            <a:r>
-              <a:rPr sz="800" spc="-5" dirty="0">
-                <a:solidFill>
-                  <a:srgbClr val="6D6D6D"/>
-                </a:solidFill>
-                <a:latin typeface="Adobe Clean"/>
-                <a:cs typeface="Adobe Clean"/>
-              </a:rPr>
-              <a:t>Adobe. All Rights Reserved. Adobe</a:t>
-            </a:r>
-            <a:r>
-              <a:rPr sz="800" spc="75" dirty="0">
-                <a:solidFill>
-                  <a:srgbClr val="6D6D6D"/>
-                </a:solidFill>
-                <a:latin typeface="Adobe Clean"/>
-                <a:cs typeface="Adobe Clean"/>
-              </a:rPr>
-              <a:t> </a:t>
-            </a:r>
-            <a:r>
-              <a:rPr sz="800" spc="-5" dirty="0">
-                <a:solidFill>
-                  <a:srgbClr val="6D6D6D"/>
-                </a:solidFill>
-                <a:latin typeface="Adobe Clean"/>
-                <a:cs typeface="Adobe Clean"/>
-              </a:rPr>
-              <a:t>Confidential.</a:t>
-            </a:r>
-            <a:endParaRPr sz="800" dirty="0">
-              <a:latin typeface="Adobe Clean"/>
-              <a:cs typeface="Adobe Clean"/>
-            </a:endParaRPr>
           </a:p>
         </p:txBody>
       </p:sp>
@@ -12115,14 +10166,14 @@
               </a:spcBef>
             </a:pPr>
             <a:r>
-              <a:rPr lang="en-US" sz="1400" b="1" spc="-15" dirty="0">
+              <a:rPr lang="de-DE" sz="1400" b="1" dirty="0">
                 <a:solidFill>
                   <a:srgbClr val="020302"/>
                 </a:solidFill>
                 <a:latin typeface="Adobe Clean"/>
                 <a:cs typeface="Adobe Clean"/>
               </a:rPr>
-              <a:t>Core Regional Hours Of Operation And Language Support</a:t>
+              <a:t>Regionale Betriebszeiten und Sprachunterstützung</a:t>
             </a:r>
           </a:p>
           <a:p>
@@ -12132,13 +10183,13 @@
               </a:spcBef>
             </a:pPr>
             <a:r>
-              <a:rPr lang="en-US" sz="1000" spc="-15" dirty="0">
+              <a:rPr lang="de-DE" sz="1000" dirty="0">
                 <a:solidFill>
                   <a:srgbClr val="1F1F1F"/>
                 </a:solidFill>
                 <a:latin typeface="AdobeClean-Light"/>
               </a:rPr>
-              <a:t>Adobe’s local business hours align to the customer’s billing region.</a:t>
+              <a:t>Die örtlichen Geschäftszeiten von Adobe richten sich nach der Region der Kundenabrechnung.</a:t>
             </a:r>
           </a:p>
         </p:txBody>
@@ -12211,16 +10262,16 @@
                     <a:p>
                       <a:pPr algn="ctr"/>
                       <a:r>
-                        <a:rPr lang="en-US" sz="1100" dirty="0">
+                        <a:rPr lang="de-DE" sz="1100">
                           <a:solidFill>
                             <a:schemeClr val="tx1"/>
                           </a:solidFill>
                           <a:latin typeface="Adobe Clean" panose="020B0503020404020204" pitchFamily="34" charset="0"/>
                         </a:rPr>
-                        <a:t>Americas </a:t>
+                        <a:t>Nord- und Südamerika </a:t>
                       </a:r>
                       <a:r>
-                        <a:rPr lang="en-US" sz="1100" baseline="30000" dirty="0">
+                        <a:rPr lang="de-DE" sz="1100" baseline="30000">
                           <a:solidFill>
                             <a:schemeClr val="tx1"/>
                           </a:solidFill>
@@ -12285,13 +10336,13 @@
                     <a:p>
                       <a:pPr algn="ctr"/>
                       <a:r>
-                        <a:rPr lang="en-US" sz="1100" dirty="0">
+                        <a:rPr lang="de-DE" sz="1100">
                           <a:solidFill>
                             <a:schemeClr val="tx1"/>
                           </a:solidFill>
                           <a:latin typeface="Adobe Clean" panose="020B0503020404020204" pitchFamily="34" charset="0"/>
                         </a:rPr>
-                        <a:t>Europe, Middle East &amp; Africa</a:t>
+                        <a:t>Europa, Naher Osten und Afrika</a:t>
                       </a:r>
                     </a:p>
                   </a:txBody>
@@ -12350,13 +10401,13 @@
                     <a:p>
                       <a:pPr algn="ctr"/>
                       <a:r>
-                        <a:rPr lang="en-US" sz="1100" dirty="0">
+                        <a:rPr lang="de-DE" sz="1100">
                           <a:solidFill>
                             <a:schemeClr val="tx1"/>
                           </a:solidFill>
                           <a:latin typeface="Adobe Clean" panose="020B0503020404020204" pitchFamily="34" charset="0"/>
                         </a:rPr>
-                        <a:t>Asia Pacific</a:t>
+                        <a:t>Asien-Pazifik</a:t>
                       </a:r>
                     </a:p>
                   </a:txBody>
@@ -12415,7 +10466,7 @@
                     <a:p>
                       <a:pPr algn="ctr"/>
                       <a:r>
-                        <a:rPr lang="en-US" sz="1100" dirty="0">
+                        <a:rPr lang="de-DE" sz="1100">
                           <a:solidFill>
                             <a:schemeClr val="tx1"/>
                           </a:solidFill>
@@ -12487,7 +10538,7 @@
                     <a:p>
                       <a:pPr algn="ctr"/>
                       <a:r>
-                        <a:rPr lang="en-US" sz="1100" dirty="0">
+                        <a:rPr lang="de-DE" sz="1100">
                           <a:solidFill>
                             <a:schemeClr val="tx1"/>
                           </a:solidFill>
@@ -12552,13 +10603,13 @@
                     <a:p>
                       <a:pPr algn="ctr"/>
                       <a:r>
-                        <a:rPr lang="en-US" sz="1100" dirty="0">
+                        <a:rPr lang="de-DE" sz="1100">
                           <a:solidFill>
                             <a:schemeClr val="tx1"/>
                           </a:solidFill>
                           <a:latin typeface="Adobe Clean" panose="020B0503020404020204" pitchFamily="34" charset="0"/>
                         </a:rPr>
-                        <a:t>9 am – 5 pm</a:t>
+                        <a:t>9:00–17:00 Uhr</a:t>
                       </a:r>
                     </a:p>
                   </a:txBody>
@@ -12617,13 +10668,13 @@
                     <a:p>
                       <a:pPr algn="ctr"/>
                       <a:r>
-                        <a:rPr lang="en-US" sz="1100" dirty="0">
+                        <a:rPr lang="de-DE" sz="1100">
                           <a:solidFill>
                             <a:schemeClr val="tx1"/>
                           </a:solidFill>
                           <a:latin typeface="Adobe Clean" panose="020B0503020404020204" pitchFamily="34" charset="0"/>
                         </a:rPr>
-                        <a:t>9 am – 5 pm</a:t>
+                        <a:t>9:00–17:00 Uhr</a:t>
                       </a:r>
                     </a:p>
                   </a:txBody>
@@ -12682,13 +10733,13 @@
                     <a:p>
                       <a:pPr algn="ctr"/>
                       <a:r>
-                        <a:rPr lang="en-US" sz="1100" dirty="0">
+                        <a:rPr lang="de-DE" sz="1100">
                           <a:solidFill>
                             <a:schemeClr val="tx1"/>
                           </a:solidFill>
                           <a:latin typeface="Adobe Clean" panose="020B0503020404020204" pitchFamily="34" charset="0"/>
                         </a:rPr>
-                        <a:t>9 am – 5:30 pm</a:t>
+                        <a:t>9:00–17:30 Uhr</a:t>
                       </a:r>
                     </a:p>
                   </a:txBody>
@@ -12752,7 +10803,7 @@
                     <a:bodyPr/>
                     <a:lstStyle/>
                     <a:p>
-                      <a:pPr marL="0" marR="0" lvl="0" indent="0" algn="ctr" defTabSz="914400" eaLnBrk="1" fontAlgn="auto" latinLnBrk="0" hangingPunct="1">
+                      <a:pPr marL="0" marR="0" lvl="0" indent="0" algn="l" defTabSz="914400" rtl="0" eaLnBrk="1" fontAlgn="auto" latinLnBrk="0" hangingPunct="1">
                         <a:lnSpc>
                           <a:spcPct val="100000"/>
                         </a:lnSpc>
@@ -12795,7 +10846,7 @@
                         <a:defRPr/>
                       </a:pPr>
                       <a:r>
-                        <a:rPr lang="en-US" sz="1100" baseline="30000" dirty="0">
+                        <a:rPr lang="de-DE" sz="1100" baseline="30000">
                           <a:solidFill>
                             <a:schemeClr val="tx1"/>
                           </a:solidFill>
@@ -12804,31 +10855,17 @@
                         <a:t>1</a:t>
                       </a:r>
                       <a:r>
-                        <a:rPr lang="en-US" sz="1100" dirty="0">
+                        <a:rPr lang="de-DE" sz="1100">
                           <a:solidFill>
                             <a:schemeClr val="tx1"/>
                           </a:solidFill>
                           <a:latin typeface="Adobe Clean" panose="020B0503020404020204" pitchFamily="34" charset="0"/>
                         </a:rPr>
-                        <a:t>Americas Language support available in English only.</a:t>
+                        <a:t>Für Nord- und Südamerika ist der Support nur auf Englisch verfügbar.</a:t>
                       </a:r>
-                      <a:endParaRPr kumimoji="0" lang="en-US" sz="1100" b="1" i="0" u="none" strike="noStrike" kern="0" cap="none" spc="0" normalizeH="0" baseline="30000" noProof="0" dirty="0">
-                        <a:ln>
-                          <a:noFill/>
-                        </a:ln>
-                        <a:solidFill>
-                          <a:prstClr val="black"/>
-                        </a:solidFill>
-                        <a:effectLst/>
-                        <a:uLnTx/>
-                        <a:uFillTx/>
-                        <a:latin typeface="Adobe Clean" panose="020B0503020404020204" pitchFamily="34" charset="0"/>
-                        <a:ea typeface="+mn-ea"/>
-                        <a:cs typeface="+mn-cs"/>
-                      </a:endParaRPr>
-                    </a:p>
-                    <a:p>
-                      <a:pPr algn="ctr"/>
+                    </a:p>
+                    <a:p>
+                      <a:pPr algn="l" rtl="0"/>
                       <a:endParaRPr lang="en-US" sz="1100" b="1" i="0" dirty="0">
                         <a:solidFill>
                           <a:schemeClr val="tx1"/>
@@ -13176,8 +11213,8 @@
         </p:nvSpPr>
         <p:spPr>
           <a:xfrm>
-            <a:off x="2840871" y="8528519"/>
-            <a:ext cx="810895" cy="385445"/>
+            <a:off x="2590800" y="8528519"/>
+            <a:ext cx="1295399" cy="382797"/>
           </a:xfrm>
           <a:prstGeom prst="rect">
             <a:avLst/>
@@ -13189,7 +11226,7 @@
           </a:bodyPr>
           <a:lstStyle/>
           <a:p>
-            <a:pPr marL="139065" marR="5080" indent="-139065">
+            <a:pPr marL="138113" marR="5080" indent="-23813" algn="ctr">
               <a:lnSpc>
                 <a:spcPts val="1390"/>
               </a:lnSpc>
@@ -13198,129 +11235,15 @@
               </a:spcBef>
             </a:pPr>
             <a:r>
-              <a:rPr sz="1200" b="1" spc="-15" dirty="0">
+              <a:rPr lang="de-DE" sz="1200" b="1" dirty="0">
                 <a:solidFill>
                   <a:srgbClr val="FFFFFF"/>
                 </a:solidFill>
                 <a:latin typeface="Adobe Clean"/>
                 <a:cs typeface="Adobe Clean"/>
               </a:rPr>
-              <a:t>U</a:t>
+              <a:t>Unübertroffenes Know-how</a:t>
             </a:r>
-            <a:r>
-              <a:rPr sz="1200" b="1" spc="-20" dirty="0">
-                <a:solidFill>
-                  <a:srgbClr val="FFFFFF"/>
-                </a:solidFill>
-                <a:latin typeface="Adobe Clean"/>
-                <a:cs typeface="Adobe Clean"/>
-              </a:rPr>
-              <a:t>n</a:t>
-            </a:r>
-            <a:r>
-              <a:rPr sz="1200" b="1" spc="-25" dirty="0">
-                <a:solidFill>
-                  <a:srgbClr val="FFFFFF"/>
-                </a:solidFill>
-                <a:latin typeface="Adobe Clean"/>
-                <a:cs typeface="Adobe Clean"/>
-              </a:rPr>
-              <a:t>p</a:t>
-            </a:r>
-            <a:r>
-              <a:rPr sz="1200" b="1" spc="-15" dirty="0">
-                <a:solidFill>
-                  <a:srgbClr val="FFFFFF"/>
-                </a:solidFill>
-                <a:latin typeface="Adobe Clean"/>
-                <a:cs typeface="Adobe Clean"/>
-              </a:rPr>
-              <a:t>a</a:t>
-            </a:r>
-            <a:r>
-              <a:rPr sz="1200" b="1" spc="-25" dirty="0">
-                <a:solidFill>
-                  <a:srgbClr val="FFFFFF"/>
-                </a:solidFill>
-                <a:latin typeface="Adobe Clean"/>
-                <a:cs typeface="Adobe Clean"/>
-              </a:rPr>
-              <a:t>r</a:t>
-            </a:r>
-            <a:r>
-              <a:rPr sz="1200" b="1" spc="-15" dirty="0">
-                <a:solidFill>
-                  <a:srgbClr val="FFFFFF"/>
-                </a:solidFill>
-                <a:latin typeface="Adobe Clean"/>
-                <a:cs typeface="Adobe Clean"/>
-              </a:rPr>
-              <a:t>a</a:t>
-            </a:r>
-            <a:r>
-              <a:rPr sz="1200" b="1" spc="-30" dirty="0">
-                <a:solidFill>
-                  <a:srgbClr val="FFFFFF"/>
-                </a:solidFill>
-                <a:latin typeface="Adobe Clean"/>
-                <a:cs typeface="Adobe Clean"/>
-              </a:rPr>
-              <a:t>ll</a:t>
-            </a:r>
-            <a:r>
-              <a:rPr sz="1200" b="1" spc="-25" dirty="0">
-                <a:solidFill>
-                  <a:srgbClr val="FFFFFF"/>
-                </a:solidFill>
-                <a:latin typeface="Adobe Clean"/>
-                <a:cs typeface="Adobe Clean"/>
-              </a:rPr>
-              <a:t>e</a:t>
-            </a:r>
-            <a:r>
-              <a:rPr sz="1200" b="1" spc="-30" dirty="0">
-                <a:solidFill>
-                  <a:srgbClr val="FFFFFF"/>
-                </a:solidFill>
-                <a:latin typeface="Adobe Clean"/>
-                <a:cs typeface="Adobe Clean"/>
-              </a:rPr>
-              <a:t>l</a:t>
-            </a:r>
-            <a:r>
-              <a:rPr sz="1200" b="1" spc="-25" dirty="0">
-                <a:solidFill>
-                  <a:srgbClr val="FFFFFF"/>
-                </a:solidFill>
-                <a:latin typeface="Adobe Clean"/>
-                <a:cs typeface="Adobe Clean"/>
-              </a:rPr>
-              <a:t>e</a:t>
-            </a:r>
-            <a:r>
-              <a:rPr sz="1200" b="1" dirty="0">
-                <a:solidFill>
-                  <a:srgbClr val="FFFFFF"/>
-                </a:solidFill>
-                <a:latin typeface="Adobe Clean"/>
-                <a:cs typeface="Adobe Clean"/>
-              </a:rPr>
-              <a:t>d  </a:t>
-            </a:r>
-            <a:r>
-              <a:rPr sz="1200" b="1" spc="-25" dirty="0">
-                <a:solidFill>
-                  <a:srgbClr val="FFFFFF"/>
-                </a:solidFill>
-                <a:latin typeface="Adobe Clean"/>
-                <a:cs typeface="Adobe Clean"/>
-              </a:rPr>
-              <a:t>Expertise</a:t>
-            </a:r>
-            <a:endParaRPr sz="1200" dirty="0">
-              <a:latin typeface="Adobe Clean"/>
-              <a:cs typeface="Adobe Clean"/>
-            </a:endParaRPr>
           </a:p>
         </p:txBody>
       </p:sp>
@@ -13338,8 +11261,8 @@
         </p:nvSpPr>
         <p:spPr>
           <a:xfrm>
-            <a:off x="4732495" y="8541244"/>
-            <a:ext cx="810895" cy="382797"/>
+            <a:off x="4495800" y="8541244"/>
+            <a:ext cx="1219199" cy="203261"/>
           </a:xfrm>
           <a:prstGeom prst="rect">
             <a:avLst/>
@@ -13351,7 +11274,7 @@
           </a:bodyPr>
           <a:lstStyle/>
           <a:p>
-            <a:pPr marL="139065" marR="5080" indent="-139065">
+            <a:pPr marR="5080" algn="ctr">
               <a:lnSpc>
                 <a:spcPts val="1390"/>
               </a:lnSpc>
@@ -13360,19 +11283,15 @@
               </a:spcBef>
             </a:pPr>
             <a:r>
-              <a:rPr lang="en-US" sz="1200" b="1" spc="-15" dirty="0">
+              <a:rPr lang="de-DE" sz="1200" b="1" dirty="0">
                 <a:solidFill>
                   <a:srgbClr val="FFFFFF"/>
                 </a:solidFill>
                 <a:latin typeface="Adobe Clean"/>
                 <a:cs typeface="Adobe Clean"/>
               </a:rPr>
-              <a:t>Accelerated Support</a:t>
+              <a:t>Schneller Support</a:t>
             </a:r>
-            <a:endParaRPr sz="1200" dirty="0">
-              <a:latin typeface="Adobe Clean"/>
-              <a:cs typeface="Adobe Clean"/>
-            </a:endParaRPr>
           </a:p>
         </p:txBody>
       </p:sp>
@@ -13390,8 +11309,8 @@
         </p:nvSpPr>
         <p:spPr>
           <a:xfrm>
-            <a:off x="6624119" y="8543943"/>
-            <a:ext cx="510540" cy="385445"/>
+            <a:off x="6389686" y="8543943"/>
+            <a:ext cx="925514" cy="382797"/>
           </a:xfrm>
           <a:prstGeom prst="rect">
             <a:avLst/>
@@ -13403,7 +11322,7 @@
           </a:bodyPr>
           <a:lstStyle/>
           <a:p>
-            <a:pPr marL="50800" marR="5080" indent="-51435">
+            <a:pPr marR="5080" algn="ctr">
               <a:lnSpc>
                 <a:spcPts val="1390"/>
               </a:lnSpc>
@@ -13412,109 +11331,15 @@
               </a:spcBef>
             </a:pPr>
             <a:r>
-              <a:rPr sz="1200" b="1" spc="-50" dirty="0">
+              <a:rPr lang="de-DE" sz="1200" b="1" dirty="0">
                 <a:solidFill>
                   <a:srgbClr val="FFFFFF"/>
                 </a:solidFill>
                 <a:latin typeface="Adobe Clean"/>
                 <a:cs typeface="Adobe Clean"/>
               </a:rPr>
-              <a:t>S</a:t>
+              <a:t>Strategische Beratung</a:t>
             </a:r>
-            <a:r>
-              <a:rPr sz="1200" b="1" spc="-20" dirty="0">
-                <a:solidFill>
-                  <a:srgbClr val="FFFFFF"/>
-                </a:solidFill>
-                <a:latin typeface="Adobe Clean"/>
-                <a:cs typeface="Adobe Clean"/>
-              </a:rPr>
-              <a:t>t</a:t>
-            </a:r>
-            <a:r>
-              <a:rPr sz="1200" b="1" spc="-75" dirty="0">
-                <a:solidFill>
-                  <a:srgbClr val="FFFFFF"/>
-                </a:solidFill>
-                <a:latin typeface="Adobe Clean"/>
-                <a:cs typeface="Adobe Clean"/>
-              </a:rPr>
-              <a:t>r</a:t>
-            </a:r>
-            <a:r>
-              <a:rPr sz="1200" b="1" spc="-90" dirty="0">
-                <a:solidFill>
-                  <a:srgbClr val="FFFFFF"/>
-                </a:solidFill>
-                <a:latin typeface="Adobe Clean"/>
-                <a:cs typeface="Adobe Clean"/>
-              </a:rPr>
-              <a:t>a</a:t>
-            </a:r>
-            <a:r>
-              <a:rPr sz="1200" b="1" spc="-55" dirty="0">
-                <a:solidFill>
-                  <a:srgbClr val="FFFFFF"/>
-                </a:solidFill>
-                <a:latin typeface="Adobe Clean"/>
-                <a:cs typeface="Adobe Clean"/>
-              </a:rPr>
-              <a:t>t</a:t>
-            </a:r>
-            <a:r>
-              <a:rPr sz="1200" b="1" spc="-100" dirty="0">
-                <a:solidFill>
-                  <a:srgbClr val="FFFFFF"/>
-                </a:solidFill>
-                <a:latin typeface="Adobe Clean"/>
-                <a:cs typeface="Adobe Clean"/>
-              </a:rPr>
-              <a:t>e</a:t>
-            </a:r>
-            <a:r>
-              <a:rPr sz="1200" b="1" spc="-80" dirty="0">
-                <a:solidFill>
-                  <a:srgbClr val="FFFFFF"/>
-                </a:solidFill>
-                <a:latin typeface="Adobe Clean"/>
-                <a:cs typeface="Adobe Clean"/>
-              </a:rPr>
-              <a:t>g</a:t>
-            </a:r>
-            <a:r>
-              <a:rPr sz="1200" b="1" spc="-35" dirty="0">
-                <a:solidFill>
-                  <a:srgbClr val="FFFFFF"/>
-                </a:solidFill>
-                <a:latin typeface="Adobe Clean"/>
-                <a:cs typeface="Adobe Clean"/>
-              </a:rPr>
-              <a:t>i</a:t>
-            </a:r>
-            <a:r>
-              <a:rPr sz="1200" b="1" dirty="0">
-                <a:solidFill>
-                  <a:srgbClr val="FFFFFF"/>
-                </a:solidFill>
-                <a:latin typeface="Adobe Clean"/>
-                <a:cs typeface="Adobe Clean"/>
-              </a:rPr>
-              <a:t>c  </a:t>
-            </a:r>
-            <a:r>
-              <a:rPr sz="1200" b="1" spc="-45" dirty="0">
-                <a:solidFill>
-                  <a:srgbClr val="FFFFFF"/>
-                </a:solidFill>
-                <a:latin typeface="Adobe Clean"/>
-                <a:cs typeface="Adobe Clean"/>
-              </a:rPr>
-              <a:t>Advice</a:t>
-            </a:r>
-            <a:endParaRPr sz="1200" dirty="0">
-              <a:latin typeface="Adobe Clean"/>
-              <a:cs typeface="Adobe Clean"/>
-            </a:endParaRPr>
           </a:p>
         </p:txBody>
       </p:sp>
@@ -13650,14 +11475,14 @@
           <p:nvPr>
             <p:extLst>
               <p:ext uri="{D42A27DB-BD31-4B8C-83A1-F6EECF244321}">
-                <p14:modId xmlns:p14="http://schemas.microsoft.com/office/powerpoint/2010/main" val="2132680960"/>
+                <p14:modId xmlns:p14="http://schemas.microsoft.com/office/powerpoint/2010/main" val="2222220186"/>
               </p:ext>
             </p:extLst>
           </p:nvPr>
         </p:nvGraphicFramePr>
         <p:xfrm>
           <a:off x="202054" y="1222225"/>
-          <a:ext cx="7368291" cy="2473960"/>
+          <a:ext cx="7368291" cy="2651760"/>
         </p:xfrm>
         <a:graphic>
           <a:graphicData uri="http://schemas.openxmlformats.org/drawingml/2006/table">
@@ -13666,14 +11491,14 @@
                 <a:tableStyleId>{5C22544A-7EE6-4342-B048-85BDC9FD1C3A}</a:tableStyleId>
               </a:tblPr>
               <a:tblGrid>
-                <a:gridCol w="3691964">
+                <a:gridCol w="3607946">
                   <a:extLst>
                     <a:ext uri="{9D8B030D-6E8A-4147-A177-3AD203B41FA5}">
                       <a16:colId xmlns:a16="http://schemas.microsoft.com/office/drawing/2014/main" val="2170848118"/>
                     </a:ext>
                   </a:extLst>
                 </a:gridCol>
-                <a:gridCol w="3676327">
+                <a:gridCol w="3760345">
                   <a:extLst>
                     <a:ext uri="{9D8B030D-6E8A-4147-A177-3AD203B41FA5}">
                       <a16:colId xmlns:a16="http://schemas.microsoft.com/office/drawing/2014/main" val="3885359254"/>
@@ -13691,7 +11516,7 @@
                         <a:tabLst/>
                       </a:pPr>
                       <a:r>
-                        <a:rPr lang="en-US" sz="1200" b="0" strike="noStrike" dirty="0">
+                        <a:rPr lang="de-DE" sz="1200" b="0" strike="noStrike">
                           <a:solidFill>
                             <a:srgbClr val="5F5F5F"/>
                           </a:solidFill>
@@ -13708,14 +11533,6 @@
                         </a:rPr>
                         <a:t>Experience League</a:t>
                       </a:r>
-                      <a:endParaRPr lang="en-US" sz="1200" b="0" strike="noStrike" dirty="0">
-                        <a:solidFill>
-                          <a:srgbClr val="5F5F5F"/>
-                        </a:solidFill>
-                        <a:latin typeface="Adobe Clean" panose="020B0503020404020204" pitchFamily="34" charset="0"/>
-                        <a:ea typeface="+mn-ea"/>
-                        <a:cs typeface="+mn-cs"/>
-                      </a:endParaRPr>
                     </a:p>
                   </a:txBody>
                   <a:tcPr marL="47625" marR="47625" marT="0" marB="0" anchor="ctr">
@@ -13789,7 +11606,7 @@
                         <a:defRPr/>
                       </a:pPr>
                       <a:r>
-                        <a:rPr lang="en-US" sz="1000" b="0" strike="noStrike" kern="1200" dirty="0">
+                        <a:rPr lang="de-DE" sz="1000" b="0" strike="noStrike">
                           <a:solidFill>
                             <a:schemeClr val="tx1"/>
                           </a:solidFill>
@@ -13797,7 +11614,7 @@
                           <a:ea typeface="+mn-ea"/>
                           <a:cs typeface="+mn-cs"/>
                         </a:rPr>
-                        <a:t>Experience League is a place where Adobe customers can find self-help tutorials, product documentation, instructor-led training, community and support for select Adobe Creative Cloud and Document products.</a:t>
+                        <a:t>Experience League ist ein Ort, an dem Adobe-Kunden Selbsthilfe-Tutorials, Produktdokumentation, von Kursleitern geführte Schulungen sowie eine Community und Support für ausgewählte Adobe Creative Cloud- und Document-Produkte finden.</a:t>
                       </a:r>
                     </a:p>
                   </a:txBody>
@@ -13879,11 +11696,10 @@
                         <a:defRPr/>
                       </a:pPr>
                       <a:r>
-                        <a:rPr lang="en-US" sz="1200" strike="noStrike" dirty="0">
+                        <a:rPr lang="de-DE" sz="1200" strike="noStrike">
                           <a:solidFill>
                             <a:srgbClr val="5F5F5F"/>
                           </a:solidFill>
-                          <a:effectLst/>
                           <a:latin typeface="Adobe Clean" panose="020B0503020404020204" pitchFamily="34" charset="0"/>
                           <a:ea typeface="+mn-ea"/>
                           <a:cs typeface="+mn-cs"/>
@@ -13897,15 +11713,6 @@
                         </a:rPr>
                         <a:t>Adobe Support Community </a:t>
                       </a:r>
-                      <a:endParaRPr lang="en-US" sz="1200" strike="noStrike" dirty="0">
-                        <a:solidFill>
-                          <a:srgbClr val="5F5F5F"/>
-                        </a:solidFill>
-                        <a:effectLst/>
-                        <a:latin typeface="Adobe Clean" panose="020B0503020404020204" pitchFamily="34" charset="0"/>
-                        <a:ea typeface="+mn-ea"/>
-                        <a:cs typeface="+mn-cs"/>
-                      </a:endParaRPr>
                     </a:p>
                   </a:txBody>
                   <a:tcPr anchor="ctr">
@@ -13979,7 +11786,7 @@
                         <a:defRPr/>
                       </a:pPr>
                       <a:r>
-                        <a:rPr lang="en-US" sz="1000" strike="noStrike" kern="1200" dirty="0">
+                        <a:rPr lang="de-DE" sz="1000" strike="noStrike">
                           <a:solidFill>
                             <a:schemeClr val="tx1"/>
                           </a:solidFill>
@@ -13987,19 +11794,8 @@
                           <a:ea typeface="+mn-ea"/>
                           <a:cs typeface="+mn-cs"/>
                         </a:rPr>
-                        <a:t>The Adobe Support Community is the place to ask questions, find answers, learn from experts and share your knowledge.</a:t>
+                        <a:t>In der Adobe Support Community können Sie Fragen stellen, Antworten finden, von Experten lernen und Erfahrungen austauschen.</a:t>
                       </a:r>
-                      <a:endParaRPr lang="en-US" sz="1000" strike="noStrike" kern="1200" dirty="0">
-                        <a:solidFill>
-                          <a:schemeClr val="tx1"/>
-                        </a:solidFill>
-                        <a:highlight>
-                          <a:srgbClr val="FFFF00"/>
-                        </a:highlight>
-                        <a:latin typeface="Adobe Clean Light" panose="020B0303020404020204" pitchFamily="34" charset="0"/>
-                        <a:ea typeface="+mn-ea"/>
-                        <a:cs typeface="+mn-cs"/>
-                      </a:endParaRPr>
                     </a:p>
                   </a:txBody>
                   <a:tcPr anchor="ctr">
@@ -14080,11 +11876,10 @@
                         <a:defRPr/>
                       </a:pPr>
                       <a:r>
-                        <a:rPr lang="en-US" sz="1200" dirty="0">
+                        <a:rPr lang="de-DE" sz="1200">
                           <a:solidFill>
                             <a:srgbClr val="5F5F5F"/>
                           </a:solidFill>
-                          <a:effectLst/>
                           <a:latin typeface="Adobe Clean" panose="020B0503020404020204" pitchFamily="34" charset="0"/>
                           <a:ea typeface="+mn-ea"/>
                           <a:cs typeface="+mn-cs"/>
@@ -14096,17 +11891,8 @@
                             </a:extLst>
                           </a:hlinkClick>
                         </a:rPr>
-                        <a:t>Production Issues &amp; System Outages</a:t>
+                        <a:t>Produktionsprobleme und Systemausfälle</a:t>
                       </a:r>
-                      <a:endParaRPr lang="en-US" sz="1200" dirty="0">
-                        <a:solidFill>
-                          <a:srgbClr val="5F5F5F"/>
-                        </a:solidFill>
-                        <a:effectLst/>
-                        <a:latin typeface="Adobe Clean" panose="020B0503020404020204" pitchFamily="34" charset="0"/>
-                        <a:ea typeface="+mn-ea"/>
-                        <a:cs typeface="+mn-cs"/>
-                      </a:endParaRPr>
                     </a:p>
                   </a:txBody>
                   <a:tcPr anchor="ctr">
@@ -14180,7 +11966,7 @@
                         <a:defRPr/>
                       </a:pPr>
                       <a:r>
-                        <a:rPr lang="en-US" sz="1000" kern="1200" dirty="0">
+                        <a:rPr lang="de-DE" sz="1000">
                           <a:solidFill>
                             <a:schemeClr val="tx1"/>
                           </a:solidFill>
@@ -14188,7 +11974,7 @@
                           <a:ea typeface="+mn-ea"/>
                           <a:cs typeface="+mn-cs"/>
                         </a:rPr>
-                        <a:t>Status.adobe.com conveys the health information of all Adobe products and services that are deployed in multi-tenant environments. Customers can choose their subscription preferences to get email notifications whenever Adobe creates, updates or resolves a product event. This can include scheduled maintenance or service issues of varying levels of severity. </a:t>
+                        <a:t>Status.adobe.com übermittelt die Statusinformationen sämtlicher Adobe-Produkte und -Services, die in Umgebungen mit mehreren Mandanten implementiert sind. Kunden können Voreinstellungen für ihr Abonnement auswählen und E-Mail-Benachrichtigungen erhalten, wenn Adobe ein Produktereignis erstellt, aktualisiert oder löst. Dies kann geplante Wartungen oder Service-Probleme unterschiedlichen Schweregrads umfassen. </a:t>
                       </a:r>
                     </a:p>
                   </a:txBody>
@@ -14270,11 +12056,10 @@
                         <a:defRPr/>
                       </a:pPr>
                       <a:r>
-                        <a:rPr lang="en-US" sz="1200" dirty="0">
+                        <a:rPr lang="de-DE" sz="1200">
                           <a:solidFill>
                             <a:srgbClr val="5F5F5F"/>
                           </a:solidFill>
-                          <a:effectLst/>
                           <a:latin typeface="Adobe Clean" panose="020B0503020404020204" pitchFamily="34" charset="0"/>
                           <a:ea typeface="+mn-ea"/>
                           <a:cs typeface="+mn-cs"/>
@@ -14286,17 +12071,8 @@
                             </a:extLst>
                           </a:hlinkClick>
                         </a:rPr>
-                        <a:t>Terms and Conditions</a:t>
+                        <a:t>Geschäftsbedingungen</a:t>
                       </a:r>
-                      <a:endParaRPr lang="en-US" sz="1200" dirty="0">
-                        <a:solidFill>
-                          <a:srgbClr val="5F5F5F"/>
-                        </a:solidFill>
-                        <a:effectLst/>
-                        <a:latin typeface="Adobe Clean" panose="020B0503020404020204" pitchFamily="34" charset="0"/>
-                        <a:ea typeface="+mn-ea"/>
-                        <a:cs typeface="+mn-cs"/>
-                      </a:endParaRPr>
                     </a:p>
                   </a:txBody>
                   <a:tcPr anchor="ctr">
@@ -14353,7 +12129,7 @@
                     <a:lstStyle/>
                     <a:p>
                       <a:r>
-                        <a:rPr lang="en-US" sz="1000" kern="1200" dirty="0">
+                        <a:rPr lang="de-DE" sz="1000" dirty="0">
                           <a:solidFill>
                             <a:schemeClr val="tx1"/>
                           </a:solidFill>
@@ -14361,7 +12137,7 @@
                           <a:ea typeface="+mn-ea"/>
                           <a:cs typeface="+mn-cs"/>
                         </a:rPr>
-                        <a:t>Terms and conditions detailing Support Services offerings.</a:t>
+                        <a:t>Allgemeine Geschäftsbedingungen mit detaillierten Informationen zu den angebotenen Support-Services.</a:t>
                       </a:r>
                     </a:p>
                   </a:txBody>
@@ -14438,7 +12214,7 @@
         <p:spPr>
           <a:xfrm>
             <a:off x="194237" y="914400"/>
-            <a:ext cx="777240" cy="0"/>
+            <a:ext cx="914400" cy="0"/>
           </a:xfrm>
           <a:custGeom>
             <a:avLst/>
